--- a/Presentacion.pptx
+++ b/Presentacion.pptx
@@ -123,7 +123,7 @@
   </p:defaultTextStyle>
   <p:extLst>
     <p:ext uri="{EFAFB233-063F-42B5-8137-9DF3F51BA10A}">
-      <p15:sldGuideLst xmlns:p15="http://schemas.microsoft.com/office/powerpoint/2012/main" xmlns="">
+      <p15:sldGuideLst xmlns:p15="http://schemas.microsoft.com/office/powerpoint/2012/main">
         <p15:guide id="1" orient="horz" pos="2160">
           <p15:clr>
             <a:srgbClr val="A4A3A4"/>
@@ -2342,7 +2342,7 @@
           <a:p>
             <a:pPr algn="ctr"/>
             <a:r>
-              <a:rPr lang="es-ES_tradnl" sz="2400" b="1" dirty="0" smtClean="0">
+              <a:rPr lang="es-ES_tradnl" sz="2400" b="1" dirty="0">
                 <a:solidFill>
                   <a:schemeClr val="tx1">
                     <a:lumMod val="65000"/>
@@ -2354,21 +2354,11 @@
               </a:rPr>
               <a:t>Tesis</a:t>
             </a:r>
-            <a:endParaRPr lang="es-ES_tradnl" sz="2400" b="1" dirty="0">
-              <a:solidFill>
-                <a:schemeClr val="tx1">
-                  <a:lumMod val="65000"/>
-                  <a:lumOff val="35000"/>
-                </a:schemeClr>
-              </a:solidFill>
-              <a:latin typeface="Arial"/>
-              <a:cs typeface="Arial"/>
-            </a:endParaRPr>
           </a:p>
           <a:p>
             <a:pPr algn="ctr"/>
             <a:r>
-              <a:rPr lang="es-ES_tradnl" sz="2400" b="1" dirty="0" err="1" smtClean="0">
+              <a:rPr lang="es-ES_tradnl" sz="2400" b="1" dirty="0">
                 <a:solidFill>
                   <a:schemeClr val="tx1">
                     <a:lumMod val="65000"/>
@@ -2378,67 +2368,23 @@
                 <a:latin typeface="Arial"/>
                 <a:cs typeface="Arial"/>
               </a:rPr>
-              <a:t>Computacion</a:t>
-            </a:r>
-            <a:r>
-              <a:rPr lang="es-ES_tradnl" sz="2400" b="1" dirty="0" smtClean="0">
-                <a:solidFill>
-                  <a:schemeClr val="tx1">
-                    <a:lumMod val="65000"/>
-                    <a:lumOff val="35000"/>
+              <a:t>Computación Inteligente Aplicada</a:t>
+            </a:r>
+          </a:p>
+          <a:p>
+            <a:pPr algn="ctr"/>
+            <a:r>
+              <a:rPr lang="es-ES_tradnl" sz="2000" dirty="0">
+                <a:solidFill>
+                  <a:schemeClr val="accent2">
+                    <a:lumMod val="75000"/>
                   </a:schemeClr>
                 </a:solidFill>
                 <a:latin typeface="Arial"/>
                 <a:cs typeface="Arial"/>
               </a:rPr>
-              <a:t> Inteligente Aplicada</a:t>
-            </a:r>
-            <a:endParaRPr lang="es-ES_tradnl" sz="2400" b="1" dirty="0">
-              <a:solidFill>
-                <a:schemeClr val="tx1">
-                  <a:lumMod val="65000"/>
-                  <a:lumOff val="35000"/>
-                </a:schemeClr>
-              </a:solidFill>
-              <a:latin typeface="Arial"/>
-              <a:cs typeface="Arial"/>
-            </a:endParaRPr>
-          </a:p>
-          <a:p>
-            <a:pPr algn="ctr"/>
-            <a:r>
-              <a:rPr lang="es-ES_tradnl" sz="2000" dirty="0" smtClean="0">
-                <a:solidFill>
-                  <a:schemeClr val="accent2">
-                    <a:lumMod val="75000"/>
-                  </a:schemeClr>
-                </a:solidFill>
-                <a:latin typeface="Arial"/>
-                <a:cs typeface="Arial"/>
-              </a:rPr>
-              <a:t>Mtro. Juan Antonio Vega </a:t>
-            </a:r>
-            <a:r>
-              <a:rPr lang="es-ES_tradnl" sz="2000" dirty="0" err="1" smtClean="0">
-                <a:solidFill>
-                  <a:schemeClr val="accent2">
-                    <a:lumMod val="75000"/>
-                  </a:schemeClr>
-                </a:solidFill>
-                <a:latin typeface="Arial"/>
-                <a:cs typeface="Arial"/>
-              </a:rPr>
-              <a:t>Fernandez</a:t>
-            </a:r>
-            <a:endParaRPr lang="es-ES_tradnl" sz="2000" dirty="0">
-              <a:solidFill>
-                <a:schemeClr val="accent2">
-                  <a:lumMod val="75000"/>
-                </a:schemeClr>
-              </a:solidFill>
-              <a:latin typeface="Arial"/>
-              <a:cs typeface="Arial"/>
-            </a:endParaRPr>
+              <a:t>Mtro. Juan Antonio Vega Fernández</a:t>
+            </a:r>
           </a:p>
         </p:txBody>
       </p:sp>
@@ -2447,7 +2393,7 @@
           <p:cNvPr id="7" name="CuadroTexto 6">
             <a:extLst>
               <a:ext uri="{FF2B5EF4-FFF2-40B4-BE49-F238E27FC236}">
-                <a16:creationId xmlns="" xmlns:a16="http://schemas.microsoft.com/office/drawing/2014/main" id="{8E8A2F3C-924F-4B61-BD56-B083494DB9BE}"/>
+                <a16:creationId xmlns:a16="http://schemas.microsoft.com/office/drawing/2014/main" id="{8E8A2F3C-924F-4B61-BD56-B083494DB9BE}"/>
               </a:ext>
             </a:extLst>
           </p:cNvPr>
@@ -2472,7 +2418,7 @@
           <a:p>
             <a:pPr algn="ctr"/>
             <a:r>
-              <a:rPr lang="es-ES_tradnl" sz="2800" b="1" dirty="0" smtClean="0">
+              <a:rPr lang="es-ES_tradnl" sz="2800" b="1" dirty="0">
                 <a:solidFill>
                   <a:schemeClr val="tx1">
                     <a:lumMod val="65000"/>
@@ -2485,7 +2431,7 @@
               <a:t>Uso de Deep </a:t>
             </a:r>
             <a:r>
-              <a:rPr lang="es-ES_tradnl" sz="2800" b="1" dirty="0" err="1" smtClean="0">
+              <a:rPr lang="es-ES_tradnl" sz="2800" b="1" dirty="0" err="1">
                 <a:solidFill>
                   <a:schemeClr val="tx1">
                     <a:lumMod val="65000"/>
@@ -2498,7 +2444,7 @@
               <a:t>Learning</a:t>
             </a:r>
             <a:r>
-              <a:rPr lang="es-ES_tradnl" sz="2800" b="1" dirty="0" smtClean="0">
+              <a:rPr lang="es-ES_tradnl" sz="2800" b="1" dirty="0">
                 <a:solidFill>
                   <a:schemeClr val="tx1">
                     <a:lumMod val="65000"/>
@@ -2510,21 +2456,11 @@
               </a:rPr>
               <a:t> para composición musical </a:t>
             </a:r>
-            <a:endParaRPr lang="es-ES_tradnl" sz="2800" b="1" dirty="0">
-              <a:solidFill>
-                <a:schemeClr val="tx1">
-                  <a:lumMod val="65000"/>
-                  <a:lumOff val="35000"/>
-                </a:schemeClr>
-              </a:solidFill>
-              <a:latin typeface="Arial"/>
-              <a:cs typeface="Arial"/>
-            </a:endParaRPr>
           </a:p>
           <a:p>
             <a:pPr algn="ctr"/>
             <a:r>
-              <a:rPr lang="es-ES_tradnl" sz="2000" dirty="0" smtClean="0">
+              <a:rPr lang="es-ES_tradnl" sz="2000" dirty="0">
                 <a:solidFill>
                   <a:schemeClr val="accent2">
                     <a:lumMod val="75000"/>
@@ -2535,15 +2471,6 @@
               </a:rPr>
               <a:t>Efrain Adrian Luna Nevarez</a:t>
             </a:r>
-            <a:endParaRPr lang="es-ES_tradnl" sz="2000" dirty="0">
-              <a:solidFill>
-                <a:schemeClr val="accent2">
-                  <a:lumMod val="75000"/>
-                </a:schemeClr>
-              </a:solidFill>
-              <a:latin typeface="Arial"/>
-              <a:cs typeface="Arial"/>
-            </a:endParaRPr>
           </a:p>
         </p:txBody>
       </p:sp>
@@ -2632,7 +2559,7 @@
           <a:lstStyle/>
           <a:p>
             <a:r>
-              <a:rPr lang="es-ES_tradnl" sz="2000" b="1" dirty="0" smtClean="0">
+              <a:rPr lang="es-ES_tradnl" sz="2000" b="1" dirty="0">
                 <a:solidFill>
                   <a:schemeClr val="accent2">
                     <a:lumMod val="75000"/>
@@ -2643,15 +2570,6 @@
               </a:rPr>
               <a:t>Formato MIDI</a:t>
             </a:r>
-            <a:endParaRPr lang="es-ES_tradnl" sz="2000" b="1" dirty="0">
-              <a:solidFill>
-                <a:schemeClr val="accent2">
-                  <a:lumMod val="75000"/>
-                </a:schemeClr>
-              </a:solidFill>
-              <a:latin typeface="Arial"/>
-              <a:cs typeface="Arial"/>
-            </a:endParaRPr>
           </a:p>
           <a:p>
             <a:endParaRPr lang="es-ES_tradnl" dirty="0">
@@ -2703,7 +2621,7 @@
           <a:blip r:embed="rId3">
             <a:extLst>
               <a:ext uri="{28A0092B-C50C-407E-A947-70E740481C1C}">
-                <a14:useLocalDpi xmlns:a14="http://schemas.microsoft.com/office/drawing/2010/main" xmlns="" val="0"/>
+                <a14:useLocalDpi xmlns:a14="http://schemas.microsoft.com/office/drawing/2010/main" val="0"/>
               </a:ext>
             </a:extLst>
           </a:blip>
@@ -2723,7 +2641,7 @@
           <a:noFill/>
           <a:extLst>
             <a:ext uri="{909E8E84-426E-40DD-AFC4-6F175D3DCCD1}">
-              <a14:hiddenFill xmlns:a14="http://schemas.microsoft.com/office/drawing/2010/main" xmlns="">
+              <a14:hiddenFill xmlns:a14="http://schemas.microsoft.com/office/drawing/2010/main">
                 <a:solidFill>
                   <a:srgbClr val="FFFFFF"/>
                 </a:solidFill>
@@ -2744,7 +2662,7 @@
           <a:blip r:embed="rId4">
             <a:extLst>
               <a:ext uri="{28A0092B-C50C-407E-A947-70E740481C1C}">
-                <a14:useLocalDpi xmlns:a14="http://schemas.microsoft.com/office/drawing/2010/main" xmlns="" val="0"/>
+                <a14:useLocalDpi xmlns:a14="http://schemas.microsoft.com/office/drawing/2010/main" val="0"/>
               </a:ext>
             </a:extLst>
           </a:blip>
@@ -2762,7 +2680,7 @@
           <a:noFill/>
           <a:extLst>
             <a:ext uri="{909E8E84-426E-40DD-AFC4-6F175D3DCCD1}">
-              <a14:hiddenFill xmlns:a14="http://schemas.microsoft.com/office/drawing/2010/main" xmlns="">
+              <a14:hiddenFill xmlns:a14="http://schemas.microsoft.com/office/drawing/2010/main">
                 <a:solidFill>
                   <a:srgbClr val="FFFFFF"/>
                 </a:solidFill>
@@ -2807,7 +2725,7 @@
     </p:spTree>
     <p:extLst>
       <p:ext uri="{BB962C8B-B14F-4D97-AF65-F5344CB8AC3E}">
-        <p14:creationId xmlns:p14="http://schemas.microsoft.com/office/powerpoint/2010/main" xmlns="" val="3611779954"/>
+        <p14:creationId xmlns:p14="http://schemas.microsoft.com/office/powerpoint/2010/main" val="3611779954"/>
       </p:ext>
     </p:extLst>
   </p:cSld>
@@ -2894,7 +2812,7 @@
           <a:lstStyle/>
           <a:p>
             <a:r>
-              <a:rPr lang="es-ES_tradnl" dirty="0" smtClean="0">
+              <a:rPr lang="es-ES_tradnl" dirty="0">
                 <a:solidFill>
                   <a:schemeClr val="tx1">
                     <a:lumMod val="65000"/>
@@ -2907,7 +2825,7 @@
               <a:t>Este proyecto consta de 3 </a:t>
             </a:r>
             <a:r>
-              <a:rPr lang="es-ES_tradnl" dirty="0" err="1" smtClean="0">
+              <a:rPr lang="es-ES_tradnl" dirty="0" err="1">
                 <a:solidFill>
                   <a:schemeClr val="tx1">
                     <a:lumMod val="65000"/>
@@ -2920,7 +2838,7 @@
               <a:t>modulos</a:t>
             </a:r>
             <a:r>
-              <a:rPr lang="es-ES_tradnl" dirty="0" smtClean="0">
+              <a:rPr lang="es-ES_tradnl" dirty="0">
                 <a:solidFill>
                   <a:schemeClr val="tx1">
                     <a:lumMod val="65000"/>
@@ -2951,7 +2869,7 @@
               <a:buChar char="-"/>
             </a:pPr>
             <a:r>
-              <a:rPr lang="es-ES_tradnl" b="1" dirty="0" err="1" smtClean="0">
+              <a:rPr lang="es-ES_tradnl" b="1" dirty="0" err="1">
                 <a:solidFill>
                   <a:schemeClr val="tx1">
                     <a:lumMod val="65000"/>
@@ -2964,7 +2882,7 @@
               <a:t>Preprocesamiento</a:t>
             </a:r>
             <a:r>
-              <a:rPr lang="es-ES_tradnl" b="1" dirty="0" smtClean="0">
+              <a:rPr lang="es-ES_tradnl" b="1" dirty="0">
                 <a:solidFill>
                   <a:schemeClr val="tx1">
                     <a:lumMod val="65000"/>
@@ -2977,7 +2895,7 @@
               <a:t>.- </a:t>
             </a:r>
             <a:r>
-              <a:rPr lang="es-ES_tradnl" dirty="0" smtClean="0">
+              <a:rPr lang="es-ES_tradnl" dirty="0">
                 <a:solidFill>
                   <a:schemeClr val="tx1">
                     <a:lumMod val="65000"/>
@@ -2990,7 +2908,7 @@
               <a:t>Aquí se procesa los archivos MIDI para extraer únicamente los </a:t>
             </a:r>
             <a:r>
-              <a:rPr lang="es-ES_tradnl" dirty="0" err="1" smtClean="0">
+              <a:rPr lang="es-ES_tradnl" dirty="0" err="1">
                 <a:solidFill>
                   <a:schemeClr val="tx1">
                     <a:lumMod val="65000"/>
@@ -3003,7 +2921,7 @@
               <a:t>tracks</a:t>
             </a:r>
             <a:r>
-              <a:rPr lang="es-ES_tradnl" dirty="0" smtClean="0">
+              <a:rPr lang="es-ES_tradnl" dirty="0">
                 <a:solidFill>
                   <a:schemeClr val="tx1">
                     <a:lumMod val="65000"/>
@@ -3016,7 +2934,7 @@
               <a:t> de Guitarra, Bajo y </a:t>
             </a:r>
             <a:r>
-              <a:rPr lang="es-ES_tradnl" dirty="0" err="1" smtClean="0">
+              <a:rPr lang="es-ES_tradnl" dirty="0" err="1">
                 <a:solidFill>
                   <a:schemeClr val="tx1">
                     <a:lumMod val="65000"/>
@@ -3029,7 +2947,7 @@
               <a:t>Bateria</a:t>
             </a:r>
             <a:r>
-              <a:rPr lang="es-ES_tradnl" dirty="0" smtClean="0">
+              <a:rPr lang="es-ES_tradnl" dirty="0">
                 <a:solidFill>
                   <a:schemeClr val="tx1">
                     <a:lumMod val="65000"/>
@@ -3048,7 +2966,7 @@
               <a:buChar char="-"/>
             </a:pPr>
             <a:r>
-              <a:rPr lang="es-ES_tradnl" b="1" dirty="0" smtClean="0">
+              <a:rPr lang="es-ES_tradnl" b="1" dirty="0">
                 <a:solidFill>
                   <a:schemeClr val="tx1">
                     <a:lumMod val="65000"/>
@@ -3061,7 +2979,7 @@
               <a:t>Entrenamiento.- </a:t>
             </a:r>
             <a:r>
-              <a:rPr lang="es-ES_tradnl" dirty="0" smtClean="0">
+              <a:rPr lang="es-ES_tradnl" dirty="0">
                 <a:solidFill>
                   <a:schemeClr val="tx1">
                     <a:lumMod val="65000"/>
@@ -3074,7 +2992,7 @@
               <a:t>Este modulo se encarga de entrenar la red con los archivos previamente </a:t>
             </a:r>
             <a:r>
-              <a:rPr lang="es-ES_tradnl" dirty="0" err="1" smtClean="0">
+              <a:rPr lang="es-ES_tradnl" dirty="0" err="1">
                 <a:solidFill>
                   <a:schemeClr val="tx1">
                     <a:lumMod val="65000"/>
@@ -3087,7 +3005,7 @@
               <a:t>preprocesados</a:t>
             </a:r>
             <a:r>
-              <a:rPr lang="es-ES_tradnl" dirty="0" smtClean="0">
+              <a:rPr lang="es-ES_tradnl" dirty="0">
                 <a:solidFill>
                   <a:schemeClr val="tx1">
                     <a:lumMod val="65000"/>
@@ -3106,7 +3024,7 @@
               <a:buChar char="-"/>
             </a:pPr>
             <a:r>
-              <a:rPr lang="es-ES_tradnl" b="1" dirty="0" err="1" smtClean="0">
+              <a:rPr lang="es-ES_tradnl" b="1" dirty="0" err="1">
                 <a:solidFill>
                   <a:schemeClr val="tx1">
                     <a:lumMod val="65000"/>
@@ -3119,7 +3037,7 @@
               <a:t>Generacion</a:t>
             </a:r>
             <a:r>
-              <a:rPr lang="es-ES_tradnl" b="1" dirty="0" smtClean="0">
+              <a:rPr lang="es-ES_tradnl" b="1" dirty="0">
                 <a:solidFill>
                   <a:schemeClr val="tx1">
                     <a:lumMod val="65000"/>
@@ -3132,7 +3050,7 @@
               <a:t>.- </a:t>
             </a:r>
             <a:r>
-              <a:rPr lang="es-ES_tradnl" dirty="0" smtClean="0">
+              <a:rPr lang="es-ES_tradnl" dirty="0">
                 <a:solidFill>
                   <a:schemeClr val="tx1">
                     <a:lumMod val="65000"/>
@@ -3150,7 +3068,7 @@
               <a:buFontTx/>
               <a:buChar char="-"/>
             </a:pPr>
-            <a:endParaRPr lang="es-ES_tradnl" dirty="0" smtClean="0">
+            <a:endParaRPr lang="es-ES_tradnl" dirty="0">
               <a:solidFill>
                 <a:schemeClr val="tx1">
                   <a:lumMod val="65000"/>
@@ -3206,7 +3124,7 @@
     </p:spTree>
     <p:extLst>
       <p:ext uri="{BB962C8B-B14F-4D97-AF65-F5344CB8AC3E}">
-        <p14:creationId xmlns:p14="http://schemas.microsoft.com/office/powerpoint/2010/main" xmlns="" val="964733070"/>
+        <p14:creationId xmlns:p14="http://schemas.microsoft.com/office/powerpoint/2010/main" val="964733070"/>
       </p:ext>
     </p:extLst>
   </p:cSld>
@@ -3293,7 +3211,7 @@
           <a:lstStyle/>
           <a:p>
             <a:r>
-              <a:rPr lang="es-ES_tradnl" dirty="0" smtClean="0">
+              <a:rPr lang="es-ES_tradnl" dirty="0">
                 <a:solidFill>
                   <a:schemeClr val="tx1">
                     <a:lumMod val="65000"/>
@@ -3306,7 +3224,7 @@
               <a:t>El </a:t>
             </a:r>
             <a:r>
-              <a:rPr lang="es-ES_tradnl" dirty="0" err="1" smtClean="0">
+              <a:rPr lang="es-ES_tradnl" dirty="0" err="1">
                 <a:solidFill>
                   <a:schemeClr val="tx1">
                     <a:lumMod val="65000"/>
@@ -3319,7 +3237,7 @@
               <a:t>dataset</a:t>
             </a:r>
             <a:r>
-              <a:rPr lang="es-ES_tradnl" dirty="0" smtClean="0">
+              <a:rPr lang="es-ES_tradnl" dirty="0">
                 <a:solidFill>
                   <a:schemeClr val="tx1">
                     <a:lumMod val="65000"/>
@@ -3333,41 +3251,36 @@
             </a:r>
           </a:p>
           <a:p>
-            <a:endParaRPr lang="es-MX" dirty="0" smtClean="0"/>
-          </a:p>
-          <a:p>
-            <a:r>
-              <a:rPr lang="es-MX" dirty="0" smtClean="0"/>
+            <a:endParaRPr lang="es-MX" dirty="0"/>
+          </a:p>
+          <a:p>
+            <a:r>
+              <a:rPr lang="es-MX" dirty="0"/>
               <a:t>“</a:t>
             </a:r>
             <a:r>
-              <a:rPr lang="es-MX" dirty="0" err="1" smtClean="0"/>
+              <a:rPr lang="es-MX" dirty="0" err="1"/>
               <a:t>Clean</a:t>
             </a:r>
             <a:r>
-              <a:rPr lang="es-MX" dirty="0" smtClean="0"/>
-              <a:t> </a:t>
-            </a:r>
-            <a:r>
               <a:rPr lang="es-MX" dirty="0"/>
-              <a:t>MIDI </a:t>
-            </a:r>
-            <a:r>
-              <a:rPr lang="es-MX" dirty="0" err="1" smtClean="0"/>
+              <a:t> MIDI </a:t>
+            </a:r>
+            <a:r>
+              <a:rPr lang="es-MX" dirty="0" err="1"/>
               <a:t>subset</a:t>
             </a:r>
             <a:r>
-              <a:rPr lang="es-MX" dirty="0" smtClean="0"/>
+              <a:rPr lang="es-MX" dirty="0"/>
               <a:t>”</a:t>
             </a:r>
+          </a:p>
+          <a:p>
             <a:endParaRPr lang="es-MX" dirty="0"/>
           </a:p>
           <a:p>
-            <a:endParaRPr lang="es-MX" dirty="0" smtClean="0"/>
-          </a:p>
-          <a:p>
-            <a:r>
-              <a:rPr lang="es-ES_tradnl" dirty="0" smtClean="0">
+            <a:r>
+              <a:rPr lang="es-ES_tradnl" dirty="0">
                 <a:solidFill>
                   <a:schemeClr val="tx1">
                     <a:lumMod val="65000"/>
@@ -3405,34 +3318,8 @@
                 <a:cs typeface="Arial"/>
                 <a:hlinkClick r:id="rId2"/>
               </a:rPr>
-              <a:t>http://</a:t>
-            </a:r>
-            <a:r>
-              <a:rPr lang="es-ES_tradnl" dirty="0" smtClean="0">
-                <a:solidFill>
-                  <a:schemeClr val="tx1">
-                    <a:lumMod val="65000"/>
-                    <a:lumOff val="35000"/>
-                  </a:schemeClr>
-                </a:solidFill>
-                <a:latin typeface="Arial"/>
-                <a:cs typeface="Arial"/>
-                <a:hlinkClick r:id="rId2"/>
-              </a:rPr>
-              <a:t>hog.ee.columbia.edu/craffel/lmd/clean_midi.tar.gz</a:t>
-            </a:r>
-            <a:endParaRPr lang="es-ES_tradnl" dirty="0" smtClean="0">
-              <a:solidFill>
-                <a:schemeClr val="tx1">
-                  <a:lumMod val="65000"/>
-                  <a:lumOff val="35000"/>
-                </a:schemeClr>
-              </a:solidFill>
-              <a:latin typeface="Arial"/>
-              <a:cs typeface="Arial"/>
-            </a:endParaRPr>
-          </a:p>
-          <a:p>
+              <a:t>http://hog.ee.columbia.edu/craffel/lmd/clean_midi.tar.gz</a:t>
+            </a:r>
             <a:endParaRPr lang="es-ES_tradnl" dirty="0">
               <a:solidFill>
                 <a:schemeClr val="tx1">
@@ -3445,8 +3332,20 @@
             </a:endParaRPr>
           </a:p>
           <a:p>
-            <a:r>
-              <a:rPr lang="es-ES_tradnl" dirty="0" smtClean="0">
+            <a:endParaRPr lang="es-ES_tradnl" dirty="0">
+              <a:solidFill>
+                <a:schemeClr val="tx1">
+                  <a:lumMod val="65000"/>
+                  <a:lumOff val="35000"/>
+                </a:schemeClr>
+              </a:solidFill>
+              <a:latin typeface="Arial"/>
+              <a:cs typeface="Arial"/>
+            </a:endParaRPr>
+          </a:p>
+          <a:p>
+            <a:r>
+              <a:rPr lang="es-ES_tradnl" dirty="0">
                 <a:solidFill>
                   <a:schemeClr val="tx1">
                     <a:lumMod val="65000"/>
@@ -3459,7 +3358,7 @@
               <a:t>Este </a:t>
             </a:r>
             <a:r>
-              <a:rPr lang="es-ES_tradnl" dirty="0" err="1" smtClean="0">
+              <a:rPr lang="es-ES_tradnl" dirty="0" err="1">
                 <a:solidFill>
                   <a:schemeClr val="tx1">
                     <a:lumMod val="65000"/>
@@ -3472,7 +3371,7 @@
               <a:t>dataset</a:t>
             </a:r>
             <a:r>
-              <a:rPr lang="es-ES_tradnl" dirty="0" smtClean="0">
+              <a:rPr lang="es-ES_tradnl" dirty="0">
                 <a:solidFill>
                   <a:schemeClr val="tx1">
                     <a:lumMod val="65000"/>
@@ -3485,7 +3384,7 @@
               <a:t> contiene mas de 17000 canciones MIDI de rock y pop, ha sido utilizado en varios proyecto de Deep </a:t>
             </a:r>
             <a:r>
-              <a:rPr lang="es-ES_tradnl" dirty="0" err="1" smtClean="0">
+              <a:rPr lang="es-ES_tradnl" dirty="0" err="1">
                 <a:solidFill>
                   <a:schemeClr val="tx1">
                     <a:lumMod val="65000"/>
@@ -3498,7 +3397,7 @@
               <a:t>Learning</a:t>
             </a:r>
             <a:r>
-              <a:rPr lang="es-ES_tradnl" dirty="0" smtClean="0">
+              <a:rPr lang="es-ES_tradnl" dirty="0">
                 <a:solidFill>
                   <a:schemeClr val="tx1">
                     <a:lumMod val="65000"/>
@@ -3549,7 +3448,7 @@
           <a:blip r:embed="rId3">
             <a:extLst>
               <a:ext uri="{28A0092B-C50C-407E-A947-70E740481C1C}">
-                <a14:useLocalDpi xmlns:a14="http://schemas.microsoft.com/office/drawing/2010/main" xmlns="" val="0"/>
+                <a14:useLocalDpi xmlns:a14="http://schemas.microsoft.com/office/drawing/2010/main" val="0"/>
               </a:ext>
             </a:extLst>
           </a:blip>
@@ -3569,7 +3468,7 @@
           <a:noFill/>
           <a:extLst>
             <a:ext uri="{909E8E84-426E-40DD-AFC4-6F175D3DCCD1}">
-              <a14:hiddenFill xmlns:a14="http://schemas.microsoft.com/office/drawing/2010/main" xmlns="">
+              <a14:hiddenFill xmlns:a14="http://schemas.microsoft.com/office/drawing/2010/main">
                 <a:solidFill>
                   <a:srgbClr val="FFFFFF"/>
                 </a:solidFill>
@@ -3581,7 +3480,7 @@
     </p:spTree>
     <p:extLst>
       <p:ext uri="{BB962C8B-B14F-4D97-AF65-F5344CB8AC3E}">
-        <p14:creationId xmlns:p14="http://schemas.microsoft.com/office/powerpoint/2010/main" xmlns="" val="961381293"/>
+        <p14:creationId xmlns:p14="http://schemas.microsoft.com/office/powerpoint/2010/main" val="961381293"/>
       </p:ext>
     </p:extLst>
   </p:cSld>
@@ -3668,7 +3567,7 @@
           <a:lstStyle/>
           <a:p>
             <a:r>
-              <a:rPr lang="es-ES_tradnl" dirty="0" smtClean="0">
+              <a:rPr lang="es-ES_tradnl" dirty="0">
                 <a:solidFill>
                   <a:schemeClr val="tx1">
                     <a:lumMod val="65000"/>
@@ -3681,7 +3580,7 @@
               <a:t>Se utilizo un optimizador </a:t>
             </a:r>
             <a:r>
-              <a:rPr lang="es-ES_tradnl" dirty="0" err="1" smtClean="0">
+              <a:rPr lang="es-ES_tradnl" dirty="0" err="1">
                 <a:solidFill>
                   <a:schemeClr val="tx1">
                     <a:lumMod val="65000"/>
@@ -3694,7 +3593,7 @@
               <a:t>Rmsprop</a:t>
             </a:r>
             <a:r>
-              <a:rPr lang="es-ES_tradnl" dirty="0" smtClean="0">
+              <a:rPr lang="es-ES_tradnl" dirty="0">
                 <a:solidFill>
                   <a:schemeClr val="tx1">
                     <a:lumMod val="65000"/>
@@ -3752,7 +3651,7 @@
     </p:spTree>
     <p:extLst>
       <p:ext uri="{BB962C8B-B14F-4D97-AF65-F5344CB8AC3E}">
-        <p14:creationId xmlns:p14="http://schemas.microsoft.com/office/powerpoint/2010/main" xmlns="" val="3661972963"/>
+        <p14:creationId xmlns:p14="http://schemas.microsoft.com/office/powerpoint/2010/main" val="3661972963"/>
       </p:ext>
     </p:extLst>
   </p:cSld>
@@ -3843,7 +3742,7 @@
     </p:spTree>
     <p:extLst>
       <p:ext uri="{BB962C8B-B14F-4D97-AF65-F5344CB8AC3E}">
-        <p14:creationId xmlns:p14="http://schemas.microsoft.com/office/powerpoint/2010/main" xmlns="" val="2927349331"/>
+        <p14:creationId xmlns:p14="http://schemas.microsoft.com/office/powerpoint/2010/main" val="2927349331"/>
       </p:ext>
     </p:extLst>
   </p:cSld>
@@ -4002,10 +3901,9 @@
           <a:lstStyle/>
           <a:p>
             <a:r>
-              <a:rPr lang="es-MX" dirty="0" smtClean="0"/>
+              <a:rPr lang="es-MX" dirty="0"/>
               <a:t>Salida de Guitarra</a:t>
             </a:r>
-            <a:endParaRPr lang="es-MX" dirty="0"/>
           </a:p>
         </p:txBody>
       </p:sp>
@@ -4032,10 +3930,9 @@
           <a:lstStyle/>
           <a:p>
             <a:r>
-              <a:rPr lang="es-MX" dirty="0" smtClean="0"/>
+              <a:rPr lang="es-MX" dirty="0"/>
               <a:t>Salida de Bajo</a:t>
             </a:r>
-            <a:endParaRPr lang="es-MX" dirty="0"/>
           </a:p>
         </p:txBody>
       </p:sp>
@@ -4062,11 +3959,11 @@
           <a:lstStyle/>
           <a:p>
             <a:r>
-              <a:rPr lang="es-MX" dirty="0" smtClean="0"/>
+              <a:rPr lang="es-MX" dirty="0"/>
               <a:t>Salida de </a:t>
             </a:r>
             <a:r>
-              <a:rPr lang="es-MX" dirty="0" err="1" smtClean="0"/>
+              <a:rPr lang="es-MX" dirty="0" err="1"/>
               <a:t>Bateria</a:t>
             </a:r>
             <a:endParaRPr lang="es-MX" dirty="0"/>
@@ -4085,7 +3982,7 @@
           <a:blip r:embed="rId5">
             <a:extLst>
               <a:ext uri="{28A0092B-C50C-407E-A947-70E740481C1C}">
-                <a14:useLocalDpi xmlns:a14="http://schemas.microsoft.com/office/drawing/2010/main" xmlns="" val="0"/>
+                <a14:useLocalDpi xmlns:a14="http://schemas.microsoft.com/office/drawing/2010/main" val="0"/>
               </a:ext>
             </a:extLst>
           </a:blip>
@@ -4105,7 +4002,7 @@
           <a:noFill/>
           <a:extLst>
             <a:ext uri="{909E8E84-426E-40DD-AFC4-6F175D3DCCD1}">
-              <a14:hiddenFill xmlns:a14="http://schemas.microsoft.com/office/drawing/2010/main" xmlns="">
+              <a14:hiddenFill xmlns:a14="http://schemas.microsoft.com/office/drawing/2010/main">
                 <a:solidFill>
                   <a:srgbClr val="FFFFFF"/>
                 </a:solidFill>
@@ -4117,7 +4014,7 @@
     </p:spTree>
     <p:extLst>
       <p:ext uri="{BB962C8B-B14F-4D97-AF65-F5344CB8AC3E}">
-        <p14:creationId xmlns:p14="http://schemas.microsoft.com/office/powerpoint/2010/main" xmlns="" val="3141686425"/>
+        <p14:creationId xmlns:p14="http://schemas.microsoft.com/office/powerpoint/2010/main" val="3141686425"/>
       </p:ext>
     </p:extLst>
   </p:cSld>
@@ -4208,15 +4105,15 @@
               <a:buChar char="•"/>
             </a:pPr>
             <a:r>
-              <a:rPr lang="es-MX" dirty="0" smtClean="0"/>
+              <a:rPr lang="es-MX" dirty="0"/>
               <a:t>Los resultados obtenidos de este proyecto fueron bastante buenos, ya que la red fue capaz de aprender a generar notas y silencios de diferentes valores, </a:t>
             </a:r>
             <a:r>
-              <a:rPr lang="es-MX" dirty="0" err="1" smtClean="0"/>
+              <a:rPr lang="es-MX" dirty="0" err="1"/>
               <a:t>asi</a:t>
             </a:r>
             <a:r>
-              <a:rPr lang="es-MX" dirty="0" smtClean="0"/>
+              <a:rPr lang="es-MX" dirty="0"/>
               <a:t> como su conjunción en una melodía.</a:t>
             </a:r>
           </a:p>
@@ -4226,42 +4123,9 @@
               <a:buChar char="•"/>
             </a:pPr>
             <a:r>
-              <a:rPr lang="es-MX" dirty="0" smtClean="0"/>
-              <a:t>Este </a:t>
-            </a:r>
-            <a:r>
               <a:rPr lang="es-MX" dirty="0"/>
-              <a:t>proyecto sirve para reflexionar acerca de las </a:t>
-            </a:r>
-            <a:r>
-              <a:rPr lang="es-MX" dirty="0" smtClean="0"/>
-              <a:t>redes recurrentes</a:t>
-            </a:r>
-            <a:r>
-              <a:rPr lang="es-MX" dirty="0"/>
-              <a:t>, a pesar de ser una herramienta muy potente </a:t>
-            </a:r>
-            <a:r>
-              <a:rPr lang="es-MX" dirty="0" smtClean="0"/>
-              <a:t>a la </a:t>
-            </a:r>
-            <a:r>
-              <a:rPr lang="es-MX" dirty="0"/>
-              <a:t>hora de emplearlas en diferentes problemas, la realidad </a:t>
-            </a:r>
-            <a:r>
-              <a:rPr lang="es-MX" dirty="0" smtClean="0"/>
-              <a:t>es que </a:t>
-            </a:r>
-            <a:r>
-              <a:rPr lang="es-MX" dirty="0"/>
-              <a:t>el tiempo de procesamiento de estas redes es </a:t>
-            </a:r>
-            <a:r>
-              <a:rPr lang="es-MX" dirty="0" smtClean="0"/>
-              <a:t>considerable.</a:t>
-            </a:r>
-            <a:endParaRPr lang="es-MX" dirty="0"/>
+              <a:t>Este proyecto sirve para reflexionar acerca de las redes recurrentes, a pesar de ser una herramienta muy potente a la hora de emplearlas en diferentes problemas, la realidad es que el tiempo de procesamiento de estas redes es considerable.</a:t>
+            </a:r>
           </a:p>
           <a:p>
             <a:pPr marL="285750" indent="-285750">
@@ -4270,15 +4134,7 @@
             </a:pPr>
             <a:r>
               <a:rPr lang="es-MX" dirty="0"/>
-              <a:t>Posiblemente en un futuro el poder de procesamiento </a:t>
-            </a:r>
-            <a:r>
-              <a:rPr lang="es-MX" dirty="0" smtClean="0"/>
-              <a:t>nos permita </a:t>
-            </a:r>
-            <a:r>
-              <a:rPr lang="es-MX" dirty="0"/>
-              <a:t>seguir experimentando con estas redes.</a:t>
+              <a:t>Posiblemente en un futuro el poder de procesamiento nos permita seguir experimentando con estas redes.</a:t>
             </a:r>
           </a:p>
           <a:p>
@@ -4287,52 +4143,16 @@
               <a:buChar char="•"/>
             </a:pPr>
             <a:r>
-              <a:rPr lang="es-MX" dirty="0" smtClean="0"/>
-              <a:t>La intención </a:t>
-            </a:r>
-            <a:r>
               <a:rPr lang="es-MX" dirty="0"/>
-              <a:t>de </a:t>
-            </a:r>
-            <a:r>
-              <a:rPr lang="es-MX" dirty="0" smtClean="0"/>
-              <a:t>este proyecto </a:t>
+              <a:t>La intención de este proyecto no era generar una </a:t>
+            </a:r>
+            <a:r>
+              <a:rPr lang="es-MX" dirty="0" err="1"/>
+              <a:t>musica</a:t>
             </a:r>
             <a:r>
               <a:rPr lang="es-MX" dirty="0"/>
-              <a:t>no era generar una </a:t>
-            </a:r>
-            <a:r>
-              <a:rPr lang="es-MX" dirty="0" err="1" smtClean="0"/>
-              <a:t>musica</a:t>
-            </a:r>
-            <a:r>
-              <a:rPr lang="es-MX" dirty="0" smtClean="0"/>
-              <a:t> exitosa, sino </a:t>
-            </a:r>
-            <a:r>
-              <a:rPr lang="es-MX" dirty="0"/>
-              <a:t>darle una idea de </a:t>
-            </a:r>
-            <a:r>
-              <a:rPr lang="es-MX" dirty="0" smtClean="0"/>
-              <a:t>composición </a:t>
-            </a:r>
-            <a:r>
-              <a:rPr lang="es-MX" dirty="0"/>
-              <a:t>al </a:t>
-            </a:r>
-            <a:r>
-              <a:rPr lang="es-MX" dirty="0" smtClean="0"/>
-              <a:t>músico</a:t>
-            </a:r>
-            <a:r>
-              <a:rPr lang="es-MX" dirty="0"/>
-              <a:t>, el cual </a:t>
-            </a:r>
-            <a:r>
-              <a:rPr lang="es-MX" dirty="0" smtClean="0"/>
-              <a:t>va a decidir si empleara las notas generadas o cambiara algunas de ellas.</a:t>
+              <a:t> exitosa, sino darle una idea de composición al músico, el cual va a decidir si empleara las notas generadas o cambiara algunas de ellas.</a:t>
             </a:r>
             <a:endParaRPr lang="es-ES_tradnl" dirty="0">
               <a:solidFill>
@@ -4350,7 +4170,7 @@
     </p:spTree>
     <p:extLst>
       <p:ext uri="{BB962C8B-B14F-4D97-AF65-F5344CB8AC3E}">
-        <p14:creationId xmlns:p14="http://schemas.microsoft.com/office/powerpoint/2010/main" xmlns="" val="2630158223"/>
+        <p14:creationId xmlns:p14="http://schemas.microsoft.com/office/powerpoint/2010/main" val="2630158223"/>
       </p:ext>
     </p:extLst>
   </p:cSld>
@@ -4664,17 +4484,17 @@
               <a:t> </a:t>
             </a:r>
             <a:r>
-              <a:rPr lang="es-ES" i="1" dirty="0" err="1" smtClean="0"/>
+              <a:rPr lang="es-ES" i="1" dirty="0" err="1"/>
               <a:t>Theory</a:t>
             </a:r>
             <a:r>
-              <a:rPr lang="es-ES" i="1" dirty="0" smtClean="0"/>
+              <a:rPr lang="es-ES" i="1" dirty="0"/>
               <a:t>“</a:t>
             </a:r>
           </a:p>
           <a:p>
             <a:r>
-              <a:rPr lang="es-MX" i="1" dirty="0" smtClean="0"/>
+              <a:rPr lang="es-MX" i="1" dirty="0"/>
               <a:t>[7] </a:t>
             </a:r>
             <a:r>
@@ -4695,19 +4515,11 @@
             </a:r>
             <a:r>
               <a:rPr lang="en-US" i="1" dirty="0"/>
-              <a:t> </a:t>
-            </a:r>
-            <a:r>
-              <a:rPr lang="en-US" i="1" dirty="0" smtClean="0"/>
-              <a:t>(</a:t>
-            </a:r>
-            <a:r>
-              <a:rPr lang="es-MX" i="1" dirty="0" smtClean="0"/>
-              <a:t>2002), </a:t>
+              <a:t> (</a:t>
             </a:r>
             <a:r>
               <a:rPr lang="es-MX" i="1" dirty="0"/>
-              <a:t>“</a:t>
+              <a:t>2002), “</a:t>
             </a:r>
             <a:r>
               <a:rPr lang="en-US" i="1" dirty="0"/>
@@ -4723,21 +4535,17 @@
             </a:r>
             <a:r>
               <a:rPr lang="es-MX" i="1" dirty="0"/>
-              <a:t>02</a:t>
-            </a:r>
-            <a:r>
-              <a:rPr lang="es-MX" i="1" dirty="0" smtClean="0"/>
-              <a:t>”</a:t>
-            </a:r>
-            <a:r>
-              <a:rPr lang="en-US" i="1" dirty="0" smtClean="0"/>
+              <a:t>02”</a:t>
+            </a:r>
+            <a:r>
+              <a:rPr lang="en-US" i="1" dirty="0"/>
               <a:t> </a:t>
             </a:r>
             <a:endParaRPr lang="es-MX" i="1" dirty="0"/>
           </a:p>
           <a:p>
             <a:r>
-              <a:rPr lang="es-ES" i="1" dirty="0" smtClean="0"/>
+              <a:rPr lang="es-ES" i="1" dirty="0"/>
               <a:t>[8] </a:t>
             </a:r>
             <a:r>
@@ -4780,12 +4588,8 @@
           </a:p>
           <a:p>
             <a:r>
-              <a:rPr lang="es-ES" i="1" dirty="0" smtClean="0"/>
-              <a:t>(2009), </a:t>
-            </a:r>
-            <a:r>
               <a:rPr lang="es-ES" i="1" dirty="0"/>
-              <a:t>“</a:t>
+              <a:t>(2009), “</a:t>
             </a:r>
             <a:r>
               <a:rPr lang="es-ES" i="1" dirty="0" err="1"/>
@@ -4864,7 +4668,7 @@
               <a:t>networks</a:t>
             </a:r>
             <a:r>
-              <a:rPr lang="es-ES" i="1" dirty="0" smtClean="0"/>
+              <a:rPr lang="es-ES" i="1" dirty="0"/>
               <a:t>”</a:t>
             </a:r>
             <a:endParaRPr lang="es-ES_tradnl" i="1" dirty="0">
@@ -4879,15 +4683,15 @@
           </a:p>
           <a:p>
             <a:r>
-              <a:rPr lang="es-ES" i="1" dirty="0" smtClean="0"/>
+              <a:rPr lang="es-ES" i="1" dirty="0"/>
               <a:t>[9] </a:t>
             </a:r>
             <a:r>
-              <a:rPr lang="es-ES" i="1" dirty="0" err="1" smtClean="0"/>
+              <a:rPr lang="es-ES" i="1" dirty="0" err="1"/>
               <a:t>Aggelos</a:t>
             </a:r>
             <a:r>
-              <a:rPr lang="es-ES" i="1" dirty="0" smtClean="0"/>
+              <a:rPr lang="es-ES" i="1" dirty="0"/>
               <a:t> </a:t>
             </a:r>
             <a:r>
@@ -4896,15 +4700,7 @@
             </a:r>
             <a:r>
               <a:rPr lang="es-ES" i="1" dirty="0"/>
-              <a:t> </a:t>
-            </a:r>
-            <a:r>
-              <a:rPr lang="es-ES" i="1" dirty="0" smtClean="0"/>
-              <a:t>(2013), </a:t>
-            </a:r>
-            <a:r>
-              <a:rPr lang="es-ES" i="1" dirty="0"/>
-              <a:t>"A Deep </a:t>
+              <a:t> (2013), "A Deep </a:t>
             </a:r>
             <a:r>
               <a:rPr lang="es-ES" i="1" dirty="0" err="1"/>
@@ -4951,14 +4747,14 @@
               <a:t>Applications</a:t>
             </a:r>
             <a:r>
-              <a:rPr lang="es-ES" i="1" dirty="0" smtClean="0"/>
+              <a:rPr lang="es-ES" i="1" dirty="0"/>
               <a:t>"</a:t>
             </a:r>
             <a:endParaRPr lang="es-MX" i="1" dirty="0"/>
           </a:p>
           <a:p>
             <a:r>
-              <a:rPr lang="es-ES" i="1" dirty="0" smtClean="0"/>
+              <a:rPr lang="es-ES" i="1" dirty="0"/>
               <a:t>[10] Allen </a:t>
             </a:r>
             <a:r>
@@ -4978,20 +4774,16 @@
               <a:t> </a:t>
             </a:r>
             <a:r>
-              <a:rPr lang="es-ES" i="1" dirty="0" err="1" smtClean="0"/>
+              <a:rPr lang="es-ES" i="1" dirty="0" err="1"/>
               <a:t>Wu</a:t>
             </a:r>
             <a:r>
-              <a:rPr lang="es-MX" i="1" dirty="0" smtClean="0"/>
+              <a:rPr lang="es-MX" i="1" dirty="0"/>
               <a:t> </a:t>
             </a:r>
             <a:r>
-              <a:rPr lang="es-ES" i="1" dirty="0" smtClean="0"/>
-              <a:t>(2016), </a:t>
-            </a:r>
-            <a:r>
               <a:rPr lang="es-ES" i="1" dirty="0"/>
-              <a:t>“Deep </a:t>
+              <a:t>(2016), “Deep </a:t>
             </a:r>
             <a:r>
               <a:rPr lang="es-ES" i="1" dirty="0" err="1"/>
@@ -5014,7 +4806,7 @@
               <a:t>Music</a:t>
             </a:r>
             <a:r>
-              <a:rPr lang="es-ES" i="1" dirty="0" smtClean="0"/>
+              <a:rPr lang="es-ES" i="1" dirty="0"/>
               <a:t>”</a:t>
             </a:r>
             <a:endParaRPr lang="es-MX" i="1" dirty="0"/>
@@ -5036,7 +4828,7 @@
     </p:spTree>
     <p:extLst>
       <p:ext uri="{BB962C8B-B14F-4D97-AF65-F5344CB8AC3E}">
-        <p14:creationId xmlns:p14="http://schemas.microsoft.com/office/powerpoint/2010/main" xmlns="" val="209157691"/>
+        <p14:creationId xmlns:p14="http://schemas.microsoft.com/office/powerpoint/2010/main" val="209157691"/>
       </p:ext>
     </p:extLst>
   </p:cSld>
@@ -5157,8 +4949,8 @@
         </p:nvSpPr>
         <p:spPr>
           <a:xfrm>
-            <a:off x="457200" y="1371600"/>
-            <a:ext cx="5029200" cy="3693319"/>
+            <a:off x="264367" y="2110264"/>
+            <a:ext cx="5029200" cy="1477328"/>
           </a:xfrm>
           <a:prstGeom prst="rect">
             <a:avLst/>
@@ -5172,151 +4964,19 @@
           <a:lstStyle/>
           <a:p>
             <a:r>
-              <a:rPr lang="es-MX" dirty="0" smtClean="0">
+              <a:rPr lang="es-MX" dirty="0">
                 <a:latin typeface="+mj-lt"/>
               </a:rPr>
-              <a:t>El tiempo que tarda una persona para componer una </a:t>
-            </a:r>
-            <a:r>
-              <a:rPr lang="es-MX" dirty="0" err="1" smtClean="0">
-                <a:latin typeface="+mj-lt"/>
-              </a:rPr>
-              <a:t>cancion</a:t>
-            </a:r>
-            <a:r>
-              <a:rPr lang="es-MX" dirty="0" smtClean="0">
-                <a:latin typeface="+mj-lt"/>
-              </a:rPr>
-              <a:t> puede variar, puede ser desde unas horas hasta varios </a:t>
-            </a:r>
-            <a:r>
-              <a:rPr lang="es-MX" dirty="0" err="1" smtClean="0">
-                <a:latin typeface="+mj-lt"/>
-              </a:rPr>
-              <a:t>dias</a:t>
-            </a:r>
-            <a:r>
-              <a:rPr lang="es-MX" dirty="0" smtClean="0">
-                <a:latin typeface="+mj-lt"/>
-              </a:rPr>
-              <a:t> o meses. Este tiempo depende de si ya se tiene una idea clara de la </a:t>
-            </a:r>
-            <a:r>
-              <a:rPr lang="es-MX" dirty="0" err="1" smtClean="0">
-                <a:latin typeface="+mj-lt"/>
-              </a:rPr>
-              <a:t>cancion</a:t>
-            </a:r>
-            <a:r>
-              <a:rPr lang="es-MX" dirty="0" smtClean="0">
-                <a:latin typeface="+mj-lt"/>
-              </a:rPr>
-              <a:t> y solo se busca las notas adecuadas en un instrumento, o si no se tiene una idea clara de la </a:t>
-            </a:r>
-            <a:r>
-              <a:rPr lang="es-MX" dirty="0" err="1" smtClean="0">
-                <a:latin typeface="+mj-lt"/>
-              </a:rPr>
-              <a:t>cancion</a:t>
-            </a:r>
-            <a:r>
-              <a:rPr lang="es-MX" dirty="0" smtClean="0">
-                <a:latin typeface="+mj-lt"/>
-              </a:rPr>
-              <a:t> y se busca crear algo desde cero, en este caso el proceso puede tomar mucho tiempo.</a:t>
-            </a:r>
-          </a:p>
-          <a:p>
-            <a:r>
-              <a:rPr lang="es-MX" dirty="0" err="1" smtClean="0">
-                <a:latin typeface="+mj-lt"/>
-              </a:rPr>
-              <a:t>Tambien</a:t>
-            </a:r>
-            <a:r>
-              <a:rPr lang="es-MX" dirty="0" smtClean="0">
-                <a:latin typeface="+mj-lt"/>
-              </a:rPr>
-              <a:t> otro problema es la falta de ideas al momento de componer.</a:t>
-            </a:r>
-          </a:p>
-          <a:p>
-            <a:r>
-              <a:rPr lang="es-MX" dirty="0" smtClean="0">
+              <a:t>La falta de nuevas ideas dentro de la composición musical es uno de los principales problemas para los músicos.</a:t>
+            </a:r>
+          </a:p>
+          <a:p>
+            <a:r>
+              <a:rPr lang="es-MX" dirty="0">
                 <a:latin typeface="+mj-lt"/>
                 <a:cs typeface="Arial"/>
               </a:rPr>
-              <a:t>Las aplicaciones actuales de </a:t>
-            </a:r>
-            <a:r>
-              <a:rPr lang="es-MX" dirty="0" err="1" smtClean="0">
-                <a:latin typeface="+mj-lt"/>
-                <a:cs typeface="Arial"/>
-              </a:rPr>
-              <a:t>deep</a:t>
-            </a:r>
-            <a:r>
-              <a:rPr lang="es-MX" dirty="0" smtClean="0">
-                <a:latin typeface="+mj-lt"/>
-                <a:cs typeface="Arial"/>
-              </a:rPr>
-              <a:t> </a:t>
-            </a:r>
-            <a:r>
-              <a:rPr lang="es-MX" dirty="0" err="1" smtClean="0">
-                <a:latin typeface="+mj-lt"/>
-                <a:cs typeface="Arial"/>
-              </a:rPr>
-              <a:t>learning</a:t>
-            </a:r>
-            <a:r>
-              <a:rPr lang="es-MX" dirty="0" smtClean="0">
-                <a:latin typeface="+mj-lt"/>
-                <a:cs typeface="Arial"/>
-              </a:rPr>
-              <a:t> para la </a:t>
-            </a:r>
-            <a:r>
-              <a:rPr lang="es-MX" dirty="0" err="1" smtClean="0">
-                <a:latin typeface="+mj-lt"/>
-                <a:cs typeface="Arial"/>
-              </a:rPr>
-              <a:t>creacion</a:t>
-            </a:r>
-            <a:r>
-              <a:rPr lang="es-MX" dirty="0" smtClean="0">
-                <a:latin typeface="+mj-lt"/>
-                <a:cs typeface="Arial"/>
-              </a:rPr>
-              <a:t> musical no permiten la </a:t>
-            </a:r>
-            <a:r>
-              <a:rPr lang="es-MX" dirty="0" err="1" smtClean="0">
-                <a:latin typeface="+mj-lt"/>
-                <a:cs typeface="Arial"/>
-              </a:rPr>
-              <a:t>creacion</a:t>
-            </a:r>
-            <a:r>
-              <a:rPr lang="es-MX" dirty="0" smtClean="0">
-                <a:latin typeface="+mj-lt"/>
-                <a:cs typeface="Arial"/>
-              </a:rPr>
-              <a:t> de </a:t>
-            </a:r>
-            <a:r>
-              <a:rPr lang="es-MX" dirty="0" err="1" smtClean="0">
-                <a:latin typeface="+mj-lt"/>
-                <a:cs typeface="Arial"/>
-              </a:rPr>
-              <a:t>armonias</a:t>
-            </a:r>
-            <a:r>
-              <a:rPr lang="es-MX" dirty="0" smtClean="0">
-                <a:latin typeface="+mj-lt"/>
-                <a:cs typeface="Arial"/>
-              </a:rPr>
-              <a:t> musicales.</a:t>
+              <a:t>Este factor influye directamente con tiempo que le toma a un musico crear una nueva canción.</a:t>
             </a:r>
             <a:endParaRPr lang="es-ES_tradnl" dirty="0">
               <a:latin typeface="+mj-lt"/>
@@ -5337,7 +4997,7 @@
           <a:blip r:embed="rId2">
             <a:extLst>
               <a:ext uri="{28A0092B-C50C-407E-A947-70E740481C1C}">
-                <a14:useLocalDpi xmlns:a14="http://schemas.microsoft.com/office/drawing/2010/main" xmlns="" val="0"/>
+                <a14:useLocalDpi xmlns:a14="http://schemas.microsoft.com/office/drawing/2010/main" val="0"/>
               </a:ext>
             </a:extLst>
           </a:blip>
@@ -5450,15 +5110,7 @@
             </a:r>
             <a:r>
               <a:rPr lang="es-MX" sz="2000" dirty="0"/>
-              <a:t> para </a:t>
-            </a:r>
-            <a:r>
-              <a:rPr lang="es-MX" sz="2000" dirty="0" smtClean="0"/>
-              <a:t>servir de apoyo en una composición </a:t>
-            </a:r>
-            <a:r>
-              <a:rPr lang="es-MX" sz="2000" dirty="0"/>
-              <a:t>musical.</a:t>
+              <a:t> para servir de apoyo en una composición musical.</a:t>
             </a:r>
           </a:p>
         </p:txBody>
@@ -5475,7 +5127,7 @@
           <a:blip r:embed="rId2">
             <a:extLst>
               <a:ext uri="{28A0092B-C50C-407E-A947-70E740481C1C}">
-                <a14:useLocalDpi xmlns:a14="http://schemas.microsoft.com/office/drawing/2010/main" xmlns="" val="0"/>
+                <a14:useLocalDpi xmlns:a14="http://schemas.microsoft.com/office/drawing/2010/main" val="0"/>
               </a:ext>
             </a:extLst>
           </a:blip>
@@ -5505,7 +5157,7 @@
           <a:blip r:embed="rId3">
             <a:extLst>
               <a:ext uri="{28A0092B-C50C-407E-A947-70E740481C1C}">
-                <a14:useLocalDpi xmlns:a14="http://schemas.microsoft.com/office/drawing/2010/main" xmlns="" val="0"/>
+                <a14:useLocalDpi xmlns:a14="http://schemas.microsoft.com/office/drawing/2010/main" val="0"/>
               </a:ext>
             </a:extLst>
           </a:blip>
@@ -5526,7 +5178,7 @@
     </p:spTree>
     <p:extLst>
       <p:ext uri="{BB962C8B-B14F-4D97-AF65-F5344CB8AC3E}">
-        <p14:creationId xmlns:p14="http://schemas.microsoft.com/office/powerpoint/2010/main" xmlns="" val="2396928773"/>
+        <p14:creationId xmlns:p14="http://schemas.microsoft.com/office/powerpoint/2010/main" val="2396928773"/>
       </p:ext>
     </p:extLst>
   </p:cSld>
@@ -5613,7 +5265,7 @@
           <a:lstStyle/>
           <a:p>
             <a:r>
-              <a:rPr lang="es-ES_tradnl" dirty="0" smtClean="0">
+              <a:rPr lang="es-ES_tradnl" dirty="0">
                 <a:solidFill>
                   <a:schemeClr val="tx1">
                     <a:lumMod val="65000"/>
@@ -5626,7 +5278,7 @@
               <a:t>Este proyecto se centrara en crear melodías musicales de guitarra, bajo </a:t>
             </a:r>
             <a:r>
-              <a:rPr lang="es-ES_tradnl" dirty="0" err="1" smtClean="0">
+              <a:rPr lang="es-ES_tradnl" dirty="0" err="1">
                 <a:solidFill>
                   <a:schemeClr val="tx1">
                     <a:lumMod val="65000"/>
@@ -5639,7 +5291,7 @@
               <a:t>asi</a:t>
             </a:r>
             <a:r>
-              <a:rPr lang="es-ES_tradnl" dirty="0" smtClean="0">
+              <a:rPr lang="es-ES_tradnl" dirty="0">
                 <a:solidFill>
                   <a:schemeClr val="tx1">
                     <a:lumMod val="65000"/>
@@ -5654,7 +5306,7 @@
           </a:p>
           <a:p>
             <a:r>
-              <a:rPr lang="es-ES_tradnl" dirty="0" smtClean="0">
+              <a:rPr lang="es-ES_tradnl" dirty="0">
                 <a:solidFill>
                   <a:schemeClr val="tx1">
                     <a:lumMod val="65000"/>
@@ -5666,16 +5318,6 @@
               </a:rPr>
               <a:t>Las nuevas canciones creadas por estos algoritmos no buscan ser ideas finales de composición, la única intensión es crear una serie de ideas para nuevas canciones</a:t>
             </a:r>
-            <a:endParaRPr lang="es-ES_tradnl" dirty="0">
-              <a:solidFill>
-                <a:schemeClr val="tx1">
-                  <a:lumMod val="65000"/>
-                  <a:lumOff val="35000"/>
-                </a:schemeClr>
-              </a:solidFill>
-              <a:latin typeface="Arial"/>
-              <a:cs typeface="Arial"/>
-            </a:endParaRPr>
           </a:p>
         </p:txBody>
       </p:sp>
@@ -5691,7 +5333,7 @@
           <a:blip r:embed="rId2">
             <a:extLst>
               <a:ext uri="{28A0092B-C50C-407E-A947-70E740481C1C}">
-                <a14:useLocalDpi xmlns:a14="http://schemas.microsoft.com/office/drawing/2010/main" xmlns="" val="0"/>
+                <a14:useLocalDpi xmlns:a14="http://schemas.microsoft.com/office/drawing/2010/main" val="0"/>
               </a:ext>
             </a:extLst>
           </a:blip>
@@ -5711,7 +5353,7 @@
           <a:noFill/>
           <a:extLst>
             <a:ext uri="{909E8E84-426E-40DD-AFC4-6F175D3DCCD1}">
-              <a14:hiddenFill xmlns:a14="http://schemas.microsoft.com/office/drawing/2010/main" xmlns="">
+              <a14:hiddenFill xmlns:a14="http://schemas.microsoft.com/office/drawing/2010/main">
                 <a:solidFill>
                   <a:srgbClr val="FFFFFF"/>
                 </a:solidFill>
@@ -5732,7 +5374,7 @@
           <a:blip r:embed="rId3">
             <a:extLst>
               <a:ext uri="{28A0092B-C50C-407E-A947-70E740481C1C}">
-                <a14:useLocalDpi xmlns:a14="http://schemas.microsoft.com/office/drawing/2010/main" xmlns="" val="0"/>
+                <a14:useLocalDpi xmlns:a14="http://schemas.microsoft.com/office/drawing/2010/main" val="0"/>
               </a:ext>
             </a:extLst>
           </a:blip>
@@ -5752,7 +5394,7 @@
           <a:noFill/>
           <a:extLst>
             <a:ext uri="{909E8E84-426E-40DD-AFC4-6F175D3DCCD1}">
-              <a14:hiddenFill xmlns:a14="http://schemas.microsoft.com/office/drawing/2010/main" xmlns="">
+              <a14:hiddenFill xmlns:a14="http://schemas.microsoft.com/office/drawing/2010/main">
                 <a:solidFill>
                   <a:srgbClr val="FFFFFF"/>
                 </a:solidFill>
@@ -5773,7 +5415,7 @@
           <a:blip r:embed="rId4">
             <a:extLst>
               <a:ext uri="{28A0092B-C50C-407E-A947-70E740481C1C}">
-                <a14:useLocalDpi xmlns:a14="http://schemas.microsoft.com/office/drawing/2010/main" xmlns="" val="0"/>
+                <a14:useLocalDpi xmlns:a14="http://schemas.microsoft.com/office/drawing/2010/main" val="0"/>
               </a:ext>
             </a:extLst>
           </a:blip>
@@ -5793,7 +5435,7 @@
           <a:noFill/>
           <a:extLst>
             <a:ext uri="{909E8E84-426E-40DD-AFC4-6F175D3DCCD1}">
-              <a14:hiddenFill xmlns:a14="http://schemas.microsoft.com/office/drawing/2010/main" xmlns="">
+              <a14:hiddenFill xmlns:a14="http://schemas.microsoft.com/office/drawing/2010/main">
                 <a:solidFill>
                   <a:srgbClr val="FFFFFF"/>
                 </a:solidFill>
@@ -5805,7 +5447,7 @@
     </p:spTree>
     <p:extLst>
       <p:ext uri="{BB962C8B-B14F-4D97-AF65-F5344CB8AC3E}">
-        <p14:creationId xmlns:p14="http://schemas.microsoft.com/office/powerpoint/2010/main" xmlns="" val="2661202115"/>
+        <p14:creationId xmlns:p14="http://schemas.microsoft.com/office/powerpoint/2010/main" val="2661202115"/>
       </p:ext>
     </p:extLst>
   </p:cSld>
@@ -5895,25 +5537,13 @@
               <a:rPr lang="es-MX" b="1" dirty="0">
                 <a:latin typeface="+mj-lt"/>
               </a:rPr>
-              <a:t>2002. </a:t>
-            </a:r>
-            <a:r>
-              <a:rPr lang="es-MX" b="1" dirty="0" smtClean="0">
-                <a:latin typeface="+mj-lt"/>
-              </a:rPr>
-              <a:t>“</a:t>
-            </a:r>
-            <a:r>
-              <a:rPr lang="en-US" b="1" dirty="0" smtClean="0">
-                <a:latin typeface="+mj-lt"/>
-              </a:rPr>
-              <a:t>A </a:t>
+              <a:t>2002. “</a:t>
             </a:r>
             <a:r>
               <a:rPr lang="en-US" b="1" dirty="0">
                 <a:latin typeface="+mj-lt"/>
               </a:rPr>
-              <a:t>first look at music composition using </a:t>
+              <a:t>A first look at music composition using </a:t>
             </a:r>
             <a:r>
               <a:rPr lang="en-US" b="1" dirty="0" err="1">
@@ -5928,22 +5558,16 @@
               <a:t> recurrent neural networks. Technical Report No. IDSIA-07-</a:t>
             </a:r>
             <a:r>
-              <a:rPr lang="es-MX" b="1" dirty="0" smtClean="0">
+              <a:rPr lang="es-MX" b="1" dirty="0">
                 <a:latin typeface="+mj-lt"/>
               </a:rPr>
               <a:t>02”, Autores: </a:t>
-            </a:r>
-            <a:r>
-              <a:rPr lang="en-US" b="1" dirty="0" smtClean="0">
-                <a:latin typeface="+mj-lt"/>
-              </a:rPr>
-              <a:t>Douglas </a:t>
             </a:r>
             <a:r>
               <a:rPr lang="en-US" b="1" dirty="0">
                 <a:latin typeface="+mj-lt"/>
               </a:rPr>
-              <a:t>Eck and </a:t>
+              <a:t>Douglas Eck and </a:t>
             </a:r>
             <a:r>
               <a:rPr lang="en-US" b="1" dirty="0" err="1">
@@ -5968,209 +5592,203 @@
                 <a:latin typeface="+mj-lt"/>
               </a:rPr>
               <a:t>. </a:t>
-            </a:r>
-            <a:endParaRPr lang="es-MX" b="1" dirty="0" smtClean="0">
-              <a:latin typeface="+mj-lt"/>
-            </a:endParaRPr>
-          </a:p>
-          <a:p>
-            <a:endParaRPr lang="es-ES" b="1" dirty="0" smtClean="0">
-              <a:latin typeface="+mj-lt"/>
-            </a:endParaRPr>
-          </a:p>
-          <a:p>
-            <a:r>
-              <a:rPr lang="es-ES" b="1" dirty="0" smtClean="0">
-                <a:latin typeface="+mj-lt"/>
-              </a:rPr>
-              <a:t>2009</a:t>
-            </a:r>
-            <a:r>
-              <a:rPr lang="es-ES" b="1" dirty="0">
-                <a:latin typeface="+mj-lt"/>
-              </a:rPr>
-              <a:t>, “</a:t>
-            </a:r>
-            <a:r>
-              <a:rPr lang="es-ES" b="1" dirty="0" err="1">
-                <a:latin typeface="+mj-lt"/>
-              </a:rPr>
-              <a:t>Unsupervised</a:t>
-            </a:r>
-            <a:r>
-              <a:rPr lang="es-ES" b="1" dirty="0">
-                <a:latin typeface="+mj-lt"/>
-              </a:rPr>
-              <a:t> </a:t>
-            </a:r>
-            <a:r>
-              <a:rPr lang="es-ES" b="1" dirty="0" err="1">
-                <a:latin typeface="+mj-lt"/>
-              </a:rPr>
-              <a:t>feature</a:t>
-            </a:r>
-            <a:r>
-              <a:rPr lang="es-ES" b="1" dirty="0">
-                <a:latin typeface="+mj-lt"/>
-              </a:rPr>
-              <a:t> </a:t>
-            </a:r>
-            <a:r>
-              <a:rPr lang="es-ES" b="1" dirty="0" err="1">
-                <a:latin typeface="+mj-lt"/>
-              </a:rPr>
-              <a:t>learning</a:t>
-            </a:r>
-            <a:r>
-              <a:rPr lang="es-ES" b="1" dirty="0">
-                <a:latin typeface="+mj-lt"/>
-              </a:rPr>
-              <a:t> </a:t>
-            </a:r>
-            <a:r>
-              <a:rPr lang="es-ES" b="1" dirty="0" err="1">
-                <a:latin typeface="+mj-lt"/>
-              </a:rPr>
-              <a:t>for</a:t>
-            </a:r>
-            <a:r>
-              <a:rPr lang="es-ES" b="1" dirty="0">
-                <a:latin typeface="+mj-lt"/>
-              </a:rPr>
-              <a:t> audio </a:t>
-            </a:r>
-            <a:r>
-              <a:rPr lang="es-ES" b="1" dirty="0" err="1">
-                <a:latin typeface="+mj-lt"/>
-              </a:rPr>
-              <a:t>classification</a:t>
-            </a:r>
-            <a:r>
-              <a:rPr lang="es-ES" b="1" dirty="0">
-                <a:latin typeface="+mj-lt"/>
-              </a:rPr>
-              <a:t> </a:t>
-            </a:r>
-            <a:r>
-              <a:rPr lang="es-ES" b="1" dirty="0" err="1">
-                <a:latin typeface="+mj-lt"/>
-              </a:rPr>
-              <a:t>using</a:t>
-            </a:r>
-            <a:r>
-              <a:rPr lang="es-ES" b="1" dirty="0">
-                <a:latin typeface="+mj-lt"/>
-              </a:rPr>
-              <a:t> </a:t>
-            </a:r>
-            <a:r>
-              <a:rPr lang="es-ES" b="1" dirty="0" err="1">
-                <a:latin typeface="+mj-lt"/>
-              </a:rPr>
-              <a:t>convolutional</a:t>
-            </a:r>
-            <a:r>
-              <a:rPr lang="es-ES" b="1" dirty="0">
-                <a:latin typeface="+mj-lt"/>
-              </a:rPr>
-              <a:t> </a:t>
-            </a:r>
-            <a:r>
-              <a:rPr lang="es-ES" b="1" dirty="0" err="1">
-                <a:latin typeface="+mj-lt"/>
-              </a:rPr>
-              <a:t>deep</a:t>
-            </a:r>
-            <a:r>
-              <a:rPr lang="es-ES" b="1" dirty="0">
-                <a:latin typeface="+mj-lt"/>
-              </a:rPr>
-              <a:t> </a:t>
-            </a:r>
-            <a:r>
-              <a:rPr lang="es-ES" b="1" dirty="0" err="1">
-                <a:latin typeface="+mj-lt"/>
-              </a:rPr>
-              <a:t>belief</a:t>
-            </a:r>
-            <a:r>
-              <a:rPr lang="es-ES" b="1" dirty="0">
-                <a:latin typeface="+mj-lt"/>
-              </a:rPr>
-              <a:t> </a:t>
-            </a:r>
-            <a:r>
-              <a:rPr lang="es-ES" b="1" dirty="0" err="1">
-                <a:latin typeface="+mj-lt"/>
-              </a:rPr>
-              <a:t>networks</a:t>
-            </a:r>
-            <a:r>
-              <a:rPr lang="es-ES" b="1" dirty="0">
-                <a:latin typeface="+mj-lt"/>
-              </a:rPr>
-              <a:t>”, Autores: </a:t>
-            </a:r>
-            <a:r>
-              <a:rPr lang="es-ES" b="1" dirty="0" err="1">
-                <a:latin typeface="+mj-lt"/>
-              </a:rPr>
-              <a:t>Honglak</a:t>
-            </a:r>
-            <a:r>
-              <a:rPr lang="es-ES" b="1" dirty="0">
-                <a:latin typeface="+mj-lt"/>
-              </a:rPr>
-              <a:t> Lee, </a:t>
-            </a:r>
-            <a:r>
-              <a:rPr lang="es-ES" b="1" dirty="0" err="1">
-                <a:latin typeface="+mj-lt"/>
-              </a:rPr>
-              <a:t>Yan</a:t>
-            </a:r>
-            <a:r>
-              <a:rPr lang="es-ES" b="1" dirty="0">
-                <a:latin typeface="+mj-lt"/>
-              </a:rPr>
-              <a:t> </a:t>
-            </a:r>
-            <a:r>
-              <a:rPr lang="es-ES" b="1" dirty="0" err="1">
-                <a:latin typeface="+mj-lt"/>
-              </a:rPr>
-              <a:t>Largman</a:t>
-            </a:r>
-            <a:r>
-              <a:rPr lang="es-ES" b="1" dirty="0">
-                <a:latin typeface="+mj-lt"/>
-              </a:rPr>
-              <a:t>, Peter </a:t>
-            </a:r>
-            <a:r>
-              <a:rPr lang="es-ES" b="1" dirty="0" err="1">
-                <a:latin typeface="+mj-lt"/>
-              </a:rPr>
-              <a:t>Pham</a:t>
-            </a:r>
-            <a:r>
-              <a:rPr lang="es-ES" b="1" dirty="0">
-                <a:latin typeface="+mj-lt"/>
-              </a:rPr>
-              <a:t>, Andrew Y. </a:t>
-            </a:r>
-            <a:r>
-              <a:rPr lang="es-ES" b="1" dirty="0" err="1">
-                <a:latin typeface="+mj-lt"/>
-              </a:rPr>
-              <a:t>Ng</a:t>
             </a:r>
             <a:endParaRPr lang="es-MX" b="1" dirty="0">
               <a:latin typeface="+mj-lt"/>
             </a:endParaRPr>
           </a:p>
           <a:p>
-            <a:endParaRPr lang="es-ES_tradnl" b="1" dirty="0" smtClean="0">
+            <a:endParaRPr lang="es-ES" b="1" dirty="0">
+              <a:latin typeface="+mj-lt"/>
+            </a:endParaRPr>
+          </a:p>
+          <a:p>
+            <a:r>
+              <a:rPr lang="es-ES" b="1" dirty="0">
+                <a:latin typeface="+mj-lt"/>
+              </a:rPr>
+              <a:t>2009, “</a:t>
+            </a:r>
+            <a:r>
+              <a:rPr lang="es-ES" b="1" dirty="0" err="1">
+                <a:latin typeface="+mj-lt"/>
+              </a:rPr>
+              <a:t>Unsupervised</a:t>
+            </a:r>
+            <a:r>
+              <a:rPr lang="es-ES" b="1" dirty="0">
+                <a:latin typeface="+mj-lt"/>
+              </a:rPr>
+              <a:t> </a:t>
+            </a:r>
+            <a:r>
+              <a:rPr lang="es-ES" b="1" dirty="0" err="1">
+                <a:latin typeface="+mj-lt"/>
+              </a:rPr>
+              <a:t>feature</a:t>
+            </a:r>
+            <a:r>
+              <a:rPr lang="es-ES" b="1" dirty="0">
+                <a:latin typeface="+mj-lt"/>
+              </a:rPr>
+              <a:t> </a:t>
+            </a:r>
+            <a:r>
+              <a:rPr lang="es-ES" b="1" dirty="0" err="1">
+                <a:latin typeface="+mj-lt"/>
+              </a:rPr>
+              <a:t>learning</a:t>
+            </a:r>
+            <a:r>
+              <a:rPr lang="es-ES" b="1" dirty="0">
+                <a:latin typeface="+mj-lt"/>
+              </a:rPr>
+              <a:t> </a:t>
+            </a:r>
+            <a:r>
+              <a:rPr lang="es-ES" b="1" dirty="0" err="1">
+                <a:latin typeface="+mj-lt"/>
+              </a:rPr>
+              <a:t>for</a:t>
+            </a:r>
+            <a:r>
+              <a:rPr lang="es-ES" b="1" dirty="0">
+                <a:latin typeface="+mj-lt"/>
+              </a:rPr>
+              <a:t> audio </a:t>
+            </a:r>
+            <a:r>
+              <a:rPr lang="es-ES" b="1" dirty="0" err="1">
+                <a:latin typeface="+mj-lt"/>
+              </a:rPr>
+              <a:t>classification</a:t>
+            </a:r>
+            <a:r>
+              <a:rPr lang="es-ES" b="1" dirty="0">
+                <a:latin typeface="+mj-lt"/>
+              </a:rPr>
+              <a:t> </a:t>
+            </a:r>
+            <a:r>
+              <a:rPr lang="es-ES" b="1" dirty="0" err="1">
+                <a:latin typeface="+mj-lt"/>
+              </a:rPr>
+              <a:t>using</a:t>
+            </a:r>
+            <a:r>
+              <a:rPr lang="es-ES" b="1" dirty="0">
+                <a:latin typeface="+mj-lt"/>
+              </a:rPr>
+              <a:t> </a:t>
+            </a:r>
+            <a:r>
+              <a:rPr lang="es-ES" b="1" dirty="0" err="1">
+                <a:latin typeface="+mj-lt"/>
+              </a:rPr>
+              <a:t>convolutional</a:t>
+            </a:r>
+            <a:r>
+              <a:rPr lang="es-ES" b="1" dirty="0">
+                <a:latin typeface="+mj-lt"/>
+              </a:rPr>
+              <a:t> </a:t>
+            </a:r>
+            <a:r>
+              <a:rPr lang="es-ES" b="1" dirty="0" err="1">
+                <a:latin typeface="+mj-lt"/>
+              </a:rPr>
+              <a:t>deep</a:t>
+            </a:r>
+            <a:r>
+              <a:rPr lang="es-ES" b="1" dirty="0">
+                <a:latin typeface="+mj-lt"/>
+              </a:rPr>
+              <a:t> </a:t>
+            </a:r>
+            <a:r>
+              <a:rPr lang="es-ES" b="1" dirty="0" err="1">
+                <a:latin typeface="+mj-lt"/>
+              </a:rPr>
+              <a:t>belief</a:t>
+            </a:r>
+            <a:r>
+              <a:rPr lang="es-ES" b="1" dirty="0">
+                <a:latin typeface="+mj-lt"/>
+              </a:rPr>
+              <a:t> </a:t>
+            </a:r>
+            <a:r>
+              <a:rPr lang="es-ES" b="1" dirty="0" err="1">
+                <a:latin typeface="+mj-lt"/>
+              </a:rPr>
+              <a:t>networks</a:t>
+            </a:r>
+            <a:r>
+              <a:rPr lang="es-ES" b="1" dirty="0">
+                <a:latin typeface="+mj-lt"/>
+              </a:rPr>
+              <a:t>”, Autores: </a:t>
+            </a:r>
+            <a:r>
+              <a:rPr lang="es-ES" b="1" dirty="0" err="1">
+                <a:latin typeface="+mj-lt"/>
+              </a:rPr>
+              <a:t>Honglak</a:t>
+            </a:r>
+            <a:r>
+              <a:rPr lang="es-ES" b="1" dirty="0">
+                <a:latin typeface="+mj-lt"/>
+              </a:rPr>
+              <a:t> Lee, </a:t>
+            </a:r>
+            <a:r>
+              <a:rPr lang="es-ES" b="1" dirty="0" err="1">
+                <a:latin typeface="+mj-lt"/>
+              </a:rPr>
+              <a:t>Yan</a:t>
+            </a:r>
+            <a:r>
+              <a:rPr lang="es-ES" b="1" dirty="0">
+                <a:latin typeface="+mj-lt"/>
+              </a:rPr>
+              <a:t> </a:t>
+            </a:r>
+            <a:r>
+              <a:rPr lang="es-ES" b="1" dirty="0" err="1">
+                <a:latin typeface="+mj-lt"/>
+              </a:rPr>
+              <a:t>Largman</a:t>
+            </a:r>
+            <a:r>
+              <a:rPr lang="es-ES" b="1" dirty="0">
+                <a:latin typeface="+mj-lt"/>
+              </a:rPr>
+              <a:t>, Peter </a:t>
+            </a:r>
+            <a:r>
+              <a:rPr lang="es-ES" b="1" dirty="0" err="1">
+                <a:latin typeface="+mj-lt"/>
+              </a:rPr>
+              <a:t>Pham</a:t>
+            </a:r>
+            <a:r>
+              <a:rPr lang="es-ES" b="1" dirty="0">
+                <a:latin typeface="+mj-lt"/>
+              </a:rPr>
+              <a:t>, Andrew Y. </a:t>
+            </a:r>
+            <a:r>
+              <a:rPr lang="es-ES" b="1" dirty="0" err="1">
+                <a:latin typeface="+mj-lt"/>
+              </a:rPr>
+              <a:t>Ng</a:t>
+            </a:r>
+            <a:endParaRPr lang="es-MX" b="1" dirty="0">
+              <a:latin typeface="+mj-lt"/>
+            </a:endParaRPr>
+          </a:p>
+          <a:p>
+            <a:endParaRPr lang="es-ES_tradnl" b="1" dirty="0">
               <a:solidFill>
                 <a:schemeClr val="tx1">
                   <a:lumMod val="65000"/>
@@ -6283,7 +5901,7 @@
             </a:endParaRPr>
           </a:p>
           <a:p>
-            <a:endParaRPr lang="es-ES_tradnl" b="1" dirty="0" smtClean="0">
+            <a:endParaRPr lang="es-ES_tradnl" b="1" dirty="0">
               <a:solidFill>
                 <a:schemeClr val="tx1">
                   <a:lumMod val="65000"/>
@@ -6388,7 +6006,7 @@
     </p:spTree>
     <p:extLst>
       <p:ext uri="{BB962C8B-B14F-4D97-AF65-F5344CB8AC3E}">
-        <p14:creationId xmlns:p14="http://schemas.microsoft.com/office/powerpoint/2010/main" xmlns="" val="3083035170"/>
+        <p14:creationId xmlns:p14="http://schemas.microsoft.com/office/powerpoint/2010/main" val="3083035170"/>
       </p:ext>
     </p:extLst>
   </p:cSld>
@@ -6479,7 +6097,7 @@
     </p:spTree>
     <p:extLst>
       <p:ext uri="{BB962C8B-B14F-4D97-AF65-F5344CB8AC3E}">
-        <p14:creationId xmlns:p14="http://schemas.microsoft.com/office/powerpoint/2010/main" xmlns="" val="1508648440"/>
+        <p14:creationId xmlns:p14="http://schemas.microsoft.com/office/powerpoint/2010/main" val="1508648440"/>
       </p:ext>
     </p:extLst>
   </p:cSld>
@@ -6590,10 +6208,9 @@
           <a:lstStyle/>
           <a:p>
             <a:r>
-              <a:rPr lang="es-MX" dirty="0" smtClean="0"/>
+              <a:rPr lang="es-MX" dirty="0"/>
               <a:t>Red Neuronal</a:t>
             </a:r>
-            <a:endParaRPr lang="es-MX" dirty="0"/>
           </a:p>
         </p:txBody>
       </p:sp>
@@ -6676,7 +6293,7 @@
     </p:spTree>
     <p:extLst>
       <p:ext uri="{BB962C8B-B14F-4D97-AF65-F5344CB8AC3E}">
-        <p14:creationId xmlns:p14="http://schemas.microsoft.com/office/powerpoint/2010/main" xmlns="" val="2363102580"/>
+        <p14:creationId xmlns:p14="http://schemas.microsoft.com/office/powerpoint/2010/main" val="2363102580"/>
       </p:ext>
     </p:extLst>
   </p:cSld>
@@ -6763,7 +6380,7 @@
           <a:lstStyle/>
           <a:p>
             <a:r>
-              <a:rPr lang="es-ES_tradnl" sz="2000" b="1" dirty="0" smtClean="0">
+              <a:rPr lang="es-ES_tradnl" sz="2000" b="1" dirty="0">
                 <a:solidFill>
                   <a:schemeClr val="accent2">
                     <a:lumMod val="75000"/>
@@ -6774,15 +6391,6 @@
               </a:rPr>
               <a:t>Redes Recurrentes LSTM</a:t>
             </a:r>
-            <a:endParaRPr lang="es-ES_tradnl" sz="2000" b="1" dirty="0">
-              <a:solidFill>
-                <a:schemeClr val="accent2">
-                  <a:lumMod val="75000"/>
-                </a:schemeClr>
-              </a:solidFill>
-              <a:latin typeface="Arial"/>
-              <a:cs typeface="Arial"/>
-            </a:endParaRPr>
           </a:p>
           <a:p>
             <a:endParaRPr lang="es-ES_tradnl" dirty="0">
@@ -6825,7 +6433,7 @@
     </p:spTree>
     <p:extLst>
       <p:ext uri="{BB962C8B-B14F-4D97-AF65-F5344CB8AC3E}">
-        <p14:creationId xmlns:p14="http://schemas.microsoft.com/office/powerpoint/2010/main" xmlns="" val="3250406316"/>
+        <p14:creationId xmlns:p14="http://schemas.microsoft.com/office/powerpoint/2010/main" val="3250406316"/>
       </p:ext>
     </p:extLst>
   </p:cSld>
@@ -6912,7 +6520,7 @@
           <a:lstStyle/>
           <a:p>
             <a:r>
-              <a:rPr lang="es-ES_tradnl" sz="2000" b="1" dirty="0" smtClean="0">
+              <a:rPr lang="es-ES_tradnl" sz="2000" b="1" dirty="0">
                 <a:solidFill>
                   <a:schemeClr val="accent2">
                     <a:lumMod val="75000"/>
@@ -6923,15 +6531,6 @@
               </a:rPr>
               <a:t>Formato MIDI</a:t>
             </a:r>
-            <a:endParaRPr lang="es-ES_tradnl" sz="2000" b="1" dirty="0">
-              <a:solidFill>
-                <a:schemeClr val="accent2">
-                  <a:lumMod val="75000"/>
-                </a:schemeClr>
-              </a:solidFill>
-              <a:latin typeface="Arial"/>
-              <a:cs typeface="Arial"/>
-            </a:endParaRPr>
           </a:p>
           <a:p>
             <a:endParaRPr lang="es-ES_tradnl" dirty="0">
@@ -7002,7 +6601,7 @@
     </p:spTree>
     <p:extLst>
       <p:ext uri="{BB962C8B-B14F-4D97-AF65-F5344CB8AC3E}">
-        <p14:creationId xmlns:p14="http://schemas.microsoft.com/office/powerpoint/2010/main" xmlns="" val="735667687"/>
+        <p14:creationId xmlns:p14="http://schemas.microsoft.com/office/powerpoint/2010/main" val="735667687"/>
       </p:ext>
     </p:extLst>
   </p:cSld>

--- a/Presentacion.pptx
+++ b/Presentacion.pptx
@@ -10,19 +10,24 @@
     <p:sldId id="273" r:id="rId4"/>
     <p:sldId id="274" r:id="rId5"/>
     <p:sldId id="275" r:id="rId6"/>
-    <p:sldId id="276" r:id="rId7"/>
-    <p:sldId id="285" r:id="rId8"/>
-    <p:sldId id="278" r:id="rId9"/>
-    <p:sldId id="287" r:id="rId10"/>
+    <p:sldId id="278" r:id="rId7"/>
+    <p:sldId id="292" r:id="rId8"/>
+    <p:sldId id="293" r:id="rId9"/>
+    <p:sldId id="291" r:id="rId10"/>
     <p:sldId id="286" r:id="rId11"/>
-    <p:sldId id="279" r:id="rId12"/>
-    <p:sldId id="288" r:id="rId13"/>
-    <p:sldId id="290" r:id="rId14"/>
-    <p:sldId id="280" r:id="rId15"/>
-    <p:sldId id="289" r:id="rId16"/>
-    <p:sldId id="281" r:id="rId17"/>
-    <p:sldId id="282" r:id="rId18"/>
-    <p:sldId id="271" r:id="rId19"/>
+    <p:sldId id="276" r:id="rId12"/>
+    <p:sldId id="285" r:id="rId13"/>
+    <p:sldId id="288" r:id="rId14"/>
+    <p:sldId id="279" r:id="rId15"/>
+    <p:sldId id="280" r:id="rId16"/>
+    <p:sldId id="294" r:id="rId17"/>
+    <p:sldId id="295" r:id="rId18"/>
+    <p:sldId id="296" r:id="rId19"/>
+    <p:sldId id="297" r:id="rId20"/>
+    <p:sldId id="289" r:id="rId21"/>
+    <p:sldId id="281" r:id="rId22"/>
+    <p:sldId id="282" r:id="rId23"/>
+    <p:sldId id="271" r:id="rId24"/>
   </p:sldIdLst>
   <p:sldSz cx="9144000" cy="6858000" type="screen4x3"/>
   <p:notesSz cx="6858000" cy="9144000"/>
@@ -2784,322 +2789,20 @@
                 <a:latin typeface="Arial"/>
                 <a:cs typeface="Arial"/>
               </a:rPr>
-              <a:t>Desarrollo</a:t>
-            </a:r>
-          </a:p>
-        </p:txBody>
-      </p:sp>
-      <p:sp>
-        <p:nvSpPr>
-          <p:cNvPr id="4" name="CuadroTexto 3"/>
-          <p:cNvSpPr txBox="1"/>
-          <p:nvPr/>
-        </p:nvSpPr>
-        <p:spPr>
-          <a:xfrm>
-            <a:off x="457200" y="1371600"/>
-            <a:ext cx="7772400" cy="2862322"/>
-          </a:xfrm>
-          <a:prstGeom prst="rect">
-            <a:avLst/>
-          </a:prstGeom>
-          <a:noFill/>
-        </p:spPr>
-        <p:txBody>
-          <a:bodyPr wrap="square" rtlCol="0">
-            <a:spAutoFit/>
-          </a:bodyPr>
-          <a:lstStyle/>
-          <a:p>
-            <a:r>
-              <a:rPr lang="es-ES_tradnl" dirty="0">
-                <a:solidFill>
-                  <a:schemeClr val="tx1">
-                    <a:lumMod val="65000"/>
-                    <a:lumOff val="35000"/>
-                  </a:schemeClr>
-                </a:solidFill>
-                <a:latin typeface="Arial"/>
-                <a:cs typeface="Arial"/>
-              </a:rPr>
-              <a:t>Este proyecto consta de 3 </a:t>
-            </a:r>
-            <a:r>
-              <a:rPr lang="es-ES_tradnl" dirty="0" err="1">
-                <a:solidFill>
-                  <a:schemeClr val="tx1">
-                    <a:lumMod val="65000"/>
-                    <a:lumOff val="35000"/>
-                  </a:schemeClr>
-                </a:solidFill>
-                <a:latin typeface="Arial"/>
-                <a:cs typeface="Arial"/>
-              </a:rPr>
-              <a:t>modulos</a:t>
-            </a:r>
-            <a:r>
-              <a:rPr lang="es-ES_tradnl" dirty="0">
-                <a:solidFill>
-                  <a:schemeClr val="tx1">
-                    <a:lumMod val="65000"/>
-                    <a:lumOff val="35000"/>
-                  </a:schemeClr>
-                </a:solidFill>
-                <a:latin typeface="Arial"/>
-                <a:cs typeface="Arial"/>
-              </a:rPr>
-              <a:t>:</a:t>
-            </a:r>
-          </a:p>
-          <a:p>
-            <a:endParaRPr lang="es-ES_tradnl" dirty="0">
-              <a:solidFill>
-                <a:schemeClr val="tx1">
-                  <a:lumMod val="65000"/>
-                  <a:lumOff val="35000"/>
-                </a:schemeClr>
-              </a:solidFill>
-              <a:latin typeface="Arial"/>
-              <a:cs typeface="Arial"/>
-            </a:endParaRPr>
-          </a:p>
-          <a:p>
-            <a:pPr marL="285750" indent="-285750">
-              <a:buFontTx/>
-              <a:buChar char="-"/>
-            </a:pPr>
-            <a:r>
-              <a:rPr lang="es-ES_tradnl" b="1" dirty="0" err="1">
-                <a:solidFill>
-                  <a:schemeClr val="tx1">
-                    <a:lumMod val="65000"/>
-                    <a:lumOff val="35000"/>
-                  </a:schemeClr>
-                </a:solidFill>
-                <a:latin typeface="Arial"/>
-                <a:cs typeface="Arial"/>
-              </a:rPr>
-              <a:t>Preprocesamiento</a:t>
-            </a:r>
-            <a:r>
-              <a:rPr lang="es-ES_tradnl" b="1" dirty="0">
-                <a:solidFill>
-                  <a:schemeClr val="tx1">
-                    <a:lumMod val="65000"/>
-                    <a:lumOff val="35000"/>
-                  </a:schemeClr>
-                </a:solidFill>
-                <a:latin typeface="Arial"/>
-                <a:cs typeface="Arial"/>
-              </a:rPr>
-              <a:t>.- </a:t>
-            </a:r>
-            <a:r>
-              <a:rPr lang="es-ES_tradnl" dirty="0">
-                <a:solidFill>
-                  <a:schemeClr val="tx1">
-                    <a:lumMod val="65000"/>
-                    <a:lumOff val="35000"/>
-                  </a:schemeClr>
-                </a:solidFill>
-                <a:latin typeface="Arial"/>
-                <a:cs typeface="Arial"/>
-              </a:rPr>
-              <a:t>Aquí se procesa los archivos MIDI para extraer únicamente los </a:t>
-            </a:r>
-            <a:r>
-              <a:rPr lang="es-ES_tradnl" dirty="0" err="1">
-                <a:solidFill>
-                  <a:schemeClr val="tx1">
-                    <a:lumMod val="65000"/>
-                    <a:lumOff val="35000"/>
-                  </a:schemeClr>
-                </a:solidFill>
-                <a:latin typeface="Arial"/>
-                <a:cs typeface="Arial"/>
-              </a:rPr>
-              <a:t>tracks</a:t>
-            </a:r>
-            <a:r>
-              <a:rPr lang="es-ES_tradnl" dirty="0">
-                <a:solidFill>
-                  <a:schemeClr val="tx1">
-                    <a:lumMod val="65000"/>
-                    <a:lumOff val="35000"/>
-                  </a:schemeClr>
-                </a:solidFill>
-                <a:latin typeface="Arial"/>
-                <a:cs typeface="Arial"/>
-              </a:rPr>
-              <a:t> de Guitarra, Bajo y </a:t>
-            </a:r>
-            <a:r>
-              <a:rPr lang="es-ES_tradnl" dirty="0" err="1">
-                <a:solidFill>
-                  <a:schemeClr val="tx1">
-                    <a:lumMod val="65000"/>
-                    <a:lumOff val="35000"/>
-                  </a:schemeClr>
-                </a:solidFill>
-                <a:latin typeface="Arial"/>
-                <a:cs typeface="Arial"/>
-              </a:rPr>
-              <a:t>Bateria</a:t>
-            </a:r>
-            <a:r>
-              <a:rPr lang="es-ES_tradnl" dirty="0">
-                <a:solidFill>
-                  <a:schemeClr val="tx1">
-                    <a:lumMod val="65000"/>
-                    <a:lumOff val="35000"/>
-                  </a:schemeClr>
-                </a:solidFill>
-                <a:latin typeface="Arial"/>
-                <a:cs typeface="Arial"/>
-              </a:rPr>
-              <a:t>.</a:t>
-            </a:r>
-          </a:p>
-          <a:p>
-            <a:pPr marL="285750" indent="-285750">
-              <a:buFontTx/>
-              <a:buChar char="-"/>
-            </a:pPr>
-            <a:r>
-              <a:rPr lang="es-ES_tradnl" b="1" dirty="0">
-                <a:solidFill>
-                  <a:schemeClr val="tx1">
-                    <a:lumMod val="65000"/>
-                    <a:lumOff val="35000"/>
-                  </a:schemeClr>
-                </a:solidFill>
-                <a:latin typeface="Arial"/>
-                <a:cs typeface="Arial"/>
-              </a:rPr>
-              <a:t>Entrenamiento.- </a:t>
-            </a:r>
-            <a:r>
-              <a:rPr lang="es-ES_tradnl" dirty="0">
-                <a:solidFill>
-                  <a:schemeClr val="tx1">
-                    <a:lumMod val="65000"/>
-                    <a:lumOff val="35000"/>
-                  </a:schemeClr>
-                </a:solidFill>
-                <a:latin typeface="Arial"/>
-                <a:cs typeface="Arial"/>
-              </a:rPr>
-              <a:t>Este modulo se encarga de entrenar la red con los archivos previamente </a:t>
-            </a:r>
-            <a:r>
-              <a:rPr lang="es-ES_tradnl" dirty="0" err="1">
-                <a:solidFill>
-                  <a:schemeClr val="tx1">
-                    <a:lumMod val="65000"/>
-                    <a:lumOff val="35000"/>
-                  </a:schemeClr>
-                </a:solidFill>
-                <a:latin typeface="Arial"/>
-                <a:cs typeface="Arial"/>
-              </a:rPr>
-              <a:t>preprocesados</a:t>
-            </a:r>
-            <a:r>
-              <a:rPr lang="es-ES_tradnl" dirty="0">
-                <a:solidFill>
-                  <a:schemeClr val="tx1">
-                    <a:lumMod val="65000"/>
-                    <a:lumOff val="35000"/>
-                  </a:schemeClr>
-                </a:solidFill>
-                <a:latin typeface="Arial"/>
-                <a:cs typeface="Arial"/>
-              </a:rPr>
-              <a:t>.</a:t>
-            </a:r>
-          </a:p>
-          <a:p>
-            <a:pPr marL="285750" indent="-285750">
-              <a:buFontTx/>
-              <a:buChar char="-"/>
-            </a:pPr>
-            <a:r>
-              <a:rPr lang="es-ES_tradnl" b="1" dirty="0" err="1">
-                <a:solidFill>
-                  <a:schemeClr val="tx1">
-                    <a:lumMod val="65000"/>
-                    <a:lumOff val="35000"/>
-                  </a:schemeClr>
-                </a:solidFill>
-                <a:latin typeface="Arial"/>
-                <a:cs typeface="Arial"/>
-              </a:rPr>
-              <a:t>Generacion</a:t>
-            </a:r>
-            <a:r>
-              <a:rPr lang="es-ES_tradnl" b="1" dirty="0">
-                <a:solidFill>
-                  <a:schemeClr val="tx1">
-                    <a:lumMod val="65000"/>
-                    <a:lumOff val="35000"/>
-                  </a:schemeClr>
-                </a:solidFill>
-                <a:latin typeface="Arial"/>
-                <a:cs typeface="Arial"/>
-              </a:rPr>
-              <a:t>.- </a:t>
-            </a:r>
-            <a:r>
-              <a:rPr lang="es-ES_tradnl" dirty="0">
-                <a:solidFill>
-                  <a:schemeClr val="tx1">
-                    <a:lumMod val="65000"/>
-                    <a:lumOff val="35000"/>
-                  </a:schemeClr>
-                </a:solidFill>
-                <a:latin typeface="Arial"/>
-                <a:cs typeface="Arial"/>
-              </a:rPr>
-              <a:t>Este modulo genera nuevas melodías a partir de notas al azar.</a:t>
-            </a:r>
-          </a:p>
-          <a:p>
-            <a:pPr marL="285750" indent="-285750">
-              <a:buFontTx/>
-              <a:buChar char="-"/>
-            </a:pPr>
-            <a:endParaRPr lang="es-ES_tradnl" dirty="0">
-              <a:solidFill>
-                <a:schemeClr val="tx1">
-                  <a:lumMod val="65000"/>
-                  <a:lumOff val="35000"/>
-                </a:schemeClr>
-              </a:solidFill>
-              <a:latin typeface="Arial"/>
-              <a:cs typeface="Arial"/>
-            </a:endParaRPr>
-          </a:p>
-          <a:p>
-            <a:pPr marL="285750" indent="-285750">
-              <a:buFontTx/>
-              <a:buChar char="-"/>
-            </a:pPr>
-            <a:endParaRPr lang="es-ES_tradnl" dirty="0">
-              <a:solidFill>
-                <a:schemeClr val="tx1">
-                  <a:lumMod val="65000"/>
-                  <a:lumOff val="35000"/>
-                </a:schemeClr>
-              </a:solidFill>
-              <a:latin typeface="Arial"/>
-              <a:cs typeface="Arial"/>
-            </a:endParaRPr>
+              <a:t>Descripción de la Propuesta</a:t>
+            </a:r>
           </a:p>
         </p:txBody>
       </p:sp>
       <p:pic>
         <p:nvPicPr>
-          <p:cNvPr id="5" name="Imagen 4"/>
+          <p:cNvPr id="4" name="Picture 3">
+            <a:extLst>
+              <a:ext uri="{FF2B5EF4-FFF2-40B4-BE49-F238E27FC236}">
+                <a16:creationId xmlns:a16="http://schemas.microsoft.com/office/drawing/2014/main" id="{FCD60EB5-2788-44A8-94DF-9DFB458FCB8B}"/>
+              </a:ext>
+            </a:extLst>
+          </p:cNvPr>
           <p:cNvPicPr>
             <a:picLocks noChangeAspect="1"/>
           </p:cNvPicPr>
@@ -3113,8 +2816,8 @@
         </p:blipFill>
         <p:spPr>
           <a:xfrm>
-            <a:off x="1920420" y="3581400"/>
-            <a:ext cx="4845960" cy="2270930"/>
+            <a:off x="1371600" y="1267599"/>
+            <a:ext cx="5709016" cy="4322802"/>
           </a:xfrm>
           <a:prstGeom prst="rect">
             <a:avLst/>
@@ -3124,7 +2827,7 @@
     </p:spTree>
     <p:extLst>
       <p:ext uri="{BB962C8B-B14F-4D97-AF65-F5344CB8AC3E}">
-        <p14:creationId xmlns:p14="http://schemas.microsoft.com/office/powerpoint/2010/main" val="964733070"/>
+        <p14:creationId xmlns:p14="http://schemas.microsoft.com/office/powerpoint/2010/main" val="1508648440"/>
       </p:ext>
     </p:extLst>
   </p:cSld>
@@ -3183,275 +2886,45 @@
                 <a:latin typeface="Arial"/>
                 <a:cs typeface="Arial"/>
               </a:rPr>
-              <a:t>Desarrollo</a:t>
-            </a:r>
-          </a:p>
-        </p:txBody>
-      </p:sp>
-      <p:sp>
-        <p:nvSpPr>
-          <p:cNvPr id="4" name="CuadroTexto 3"/>
-          <p:cNvSpPr txBox="1"/>
-          <p:nvPr/>
-        </p:nvSpPr>
-        <p:spPr>
-          <a:xfrm>
-            <a:off x="457200" y="1371600"/>
-            <a:ext cx="4572000" cy="4801314"/>
-          </a:xfrm>
-          <a:prstGeom prst="rect">
-            <a:avLst/>
-          </a:prstGeom>
-          <a:noFill/>
-        </p:spPr>
-        <p:txBody>
-          <a:bodyPr wrap="square" rtlCol="0">
-            <a:spAutoFit/>
-          </a:bodyPr>
-          <a:lstStyle/>
-          <a:p>
-            <a:r>
-              <a:rPr lang="es-ES_tradnl" dirty="0">
-                <a:solidFill>
-                  <a:schemeClr val="tx1">
-                    <a:lumMod val="65000"/>
-                    <a:lumOff val="35000"/>
-                  </a:schemeClr>
-                </a:solidFill>
-                <a:latin typeface="Arial"/>
-                <a:cs typeface="Arial"/>
-              </a:rPr>
-              <a:t>El </a:t>
-            </a:r>
-            <a:r>
-              <a:rPr lang="es-ES_tradnl" dirty="0" err="1">
-                <a:solidFill>
-                  <a:schemeClr val="tx1">
-                    <a:lumMod val="65000"/>
-                    <a:lumOff val="35000"/>
-                  </a:schemeClr>
-                </a:solidFill>
-                <a:latin typeface="Arial"/>
-                <a:cs typeface="Arial"/>
-              </a:rPr>
-              <a:t>dataset</a:t>
-            </a:r>
-            <a:r>
-              <a:rPr lang="es-ES_tradnl" dirty="0">
-                <a:solidFill>
-                  <a:schemeClr val="tx1">
-                    <a:lumMod val="65000"/>
-                    <a:lumOff val="35000"/>
-                  </a:schemeClr>
-                </a:solidFill>
-                <a:latin typeface="Arial"/>
-                <a:cs typeface="Arial"/>
-              </a:rPr>
-              <a:t> que se uso para este proyecto fue:</a:t>
-            </a:r>
-          </a:p>
-          <a:p>
-            <a:endParaRPr lang="es-MX" dirty="0"/>
-          </a:p>
-          <a:p>
-            <a:r>
-              <a:rPr lang="es-MX" dirty="0"/>
-              <a:t>“</a:t>
-            </a:r>
-            <a:r>
-              <a:rPr lang="es-MX" dirty="0" err="1"/>
-              <a:t>Clean</a:t>
-            </a:r>
-            <a:r>
-              <a:rPr lang="es-MX" dirty="0"/>
-              <a:t> MIDI </a:t>
-            </a:r>
-            <a:r>
-              <a:rPr lang="es-MX" dirty="0" err="1"/>
-              <a:t>subset</a:t>
-            </a:r>
-            <a:r>
-              <a:rPr lang="es-MX" dirty="0"/>
-              <a:t>”</a:t>
-            </a:r>
-          </a:p>
-          <a:p>
-            <a:endParaRPr lang="es-MX" dirty="0"/>
-          </a:p>
-          <a:p>
-            <a:r>
-              <a:rPr lang="es-ES_tradnl" dirty="0">
-                <a:solidFill>
-                  <a:schemeClr val="tx1">
-                    <a:lumMod val="65000"/>
-                    <a:lumOff val="35000"/>
-                  </a:schemeClr>
-                </a:solidFill>
-                <a:latin typeface="Arial"/>
-                <a:cs typeface="Arial"/>
-              </a:rPr>
-              <a:t>El cual se encuentra disponible en el siguiente link:</a:t>
-            </a:r>
-          </a:p>
-          <a:p>
-            <a:endParaRPr lang="es-ES_tradnl" dirty="0">
-              <a:solidFill>
-                <a:schemeClr val="tx1">
-                  <a:lumMod val="65000"/>
-                  <a:lumOff val="35000"/>
-                </a:schemeClr>
-              </a:solidFill>
-              <a:latin typeface="Arial"/>
-              <a:cs typeface="Arial"/>
-            </a:endParaRPr>
-          </a:p>
-          <a:p>
-            <a:r>
-              <a:rPr lang="es-ES_tradnl" dirty="0">
-                <a:solidFill>
-                  <a:schemeClr val="tx1">
-                    <a:lumMod val="65000"/>
-                    <a:lumOff val="35000"/>
-                  </a:schemeClr>
-                </a:solidFill>
-                <a:latin typeface="Arial"/>
-                <a:cs typeface="Arial"/>
-                <a:hlinkClick r:id="rId2"/>
-              </a:rPr>
-              <a:t>http://hog.ee.columbia.edu/craffel/lmd/clean_midi.tar.gz</a:t>
-            </a:r>
-            <a:endParaRPr lang="es-ES_tradnl" dirty="0">
-              <a:solidFill>
-                <a:schemeClr val="tx1">
-                  <a:lumMod val="65000"/>
-                  <a:lumOff val="35000"/>
-                </a:schemeClr>
-              </a:solidFill>
-              <a:latin typeface="Arial"/>
-              <a:cs typeface="Arial"/>
-            </a:endParaRPr>
-          </a:p>
-          <a:p>
-            <a:endParaRPr lang="es-ES_tradnl" dirty="0">
-              <a:solidFill>
-                <a:schemeClr val="tx1">
-                  <a:lumMod val="65000"/>
-                  <a:lumOff val="35000"/>
-                </a:schemeClr>
-              </a:solidFill>
-              <a:latin typeface="Arial"/>
-              <a:cs typeface="Arial"/>
-            </a:endParaRPr>
-          </a:p>
-          <a:p>
-            <a:r>
-              <a:rPr lang="es-ES_tradnl" dirty="0">
-                <a:solidFill>
-                  <a:schemeClr val="tx1">
-                    <a:lumMod val="65000"/>
-                    <a:lumOff val="35000"/>
-                  </a:schemeClr>
-                </a:solidFill>
-                <a:latin typeface="Arial"/>
-                <a:cs typeface="Arial"/>
-              </a:rPr>
-              <a:t>Este </a:t>
-            </a:r>
-            <a:r>
-              <a:rPr lang="es-ES_tradnl" dirty="0" err="1">
-                <a:solidFill>
-                  <a:schemeClr val="tx1">
-                    <a:lumMod val="65000"/>
-                    <a:lumOff val="35000"/>
-                  </a:schemeClr>
-                </a:solidFill>
-                <a:latin typeface="Arial"/>
-                <a:cs typeface="Arial"/>
-              </a:rPr>
-              <a:t>dataset</a:t>
-            </a:r>
-            <a:r>
-              <a:rPr lang="es-ES_tradnl" dirty="0">
-                <a:solidFill>
-                  <a:schemeClr val="tx1">
-                    <a:lumMod val="65000"/>
-                    <a:lumOff val="35000"/>
-                  </a:schemeClr>
-                </a:solidFill>
-                <a:latin typeface="Arial"/>
-                <a:cs typeface="Arial"/>
-              </a:rPr>
-              <a:t> contiene mas de 17000 canciones MIDI de rock y pop, ha sido utilizado en varios proyecto de Deep </a:t>
-            </a:r>
-            <a:r>
-              <a:rPr lang="es-ES_tradnl" dirty="0" err="1">
-                <a:solidFill>
-                  <a:schemeClr val="tx1">
-                    <a:lumMod val="65000"/>
-                    <a:lumOff val="35000"/>
-                  </a:schemeClr>
-                </a:solidFill>
-                <a:latin typeface="Arial"/>
-                <a:cs typeface="Arial"/>
-              </a:rPr>
-              <a:t>Learning</a:t>
-            </a:r>
-            <a:r>
-              <a:rPr lang="es-ES_tradnl" dirty="0">
-                <a:solidFill>
-                  <a:schemeClr val="tx1">
-                    <a:lumMod val="65000"/>
-                    <a:lumOff val="35000"/>
-                  </a:schemeClr>
-                </a:solidFill>
-                <a:latin typeface="Arial"/>
-                <a:cs typeface="Arial"/>
-              </a:rPr>
-              <a:t>.</a:t>
-            </a:r>
-          </a:p>
-          <a:p>
-            <a:endParaRPr lang="es-ES_tradnl" dirty="0">
-              <a:solidFill>
-                <a:schemeClr val="tx1">
-                  <a:lumMod val="65000"/>
-                  <a:lumOff val="35000"/>
-                </a:schemeClr>
-              </a:solidFill>
-              <a:latin typeface="Arial"/>
-              <a:cs typeface="Arial"/>
-            </a:endParaRPr>
-          </a:p>
-          <a:p>
-            <a:endParaRPr lang="es-ES_tradnl" dirty="0">
-              <a:solidFill>
-                <a:schemeClr val="tx1">
-                  <a:lumMod val="65000"/>
-                  <a:lumOff val="35000"/>
-                </a:schemeClr>
-              </a:solidFill>
-              <a:latin typeface="Arial"/>
-              <a:cs typeface="Arial"/>
-            </a:endParaRPr>
+              <a:t>Descripción de la Propuesta</a:t>
+            </a:r>
           </a:p>
         </p:txBody>
       </p:sp>
       <p:pic>
         <p:nvPicPr>
-          <p:cNvPr id="5122" name="Picture 2" descr="Resultado de imagen para rock"/>
+          <p:cNvPr id="5" name="Imagen 4"/>
+          <p:cNvPicPr>
+            <a:picLocks noChangeAspect="1"/>
+          </p:cNvPicPr>
+          <p:nvPr/>
+        </p:nvPicPr>
+        <p:blipFill>
+          <a:blip r:embed="rId2"/>
+          <a:stretch>
+            <a:fillRect/>
+          </a:stretch>
+        </p:blipFill>
+        <p:spPr>
+          <a:xfrm>
+            <a:off x="5332085" y="2264737"/>
+            <a:ext cx="2899081" cy="1207125"/>
+          </a:xfrm>
+          <a:prstGeom prst="rect">
+            <a:avLst/>
+          </a:prstGeom>
+        </p:spPr>
+      </p:pic>
+      <p:pic>
+        <p:nvPicPr>
+          <p:cNvPr id="8" name="Picture 2" descr="Resultado de imagen para keras and tensorflow"/>
           <p:cNvPicPr>
             <a:picLocks noChangeAspect="1" noChangeArrowheads="1"/>
           </p:cNvPicPr>
           <p:nvPr/>
         </p:nvPicPr>
         <p:blipFill>
-          <a:blip r:embed="rId3">
-            <a:extLst>
-              <a:ext uri="{28A0092B-C50C-407E-A947-70E740481C1C}">
-                <a14:useLocalDpi xmlns:a14="http://schemas.microsoft.com/office/drawing/2010/main" val="0"/>
-              </a:ext>
-            </a:extLst>
-          </a:blip>
+          <a:blip r:embed="rId3"/>
           <a:srcRect/>
           <a:stretch>
             <a:fillRect/>
@@ -3459,28 +2932,75 @@
         </p:blipFill>
         <p:spPr bwMode="auto">
           <a:xfrm>
-            <a:off x="5257800" y="2133600"/>
-            <a:ext cx="3425825" cy="2488006"/>
+            <a:off x="5638800" y="3776185"/>
+            <a:ext cx="1711647" cy="688082"/>
           </a:xfrm>
           <a:prstGeom prst="rect">
             <a:avLst/>
           </a:prstGeom>
           <a:noFill/>
-          <a:extLst>
-            <a:ext uri="{909E8E84-426E-40DD-AFC4-6F175D3DCCD1}">
-              <a14:hiddenFill xmlns:a14="http://schemas.microsoft.com/office/drawing/2010/main">
-                <a:solidFill>
-                  <a:srgbClr val="FFFFFF"/>
-                </a:solidFill>
-              </a14:hiddenFill>
-            </a:ext>
-          </a:extLst>
+        </p:spPr>
+      </p:pic>
+      <p:pic>
+        <p:nvPicPr>
+          <p:cNvPr id="9" name="Picture 4" descr="Resultado de imagen para python"/>
+          <p:cNvPicPr>
+            <a:picLocks noChangeAspect="1" noChangeArrowheads="1"/>
+          </p:cNvPicPr>
+          <p:nvPr/>
+        </p:nvPicPr>
+        <p:blipFill>
+          <a:blip r:embed="rId4"/>
+          <a:srcRect/>
+          <a:stretch>
+            <a:fillRect/>
+          </a:stretch>
+        </p:blipFill>
+        <p:spPr bwMode="auto">
+          <a:xfrm>
+            <a:off x="5465923" y="1417646"/>
+            <a:ext cx="2057400" cy="694929"/>
+          </a:xfrm>
+          <a:prstGeom prst="rect">
+            <a:avLst/>
+          </a:prstGeom>
+          <a:noFill/>
+        </p:spPr>
+      </p:pic>
+      <p:pic>
+        <p:nvPicPr>
+          <p:cNvPr id="2" name="Picture 1">
+            <a:extLst>
+              <a:ext uri="{FF2B5EF4-FFF2-40B4-BE49-F238E27FC236}">
+                <a16:creationId xmlns:a16="http://schemas.microsoft.com/office/drawing/2014/main" id="{DABF73B6-9FF8-4D53-8329-7F014288FA41}"/>
+              </a:ext>
+            </a:extLst>
+          </p:cNvPr>
+          <p:cNvPicPr>
+            <a:picLocks noChangeAspect="1"/>
+          </p:cNvPicPr>
+          <p:nvPr/>
+        </p:nvPicPr>
+        <p:blipFill>
+          <a:blip r:embed="rId5"/>
+          <a:stretch>
+            <a:fillRect/>
+          </a:stretch>
+        </p:blipFill>
+        <p:spPr>
+          <a:xfrm>
+            <a:off x="533400" y="1295400"/>
+            <a:ext cx="4752975" cy="4352925"/>
+          </a:xfrm>
+          <a:prstGeom prst="rect">
+            <a:avLst/>
+          </a:prstGeom>
         </p:spPr>
       </p:pic>
     </p:spTree>
     <p:extLst>
       <p:ext uri="{BB962C8B-B14F-4D97-AF65-F5344CB8AC3E}">
-        <p14:creationId xmlns:p14="http://schemas.microsoft.com/office/powerpoint/2010/main" val="961381293"/>
+        <p14:creationId xmlns:p14="http://schemas.microsoft.com/office/powerpoint/2010/main" val="2363102580"/>
       </p:ext>
     </p:extLst>
   </p:cSld>
@@ -3552,8 +3072,8 @@
         </p:nvSpPr>
         <p:spPr>
           <a:xfrm>
-            <a:off x="457200" y="1371600"/>
-            <a:ext cx="7772400" cy="646331"/>
+            <a:off x="297024" y="1686827"/>
+            <a:ext cx="4808376" cy="2862322"/>
           </a:xfrm>
           <a:prstGeom prst="rect">
             <a:avLst/>
@@ -3577,7 +3097,7 @@
                 <a:latin typeface="Arial"/>
                 <a:cs typeface="Arial"/>
               </a:rPr>
-              <a:t>Se utilizo un optimizador </a:t>
+              <a:t>El </a:t>
             </a:r>
             <a:r>
               <a:rPr lang="es-ES_tradnl" dirty="0" err="1">
@@ -3590,7 +3110,7 @@
                 <a:latin typeface="Arial"/>
                 <a:cs typeface="Arial"/>
               </a:rPr>
-              <a:t>Rmsprop</a:t>
+              <a:t>dataset</a:t>
             </a:r>
             <a:r>
               <a:rPr lang="es-ES_tradnl" dirty="0">
@@ -3603,14 +3123,68 @@
                 <a:latin typeface="Arial"/>
                 <a:cs typeface="Arial"/>
               </a:rPr>
-              <a:t> para la red neuronal </a:t>
-            </a:r>
-          </a:p>
-          <a:p>
-            <a:pPr marL="285750" indent="-285750">
-              <a:buFontTx/>
-              <a:buChar char="-"/>
-            </a:pPr>
+              <a:t> usado en este proyecto se llama:</a:t>
+            </a:r>
+          </a:p>
+          <a:p>
+            <a:endParaRPr lang="es-MX" dirty="0"/>
+          </a:p>
+          <a:p>
+            <a:r>
+              <a:rPr lang="es-MX" dirty="0"/>
+              <a:t>“</a:t>
+            </a:r>
+            <a:r>
+              <a:rPr lang="es-MX" dirty="0" err="1"/>
+              <a:t>Clean</a:t>
+            </a:r>
+            <a:r>
+              <a:rPr lang="es-MX" dirty="0"/>
+              <a:t> MIDI </a:t>
+            </a:r>
+            <a:r>
+              <a:rPr lang="es-MX" dirty="0" err="1"/>
+              <a:t>subset</a:t>
+            </a:r>
+            <a:r>
+              <a:rPr lang="es-MX" dirty="0"/>
+              <a:t>”</a:t>
+            </a:r>
+          </a:p>
+          <a:p>
+            <a:endParaRPr lang="es-MX" dirty="0"/>
+          </a:p>
+          <a:p>
+            <a:r>
+              <a:rPr lang="es-ES_tradnl" dirty="0">
+                <a:solidFill>
+                  <a:schemeClr val="tx1">
+                    <a:lumMod val="65000"/>
+                    <a:lumOff val="35000"/>
+                  </a:schemeClr>
+                </a:solidFill>
+                <a:latin typeface="Arial"/>
+                <a:cs typeface="Arial"/>
+              </a:rPr>
+              <a:t>Contiene mas de 17000 canciones MIDI de rock y pop.</a:t>
+            </a:r>
+          </a:p>
+          <a:p>
+            <a:r>
+              <a:rPr lang="es-ES_tradnl" dirty="0">
+                <a:solidFill>
+                  <a:schemeClr val="tx1">
+                    <a:lumMod val="65000"/>
+                    <a:lumOff val="35000"/>
+                  </a:schemeClr>
+                </a:solidFill>
+                <a:latin typeface="Arial"/>
+                <a:cs typeface="Arial"/>
+              </a:rPr>
+              <a:t>Y se genero en la tesis doctoral [10]</a:t>
+            </a:r>
+          </a:p>
+          <a:p>
             <a:endParaRPr lang="es-ES_tradnl" dirty="0">
               <a:solidFill>
                 <a:schemeClr val="tx1">
@@ -3622,36 +3196,141 @@
               <a:cs typeface="Arial"/>
             </a:endParaRPr>
           </a:p>
+          <a:p>
+            <a:endParaRPr lang="es-ES_tradnl" dirty="0">
+              <a:solidFill>
+                <a:schemeClr val="tx1">
+                  <a:lumMod val="65000"/>
+                  <a:lumOff val="35000"/>
+                </a:schemeClr>
+              </a:solidFill>
+              <a:latin typeface="Arial"/>
+              <a:cs typeface="Arial"/>
+            </a:endParaRPr>
+          </a:p>
+          <a:p>
+            <a:endParaRPr lang="es-ES_tradnl" dirty="0">
+              <a:solidFill>
+                <a:schemeClr val="tx1">
+                  <a:lumMod val="65000"/>
+                  <a:lumOff val="35000"/>
+                </a:schemeClr>
+              </a:solidFill>
+              <a:latin typeface="Arial"/>
+              <a:cs typeface="Arial"/>
+            </a:endParaRPr>
+          </a:p>
         </p:txBody>
       </p:sp>
       <p:pic>
         <p:nvPicPr>
-          <p:cNvPr id="2" name="Imagen 1"/>
+          <p:cNvPr id="5122" name="Picture 2" descr="Resultado de imagen para rock"/>
           <p:cNvPicPr>
-            <a:picLocks noChangeAspect="1"/>
+            <a:picLocks noChangeAspect="1" noChangeArrowheads="1"/>
           </p:cNvPicPr>
           <p:nvPr/>
         </p:nvPicPr>
         <p:blipFill>
-          <a:blip r:embed="rId2"/>
+          <a:blip r:embed="rId2">
+            <a:extLst>
+              <a:ext uri="{28A0092B-C50C-407E-A947-70E740481C1C}">
+                <a14:useLocalDpi xmlns:a14="http://schemas.microsoft.com/office/drawing/2010/main" val="0"/>
+              </a:ext>
+            </a:extLst>
+          </a:blip>
+          <a:srcRect/>
           <a:stretch>
             <a:fillRect/>
           </a:stretch>
         </p:blipFill>
-        <p:spPr>
-          <a:xfrm>
-            <a:off x="1981200" y="2286000"/>
-            <a:ext cx="3603219" cy="2801288"/>
-          </a:xfrm>
-          <a:prstGeom prst="rect">
-            <a:avLst/>
-          </a:prstGeom>
+        <p:spPr bwMode="auto">
+          <a:xfrm>
+            <a:off x="5453808" y="1599478"/>
+            <a:ext cx="3425825" cy="2488006"/>
+          </a:xfrm>
+          <a:prstGeom prst="rect">
+            <a:avLst/>
+          </a:prstGeom>
+          <a:noFill/>
+          <a:extLst>
+            <a:ext uri="{909E8E84-426E-40DD-AFC4-6F175D3DCCD1}">
+              <a14:hiddenFill xmlns:a14="http://schemas.microsoft.com/office/drawing/2010/main">
+                <a:solidFill>
+                  <a:srgbClr val="FFFFFF"/>
+                </a:solidFill>
+              </a14:hiddenFill>
+            </a:ext>
+          </a:extLst>
         </p:spPr>
       </p:pic>
+      <p:sp>
+        <p:nvSpPr>
+          <p:cNvPr id="5" name="CuadroTexto 3">
+            <a:extLst>
+              <a:ext uri="{FF2B5EF4-FFF2-40B4-BE49-F238E27FC236}">
+                <a16:creationId xmlns:a16="http://schemas.microsoft.com/office/drawing/2014/main" id="{9EE19F5F-8855-4511-9860-BE0D2422F115}"/>
+              </a:ext>
+            </a:extLst>
+          </p:cNvPr>
+          <p:cNvSpPr txBox="1"/>
+          <p:nvPr/>
+        </p:nvSpPr>
+        <p:spPr>
+          <a:xfrm>
+            <a:off x="297024" y="1033046"/>
+            <a:ext cx="5715000" cy="677108"/>
+          </a:xfrm>
+          <a:prstGeom prst="rect">
+            <a:avLst/>
+          </a:prstGeom>
+          <a:noFill/>
+        </p:spPr>
+        <p:txBody>
+          <a:bodyPr wrap="square" rtlCol="0">
+            <a:spAutoFit/>
+          </a:bodyPr>
+          <a:lstStyle/>
+          <a:p>
+            <a:r>
+              <a:rPr lang="es-ES_tradnl" sz="2000" b="1" dirty="0" err="1">
+                <a:solidFill>
+                  <a:schemeClr val="accent2">
+                    <a:lumMod val="75000"/>
+                  </a:schemeClr>
+                </a:solidFill>
+                <a:latin typeface="Arial"/>
+                <a:cs typeface="Arial"/>
+              </a:rPr>
+              <a:t>Dataset</a:t>
+            </a:r>
+            <a:endParaRPr lang="es-ES_tradnl" sz="2000" b="1" dirty="0">
+              <a:solidFill>
+                <a:schemeClr val="accent2">
+                  <a:lumMod val="75000"/>
+                </a:schemeClr>
+              </a:solidFill>
+              <a:latin typeface="Arial"/>
+              <a:cs typeface="Arial"/>
+            </a:endParaRPr>
+          </a:p>
+          <a:p>
+            <a:endParaRPr lang="es-ES_tradnl" dirty="0">
+              <a:solidFill>
+                <a:schemeClr val="tx1">
+                  <a:lumMod val="65000"/>
+                  <a:lumOff val="35000"/>
+                </a:schemeClr>
+              </a:solidFill>
+              <a:latin typeface="Arial"/>
+              <a:cs typeface="Arial"/>
+            </a:endParaRPr>
+          </a:p>
+        </p:txBody>
+      </p:sp>
     </p:spTree>
     <p:extLst>
       <p:ext uri="{BB962C8B-B14F-4D97-AF65-F5344CB8AC3E}">
-        <p14:creationId xmlns:p14="http://schemas.microsoft.com/office/powerpoint/2010/main" val="3661972963"/>
+        <p14:creationId xmlns:p14="http://schemas.microsoft.com/office/powerpoint/2010/main" val="961381293"/>
       </p:ext>
     </p:extLst>
   </p:cSld>
@@ -3710,14 +3389,75 @@
                 <a:latin typeface="Arial"/>
                 <a:cs typeface="Arial"/>
               </a:rPr>
-              <a:t>Resultados</a:t>
-            </a:r>
+              <a:t>Desarrollo</a:t>
+            </a:r>
+          </a:p>
+        </p:txBody>
+      </p:sp>
+      <p:sp>
+        <p:nvSpPr>
+          <p:cNvPr id="4" name="CuadroTexto 3"/>
+          <p:cNvSpPr txBox="1"/>
+          <p:nvPr/>
+        </p:nvSpPr>
+        <p:spPr>
+          <a:xfrm>
+            <a:off x="457200" y="1371600"/>
+            <a:ext cx="7772400" cy="646331"/>
+          </a:xfrm>
+          <a:prstGeom prst="rect">
+            <a:avLst/>
+          </a:prstGeom>
+          <a:noFill/>
+        </p:spPr>
+        <p:txBody>
+          <a:bodyPr wrap="square" rtlCol="0">
+            <a:spAutoFit/>
+          </a:bodyPr>
+          <a:lstStyle/>
+          <a:p>
+            <a:pPr marL="285750" indent="-285750">
+              <a:buFontTx/>
+              <a:buChar char="-"/>
+            </a:pPr>
+            <a:endParaRPr lang="es-ES_tradnl" dirty="0">
+              <a:solidFill>
+                <a:schemeClr val="tx1">
+                  <a:lumMod val="65000"/>
+                  <a:lumOff val="35000"/>
+                </a:schemeClr>
+              </a:solidFill>
+              <a:latin typeface="Arial"/>
+              <a:cs typeface="Arial"/>
+            </a:endParaRPr>
+          </a:p>
+          <a:p>
+            <a:pPr marL="285750" indent="-285750">
+              <a:buFontTx/>
+              <a:buChar char="-"/>
+            </a:pPr>
+            <a:endParaRPr lang="es-ES_tradnl" dirty="0">
+              <a:solidFill>
+                <a:schemeClr val="tx1">
+                  <a:lumMod val="65000"/>
+                  <a:lumOff val="35000"/>
+                </a:schemeClr>
+              </a:solidFill>
+              <a:latin typeface="Arial"/>
+              <a:cs typeface="Arial"/>
+            </a:endParaRPr>
           </a:p>
         </p:txBody>
       </p:sp>
       <p:pic>
         <p:nvPicPr>
-          <p:cNvPr id="2" name="Imagen 1"/>
+          <p:cNvPr id="8" name="Picture 7">
+            <a:extLst>
+              <a:ext uri="{FF2B5EF4-FFF2-40B4-BE49-F238E27FC236}">
+                <a16:creationId xmlns:a16="http://schemas.microsoft.com/office/drawing/2014/main" id="{68E01341-255C-4150-B87D-052B943968DE}"/>
+              </a:ext>
+            </a:extLst>
+          </p:cNvPr>
           <p:cNvPicPr>
             <a:picLocks noChangeAspect="1"/>
           </p:cNvPicPr>
@@ -3731,8 +3471,38 @@
         </p:blipFill>
         <p:spPr>
           <a:xfrm>
-            <a:off x="457200" y="1371600"/>
-            <a:ext cx="6156475" cy="3678469"/>
+            <a:off x="147346" y="962105"/>
+            <a:ext cx="8553450" cy="2733675"/>
+          </a:xfrm>
+          <a:prstGeom prst="rect">
+            <a:avLst/>
+          </a:prstGeom>
+        </p:spPr>
+      </p:pic>
+      <p:pic>
+        <p:nvPicPr>
+          <p:cNvPr id="9" name="Picture 8">
+            <a:extLst>
+              <a:ext uri="{FF2B5EF4-FFF2-40B4-BE49-F238E27FC236}">
+                <a16:creationId xmlns:a16="http://schemas.microsoft.com/office/drawing/2014/main" id="{993CAC42-450C-4005-A7CA-D9F98B66B50D}"/>
+              </a:ext>
+            </a:extLst>
+          </p:cNvPr>
+          <p:cNvPicPr>
+            <a:picLocks noChangeAspect="1"/>
+          </p:cNvPicPr>
+          <p:nvPr/>
+        </p:nvPicPr>
+        <p:blipFill>
+          <a:blip r:embed="rId3"/>
+          <a:stretch>
+            <a:fillRect/>
+          </a:stretch>
+        </p:blipFill>
+        <p:spPr>
+          <a:xfrm>
+            <a:off x="838200" y="3558958"/>
+            <a:ext cx="5082187" cy="2336937"/>
           </a:xfrm>
           <a:prstGeom prst="rect">
             <a:avLst/>
@@ -3742,7 +3512,7 @@
     </p:spTree>
     <p:extLst>
       <p:ext uri="{BB962C8B-B14F-4D97-AF65-F5344CB8AC3E}">
-        <p14:creationId xmlns:p14="http://schemas.microsoft.com/office/powerpoint/2010/main" val="2927349331"/>
+        <p14:creationId xmlns:p14="http://schemas.microsoft.com/office/powerpoint/2010/main" val="964733070"/>
       </p:ext>
     </p:extLst>
   </p:cSld>
@@ -3806,9 +3576,82 @@
           </a:p>
         </p:txBody>
       </p:sp>
+      <p:sp>
+        <p:nvSpPr>
+          <p:cNvPr id="4" name="CuadroTexto 3">
+            <a:extLst>
+              <a:ext uri="{FF2B5EF4-FFF2-40B4-BE49-F238E27FC236}">
+                <a16:creationId xmlns:a16="http://schemas.microsoft.com/office/drawing/2014/main" id="{5B9FAA7F-95C4-4820-8591-6D4817F3F094}"/>
+              </a:ext>
+            </a:extLst>
+          </p:cNvPr>
+          <p:cNvSpPr txBox="1"/>
+          <p:nvPr/>
+        </p:nvSpPr>
+        <p:spPr>
+          <a:xfrm>
+            <a:off x="297024" y="1033046"/>
+            <a:ext cx="5715000" cy="677108"/>
+          </a:xfrm>
+          <a:prstGeom prst="rect">
+            <a:avLst/>
+          </a:prstGeom>
+          <a:noFill/>
+        </p:spPr>
+        <p:txBody>
+          <a:bodyPr wrap="square" rtlCol="0">
+            <a:spAutoFit/>
+          </a:bodyPr>
+          <a:lstStyle/>
+          <a:p>
+            <a:r>
+              <a:rPr lang="es-ES_tradnl" sz="2000" b="1" dirty="0" err="1">
+                <a:solidFill>
+                  <a:schemeClr val="accent2">
+                    <a:lumMod val="75000"/>
+                  </a:schemeClr>
+                </a:solidFill>
+                <a:latin typeface="Arial"/>
+                <a:cs typeface="Arial"/>
+              </a:rPr>
+              <a:t>Accurancy</a:t>
+            </a:r>
+            <a:r>
+              <a:rPr lang="es-ES_tradnl" sz="2000" b="1" dirty="0">
+                <a:solidFill>
+                  <a:schemeClr val="accent2">
+                    <a:lumMod val="75000"/>
+                  </a:schemeClr>
+                </a:solidFill>
+                <a:latin typeface="Arial"/>
+                <a:cs typeface="Arial"/>
+              </a:rPr>
+              <a:t> Guitarra</a:t>
+            </a:r>
+          </a:p>
+          <a:p>
+            <a:endParaRPr lang="es-ES_tradnl" dirty="0">
+              <a:solidFill>
+                <a:schemeClr val="tx1">
+                  <a:lumMod val="65000"/>
+                  <a:lumOff val="35000"/>
+                </a:schemeClr>
+              </a:solidFill>
+              <a:latin typeface="Arial"/>
+              <a:cs typeface="Arial"/>
+            </a:endParaRPr>
+          </a:p>
+        </p:txBody>
+      </p:sp>
       <p:pic>
         <p:nvPicPr>
-          <p:cNvPr id="3" name="Imagen 2"/>
+          <p:cNvPr id="3" name="Picture 2">
+            <a:extLst>
+              <a:ext uri="{FF2B5EF4-FFF2-40B4-BE49-F238E27FC236}">
+                <a16:creationId xmlns:a16="http://schemas.microsoft.com/office/drawing/2014/main" id="{C01B7B52-553F-413B-B498-442660444903}"/>
+              </a:ext>
+            </a:extLst>
+          </p:cNvPr>
           <p:cNvPicPr>
             <a:picLocks noChangeAspect="1"/>
           </p:cNvPicPr>
@@ -3822,8 +3665,8 @@
         </p:blipFill>
         <p:spPr>
           <a:xfrm>
-            <a:off x="609600" y="1295400"/>
-            <a:ext cx="3159673" cy="1011375"/>
+            <a:off x="290804" y="1449589"/>
+            <a:ext cx="2944239" cy="2265985"/>
           </a:xfrm>
           <a:prstGeom prst="rect">
             <a:avLst/>
@@ -3832,7 +3675,13 @@
       </p:pic>
       <p:pic>
         <p:nvPicPr>
-          <p:cNvPr id="4" name="Imagen 3"/>
+          <p:cNvPr id="5" name="Picture 4">
+            <a:extLst>
+              <a:ext uri="{FF2B5EF4-FFF2-40B4-BE49-F238E27FC236}">
+                <a16:creationId xmlns:a16="http://schemas.microsoft.com/office/drawing/2014/main" id="{5D3E8D0C-EBE4-4B16-B645-CD2C3A15B673}"/>
+              </a:ext>
+            </a:extLst>
+          </p:cNvPr>
           <p:cNvPicPr>
             <a:picLocks noChangeAspect="1"/>
           </p:cNvPicPr>
@@ -3846,8 +3695,8 @@
         </p:blipFill>
         <p:spPr>
           <a:xfrm>
-            <a:off x="609600" y="2863120"/>
-            <a:ext cx="2508194" cy="864563"/>
+            <a:off x="4026696" y="1413641"/>
+            <a:ext cx="2944239" cy="2367965"/>
           </a:xfrm>
           <a:prstGeom prst="rect">
             <a:avLst/>
@@ -3856,7 +3705,13 @@
       </p:pic>
       <p:pic>
         <p:nvPicPr>
-          <p:cNvPr id="5" name="Imagen 4"/>
+          <p:cNvPr id="6" name="Picture 5">
+            <a:extLst>
+              <a:ext uri="{FF2B5EF4-FFF2-40B4-BE49-F238E27FC236}">
+                <a16:creationId xmlns:a16="http://schemas.microsoft.com/office/drawing/2014/main" id="{051E09FA-7A81-4DA8-981F-EA8757390436}"/>
+              </a:ext>
+            </a:extLst>
+          </p:cNvPr>
           <p:cNvPicPr>
             <a:picLocks noChangeAspect="1"/>
           </p:cNvPicPr>
@@ -3870,151 +3725,48 @@
         </p:blipFill>
         <p:spPr>
           <a:xfrm>
-            <a:off x="561786" y="4316685"/>
-            <a:ext cx="3192247" cy="864563"/>
+            <a:off x="290804" y="3728015"/>
+            <a:ext cx="2944239" cy="2242742"/>
           </a:xfrm>
           <a:prstGeom prst="rect">
             <a:avLst/>
           </a:prstGeom>
         </p:spPr>
       </p:pic>
-      <p:sp>
-        <p:nvSpPr>
-          <p:cNvPr id="6" name="CuadroTexto 5"/>
-          <p:cNvSpPr txBox="1"/>
-          <p:nvPr/>
-        </p:nvSpPr>
-        <p:spPr>
-          <a:xfrm>
-            <a:off x="4038600" y="1600200"/>
-            <a:ext cx="2209800" cy="369332"/>
-          </a:xfrm>
-          <a:prstGeom prst="rect">
-            <a:avLst/>
-          </a:prstGeom>
-          <a:noFill/>
-        </p:spPr>
-        <p:txBody>
-          <a:bodyPr wrap="square" rtlCol="0">
-            <a:spAutoFit/>
-          </a:bodyPr>
-          <a:lstStyle/>
-          <a:p>
-            <a:r>
-              <a:rPr lang="es-MX" dirty="0"/>
-              <a:t>Salida de Guitarra</a:t>
-            </a:r>
-          </a:p>
-        </p:txBody>
-      </p:sp>
-      <p:sp>
-        <p:nvSpPr>
-          <p:cNvPr id="8" name="CuadroTexto 7"/>
-          <p:cNvSpPr txBox="1"/>
-          <p:nvPr/>
-        </p:nvSpPr>
-        <p:spPr>
-          <a:xfrm>
-            <a:off x="4038600" y="2942398"/>
-            <a:ext cx="2209800" cy="369332"/>
-          </a:xfrm>
-          <a:prstGeom prst="rect">
-            <a:avLst/>
-          </a:prstGeom>
-          <a:noFill/>
-        </p:spPr>
-        <p:txBody>
-          <a:bodyPr wrap="square" rtlCol="0">
-            <a:spAutoFit/>
-          </a:bodyPr>
-          <a:lstStyle/>
-          <a:p>
-            <a:r>
-              <a:rPr lang="es-MX" dirty="0"/>
-              <a:t>Salida de Bajo</a:t>
-            </a:r>
-          </a:p>
-        </p:txBody>
-      </p:sp>
-      <p:sp>
-        <p:nvSpPr>
-          <p:cNvPr id="9" name="CuadroTexto 8"/>
-          <p:cNvSpPr txBox="1"/>
-          <p:nvPr/>
-        </p:nvSpPr>
-        <p:spPr>
-          <a:xfrm>
-            <a:off x="4036423" y="4316685"/>
-            <a:ext cx="2209800" cy="369332"/>
-          </a:xfrm>
-          <a:prstGeom prst="rect">
-            <a:avLst/>
-          </a:prstGeom>
-          <a:noFill/>
-        </p:spPr>
-        <p:txBody>
-          <a:bodyPr wrap="square" rtlCol="0">
-            <a:spAutoFit/>
-          </a:bodyPr>
-          <a:lstStyle/>
-          <a:p>
-            <a:r>
-              <a:rPr lang="es-MX" dirty="0"/>
-              <a:t>Salida de </a:t>
-            </a:r>
-            <a:r>
-              <a:rPr lang="es-MX" dirty="0" err="1"/>
-              <a:t>Bateria</a:t>
-            </a:r>
-            <a:endParaRPr lang="es-MX" dirty="0"/>
-          </a:p>
-        </p:txBody>
-      </p:sp>
       <p:pic>
         <p:nvPicPr>
-          <p:cNvPr id="3074" name="Picture 2" descr="Resultado de imagen para tux guitar"/>
+          <p:cNvPr id="8" name="Picture 7">
+            <a:extLst>
+              <a:ext uri="{FF2B5EF4-FFF2-40B4-BE49-F238E27FC236}">
+                <a16:creationId xmlns:a16="http://schemas.microsoft.com/office/drawing/2014/main" id="{2EB840D4-7CF3-4E39-9F26-409BDC972AA4}"/>
+              </a:ext>
+            </a:extLst>
+          </p:cNvPr>
           <p:cNvPicPr>
-            <a:picLocks noChangeAspect="1" noChangeArrowheads="1"/>
+            <a:picLocks noChangeAspect="1"/>
           </p:cNvPicPr>
           <p:nvPr/>
         </p:nvPicPr>
         <p:blipFill>
-          <a:blip r:embed="rId5">
-            <a:extLst>
-              <a:ext uri="{28A0092B-C50C-407E-A947-70E740481C1C}">
-                <a14:useLocalDpi xmlns:a14="http://schemas.microsoft.com/office/drawing/2010/main" val="0"/>
-              </a:ext>
-            </a:extLst>
-          </a:blip>
-          <a:srcRect/>
+          <a:blip r:embed="rId5"/>
           <a:stretch>
             <a:fillRect/>
           </a:stretch>
         </p:blipFill>
-        <p:spPr bwMode="auto">
-          <a:xfrm>
-            <a:off x="6000206" y="2322192"/>
-            <a:ext cx="2816557" cy="1689934"/>
-          </a:xfrm>
-          <a:prstGeom prst="rect">
-            <a:avLst/>
-          </a:prstGeom>
-          <a:noFill/>
-          <a:extLst>
-            <a:ext uri="{909E8E84-426E-40DD-AFC4-6F175D3DCCD1}">
-              <a14:hiddenFill xmlns:a14="http://schemas.microsoft.com/office/drawing/2010/main">
-                <a:solidFill>
-                  <a:srgbClr val="FFFFFF"/>
-                </a:solidFill>
-              </a14:hiddenFill>
-            </a:ext>
-          </a:extLst>
+        <p:spPr>
+          <a:xfrm>
+            <a:off x="3352800" y="4044523"/>
+            <a:ext cx="5686425" cy="1609725"/>
+          </a:xfrm>
+          <a:prstGeom prst="rect">
+            <a:avLst/>
+          </a:prstGeom>
         </p:spPr>
       </p:pic>
     </p:spTree>
     <p:extLst>
       <p:ext uri="{BB962C8B-B14F-4D97-AF65-F5344CB8AC3E}">
-        <p14:creationId xmlns:p14="http://schemas.microsoft.com/office/powerpoint/2010/main" val="3141686425"/>
+        <p14:creationId xmlns:p14="http://schemas.microsoft.com/office/powerpoint/2010/main" val="2927349331"/>
       </p:ext>
     </p:extLst>
   </p:cSld>
@@ -4073,21 +3825,27 @@
                 <a:latin typeface="Arial"/>
                 <a:cs typeface="Arial"/>
               </a:rPr>
-              <a:t>Conclusiones</a:t>
+              <a:t>Resultados</a:t>
             </a:r>
           </a:p>
         </p:txBody>
       </p:sp>
       <p:sp>
         <p:nvSpPr>
-          <p:cNvPr id="4" name="CuadroTexto 3"/>
+          <p:cNvPr id="4" name="CuadroTexto 3">
+            <a:extLst>
+              <a:ext uri="{FF2B5EF4-FFF2-40B4-BE49-F238E27FC236}">
+                <a16:creationId xmlns:a16="http://schemas.microsoft.com/office/drawing/2014/main" id="{5B9FAA7F-95C4-4820-8591-6D4817F3F094}"/>
+              </a:ext>
+            </a:extLst>
+          </p:cNvPr>
           <p:cNvSpPr txBox="1"/>
           <p:nvPr/>
         </p:nvSpPr>
         <p:spPr>
           <a:xfrm>
-            <a:off x="457200" y="1371600"/>
-            <a:ext cx="7772400" cy="3416320"/>
+            <a:off x="297024" y="1033046"/>
+            <a:ext cx="5715000" cy="677108"/>
           </a:xfrm>
           <a:prstGeom prst="rect">
             <a:avLst/>
@@ -4100,60 +3858,32 @@
           </a:bodyPr>
           <a:lstStyle/>
           <a:p>
-            <a:pPr marL="285750" indent="-285750">
-              <a:buFont typeface="Arial" panose="020B0604020202020204" pitchFamily="34" charset="0"/>
-              <a:buChar char="•"/>
-            </a:pPr>
-            <a:r>
-              <a:rPr lang="es-MX" dirty="0"/>
-              <a:t>Los resultados obtenidos de este proyecto fueron bastante buenos, ya que la red fue capaz de aprender a generar notas y silencios de diferentes valores, </a:t>
-            </a:r>
-            <a:r>
-              <a:rPr lang="es-MX" dirty="0" err="1"/>
-              <a:t>asi</a:t>
-            </a:r>
-            <a:r>
-              <a:rPr lang="es-MX" dirty="0"/>
-              <a:t> como su conjunción en una melodía.</a:t>
-            </a:r>
-          </a:p>
-          <a:p>
-            <a:pPr marL="285750" indent="-285750">
-              <a:buFont typeface="Arial" panose="020B0604020202020204" pitchFamily="34" charset="0"/>
-              <a:buChar char="•"/>
-            </a:pPr>
-            <a:r>
-              <a:rPr lang="es-MX" dirty="0"/>
-              <a:t>Este proyecto sirve para reflexionar acerca de las redes recurrentes, a pesar de ser una herramienta muy potente a la hora de emplearlas en diferentes problemas, la realidad es que el tiempo de procesamiento de estas redes es considerable.</a:t>
-            </a:r>
-          </a:p>
-          <a:p>
-            <a:pPr marL="285750" indent="-285750">
-              <a:buFont typeface="Arial" panose="020B0604020202020204" pitchFamily="34" charset="0"/>
-              <a:buChar char="•"/>
-            </a:pPr>
-            <a:r>
-              <a:rPr lang="es-MX" dirty="0"/>
-              <a:t>Posiblemente en un futuro el poder de procesamiento nos permita seguir experimentando con estas redes.</a:t>
-            </a:r>
-          </a:p>
-          <a:p>
-            <a:pPr marL="285750" indent="-285750">
-              <a:buFont typeface="Arial" panose="020B0604020202020204" pitchFamily="34" charset="0"/>
-              <a:buChar char="•"/>
-            </a:pPr>
-            <a:r>
-              <a:rPr lang="es-MX" dirty="0"/>
-              <a:t>La intención de este proyecto no era generar una </a:t>
-            </a:r>
-            <a:r>
-              <a:rPr lang="es-MX" dirty="0" err="1"/>
-              <a:t>musica</a:t>
-            </a:r>
-            <a:r>
-              <a:rPr lang="es-MX" dirty="0"/>
-              <a:t> exitosa, sino darle una idea de composición al músico, el cual va a decidir si empleara las notas generadas o cambiara algunas de ellas.</a:t>
-            </a:r>
+            <a:r>
+              <a:rPr lang="es-ES_tradnl" sz="2000" b="1" dirty="0" err="1">
+                <a:solidFill>
+                  <a:schemeClr val="accent2">
+                    <a:lumMod val="75000"/>
+                  </a:schemeClr>
+                </a:solidFill>
+                <a:latin typeface="Arial"/>
+                <a:cs typeface="Arial"/>
+              </a:rPr>
+              <a:t>Accurancy</a:t>
+            </a:r>
+            <a:r>
+              <a:rPr lang="es-ES_tradnl" sz="2000" b="1" dirty="0">
+                <a:solidFill>
+                  <a:schemeClr val="accent2">
+                    <a:lumMod val="75000"/>
+                  </a:schemeClr>
+                </a:solidFill>
+                <a:latin typeface="Arial"/>
+                <a:cs typeface="Arial"/>
+              </a:rPr>
+              <a:t> Bajo</a:t>
+            </a:r>
+          </a:p>
+          <a:p>
             <a:endParaRPr lang="es-ES_tradnl" dirty="0">
               <a:solidFill>
                 <a:schemeClr val="tx1">
@@ -4167,10 +3897,130 @@
           </a:p>
         </p:txBody>
       </p:sp>
+      <p:pic>
+        <p:nvPicPr>
+          <p:cNvPr id="2" name="Picture 1">
+            <a:extLst>
+              <a:ext uri="{FF2B5EF4-FFF2-40B4-BE49-F238E27FC236}">
+                <a16:creationId xmlns:a16="http://schemas.microsoft.com/office/drawing/2014/main" id="{92E926E5-D2A8-4ED5-91D3-4581871041BE}"/>
+              </a:ext>
+            </a:extLst>
+          </p:cNvPr>
+          <p:cNvPicPr>
+            <a:picLocks noChangeAspect="1"/>
+          </p:cNvPicPr>
+          <p:nvPr/>
+        </p:nvPicPr>
+        <p:blipFill>
+          <a:blip r:embed="rId2"/>
+          <a:stretch>
+            <a:fillRect/>
+          </a:stretch>
+        </p:blipFill>
+        <p:spPr>
+          <a:xfrm>
+            <a:off x="304801" y="1524001"/>
+            <a:ext cx="2903376" cy="2317470"/>
+          </a:xfrm>
+          <a:prstGeom prst="rect">
+            <a:avLst/>
+          </a:prstGeom>
+        </p:spPr>
+      </p:pic>
+      <p:pic>
+        <p:nvPicPr>
+          <p:cNvPr id="3" name="Picture 2">
+            <a:extLst>
+              <a:ext uri="{FF2B5EF4-FFF2-40B4-BE49-F238E27FC236}">
+                <a16:creationId xmlns:a16="http://schemas.microsoft.com/office/drawing/2014/main" id="{0CDD0228-C983-4B55-B834-BF81DB68EB7D}"/>
+              </a:ext>
+            </a:extLst>
+          </p:cNvPr>
+          <p:cNvPicPr>
+            <a:picLocks noChangeAspect="1"/>
+          </p:cNvPicPr>
+          <p:nvPr/>
+        </p:nvPicPr>
+        <p:blipFill>
+          <a:blip r:embed="rId3"/>
+          <a:stretch>
+            <a:fillRect/>
+          </a:stretch>
+        </p:blipFill>
+        <p:spPr>
+          <a:xfrm>
+            <a:off x="3962400" y="1501163"/>
+            <a:ext cx="2903376" cy="2327980"/>
+          </a:xfrm>
+          <a:prstGeom prst="rect">
+            <a:avLst/>
+          </a:prstGeom>
+        </p:spPr>
+      </p:pic>
+      <p:pic>
+        <p:nvPicPr>
+          <p:cNvPr id="5" name="Picture 4">
+            <a:extLst>
+              <a:ext uri="{FF2B5EF4-FFF2-40B4-BE49-F238E27FC236}">
+                <a16:creationId xmlns:a16="http://schemas.microsoft.com/office/drawing/2014/main" id="{0256515B-68BC-491A-BE80-179BD06BCA32}"/>
+              </a:ext>
+            </a:extLst>
+          </p:cNvPr>
+          <p:cNvPicPr>
+            <a:picLocks noChangeAspect="1"/>
+          </p:cNvPicPr>
+          <p:nvPr/>
+        </p:nvPicPr>
+        <p:blipFill>
+          <a:blip r:embed="rId4"/>
+          <a:stretch>
+            <a:fillRect/>
+          </a:stretch>
+        </p:blipFill>
+        <p:spPr>
+          <a:xfrm>
+            <a:off x="304801" y="3850802"/>
+            <a:ext cx="2903376" cy="2245344"/>
+          </a:xfrm>
+          <a:prstGeom prst="rect">
+            <a:avLst/>
+          </a:prstGeom>
+        </p:spPr>
+      </p:pic>
+      <p:pic>
+        <p:nvPicPr>
+          <p:cNvPr id="8" name="Picture 7">
+            <a:extLst>
+              <a:ext uri="{FF2B5EF4-FFF2-40B4-BE49-F238E27FC236}">
+                <a16:creationId xmlns:a16="http://schemas.microsoft.com/office/drawing/2014/main" id="{8B754F51-70E6-466C-A2F7-63C16924EF20}"/>
+              </a:ext>
+            </a:extLst>
+          </p:cNvPr>
+          <p:cNvPicPr>
+            <a:picLocks noChangeAspect="1"/>
+          </p:cNvPicPr>
+          <p:nvPr/>
+        </p:nvPicPr>
+        <p:blipFill>
+          <a:blip r:embed="rId5"/>
+          <a:stretch>
+            <a:fillRect/>
+          </a:stretch>
+        </p:blipFill>
+        <p:spPr>
+          <a:xfrm>
+            <a:off x="3327139" y="4163716"/>
+            <a:ext cx="5524500" cy="1619250"/>
+          </a:xfrm>
+          <a:prstGeom prst="rect">
+            <a:avLst/>
+          </a:prstGeom>
+        </p:spPr>
+      </p:pic>
     </p:spTree>
     <p:extLst>
       <p:ext uri="{BB962C8B-B14F-4D97-AF65-F5344CB8AC3E}">
-        <p14:creationId xmlns:p14="http://schemas.microsoft.com/office/powerpoint/2010/main" val="2630158223"/>
+        <p14:creationId xmlns:p14="http://schemas.microsoft.com/office/powerpoint/2010/main" val="1483245971"/>
       </p:ext>
     </p:extLst>
   </p:cSld>
@@ -4229,21 +4079,27 @@
                 <a:latin typeface="Arial"/>
                 <a:cs typeface="Arial"/>
               </a:rPr>
-              <a:t>Referencias Bibliográficas</a:t>
+              <a:t>Resultados</a:t>
             </a:r>
           </a:p>
         </p:txBody>
       </p:sp>
       <p:sp>
         <p:nvSpPr>
-          <p:cNvPr id="4" name="CuadroTexto 3"/>
+          <p:cNvPr id="4" name="CuadroTexto 3">
+            <a:extLst>
+              <a:ext uri="{FF2B5EF4-FFF2-40B4-BE49-F238E27FC236}">
+                <a16:creationId xmlns:a16="http://schemas.microsoft.com/office/drawing/2014/main" id="{5B9FAA7F-95C4-4820-8591-6D4817F3F094}"/>
+              </a:ext>
+            </a:extLst>
+          </p:cNvPr>
           <p:cNvSpPr txBox="1"/>
           <p:nvPr/>
         </p:nvSpPr>
         <p:spPr>
           <a:xfrm>
-            <a:off x="457200" y="1219200"/>
-            <a:ext cx="8153400" cy="5139869"/>
+            <a:off x="297024" y="1033046"/>
+            <a:ext cx="5715000" cy="677108"/>
           </a:xfrm>
           <a:prstGeom prst="rect">
             <a:avLst/>
@@ -4266,550 +4122,8 @@
                 <a:latin typeface="Arial"/>
                 <a:cs typeface="Arial"/>
               </a:rPr>
-              <a:t>Referencias</a:t>
-            </a:r>
-          </a:p>
-          <a:p>
-            <a:r>
-              <a:rPr lang="es-ES_tradnl" sz="2000" b="1" dirty="0">
-                <a:solidFill>
-                  <a:schemeClr val="accent2">
-                    <a:lumMod val="75000"/>
-                  </a:schemeClr>
-                </a:solidFill>
-                <a:latin typeface="Arial"/>
-                <a:cs typeface="Arial"/>
-              </a:rPr>
-              <a:t>  </a:t>
-            </a:r>
-          </a:p>
-          <a:p>
-            <a:r>
-              <a:rPr lang="es-ES" i="1" dirty="0"/>
-              <a:t>[1] </a:t>
-            </a:r>
-            <a:r>
-              <a:rPr lang="es-ES" i="1" dirty="0" err="1"/>
-              <a:t>Mohamad</a:t>
-            </a:r>
-            <a:r>
-              <a:rPr lang="es-ES" i="1" dirty="0"/>
-              <a:t> H. </a:t>
-            </a:r>
-            <a:r>
-              <a:rPr lang="es-ES" i="1" dirty="0" err="1"/>
-              <a:t>Hassoun</a:t>
-            </a:r>
-            <a:r>
-              <a:rPr lang="es-ES" i="1" dirty="0"/>
-              <a:t> (1995), "Fundamentals of artificial neural </a:t>
-            </a:r>
-            <a:r>
-              <a:rPr lang="es-ES" i="1" dirty="0" err="1"/>
-              <a:t>networks</a:t>
-            </a:r>
-            <a:r>
-              <a:rPr lang="es-ES" i="1" dirty="0"/>
-              <a:t>"</a:t>
-            </a:r>
-            <a:endParaRPr lang="es-MX" dirty="0"/>
-          </a:p>
-          <a:p>
-            <a:r>
-              <a:rPr lang="es-ES" i="1" dirty="0"/>
-              <a:t>[2] Kevin </a:t>
-            </a:r>
-            <a:r>
-              <a:rPr lang="es-ES" i="1" dirty="0" err="1"/>
-              <a:t>Gurney</a:t>
-            </a:r>
-            <a:r>
-              <a:rPr lang="es-ES" i="1" dirty="0"/>
-              <a:t> (1997), "</a:t>
-            </a:r>
-            <a:r>
-              <a:rPr lang="es-ES" i="1" dirty="0" err="1"/>
-              <a:t>An</a:t>
-            </a:r>
-            <a:r>
-              <a:rPr lang="es-ES" i="1" dirty="0"/>
-              <a:t> </a:t>
-            </a:r>
-            <a:r>
-              <a:rPr lang="es-ES" i="1" dirty="0" err="1"/>
-              <a:t>introduction</a:t>
-            </a:r>
-            <a:r>
-              <a:rPr lang="es-ES" i="1" dirty="0"/>
-              <a:t> to neural </a:t>
-            </a:r>
-            <a:r>
-              <a:rPr lang="es-ES" i="1" dirty="0" err="1"/>
-              <a:t>networks</a:t>
-            </a:r>
-            <a:r>
-              <a:rPr lang="es-ES" i="1" dirty="0"/>
-              <a:t>"</a:t>
-            </a:r>
-            <a:endParaRPr lang="es-MX" dirty="0"/>
-          </a:p>
-          <a:p>
-            <a:r>
-              <a:rPr lang="es-ES" i="1" dirty="0"/>
-              <a:t>[3] </a:t>
-            </a:r>
-            <a:r>
-              <a:rPr lang="es-ES" i="1" dirty="0" err="1"/>
-              <a:t>Silas</a:t>
-            </a:r>
-            <a:r>
-              <a:rPr lang="es-ES" i="1" dirty="0"/>
-              <a:t> Franco dos Reis Alves (2016), "Artificial Neural Networks: A </a:t>
-            </a:r>
-            <a:r>
-              <a:rPr lang="es-ES" i="1" dirty="0" err="1"/>
-              <a:t>Practical</a:t>
-            </a:r>
-            <a:r>
-              <a:rPr lang="es-ES" i="1" dirty="0"/>
-              <a:t> </a:t>
-            </a:r>
-            <a:r>
-              <a:rPr lang="es-ES" i="1" dirty="0" err="1"/>
-              <a:t>Course</a:t>
-            </a:r>
-            <a:r>
-              <a:rPr lang="es-ES" i="1" dirty="0"/>
-              <a:t>"</a:t>
-            </a:r>
-            <a:endParaRPr lang="es-MX" dirty="0"/>
-          </a:p>
-          <a:p>
-            <a:r>
-              <a:rPr lang="es-ES" i="1" dirty="0"/>
-              <a:t>[4] </a:t>
-            </a:r>
-            <a:r>
-              <a:rPr lang="es-ES" i="1" dirty="0" err="1"/>
-              <a:t>Nikhil</a:t>
-            </a:r>
-            <a:r>
-              <a:rPr lang="es-ES" i="1" dirty="0"/>
-              <a:t> </a:t>
-            </a:r>
-            <a:r>
-              <a:rPr lang="es-ES" i="1" dirty="0" err="1"/>
-              <a:t>Buduma</a:t>
-            </a:r>
-            <a:r>
-              <a:rPr lang="es-ES" i="1" dirty="0"/>
-              <a:t> (2017), "Fundamentals of Deep </a:t>
-            </a:r>
-            <a:r>
-              <a:rPr lang="es-ES" i="1" dirty="0" err="1"/>
-              <a:t>Learning</a:t>
-            </a:r>
-            <a:r>
-              <a:rPr lang="es-ES" i="1" dirty="0"/>
-              <a:t>: </a:t>
-            </a:r>
-            <a:r>
-              <a:rPr lang="es-ES" i="1" dirty="0" err="1"/>
-              <a:t>Designing</a:t>
-            </a:r>
-            <a:r>
-              <a:rPr lang="es-ES" i="1" dirty="0"/>
-              <a:t> </a:t>
-            </a:r>
-            <a:r>
-              <a:rPr lang="es-ES" i="1" dirty="0" err="1"/>
-              <a:t>Next-Generation</a:t>
-            </a:r>
-            <a:r>
-              <a:rPr lang="es-ES" i="1" dirty="0"/>
-              <a:t> Machine </a:t>
-            </a:r>
-            <a:r>
-              <a:rPr lang="es-ES" i="1" dirty="0" err="1"/>
-              <a:t>Intelligence</a:t>
-            </a:r>
-            <a:r>
-              <a:rPr lang="es-ES" i="1" dirty="0"/>
-              <a:t> </a:t>
-            </a:r>
-            <a:r>
-              <a:rPr lang="es-ES" i="1" dirty="0" err="1"/>
-              <a:t>Algorithms</a:t>
-            </a:r>
-            <a:r>
-              <a:rPr lang="es-ES" i="1" dirty="0"/>
-              <a:t>"</a:t>
-            </a:r>
-            <a:endParaRPr lang="es-MX" dirty="0"/>
-          </a:p>
-          <a:p>
-            <a:r>
-              <a:rPr lang="es-ES" i="1" dirty="0"/>
-              <a:t>[5] </a:t>
-            </a:r>
-            <a:r>
-              <a:rPr lang="es-ES" i="1" dirty="0" err="1"/>
-              <a:t>Enric</a:t>
-            </a:r>
-            <a:r>
-              <a:rPr lang="es-ES" i="1" dirty="0"/>
-              <a:t> Herrera (1984), "Teoría musical y armonía moderna"</a:t>
-            </a:r>
-            <a:endParaRPr lang="es-MX" dirty="0"/>
-          </a:p>
-          <a:p>
-            <a:r>
-              <a:rPr lang="es-ES" i="1" dirty="0"/>
-              <a:t>[6] Eric Taylor (1989), "</a:t>
-            </a:r>
-            <a:r>
-              <a:rPr lang="es-ES" i="1" dirty="0" err="1"/>
-              <a:t>A.B.Guide</a:t>
-            </a:r>
-            <a:r>
-              <a:rPr lang="es-ES" i="1" dirty="0"/>
-              <a:t> to </a:t>
-            </a:r>
-            <a:r>
-              <a:rPr lang="es-ES" i="1" dirty="0" err="1"/>
-              <a:t>Music</a:t>
-            </a:r>
-            <a:r>
-              <a:rPr lang="es-ES" i="1" dirty="0"/>
-              <a:t> </a:t>
-            </a:r>
-            <a:r>
-              <a:rPr lang="es-ES" i="1" dirty="0" err="1"/>
-              <a:t>Theory</a:t>
-            </a:r>
-            <a:r>
-              <a:rPr lang="es-ES" i="1" dirty="0"/>
-              <a:t>“</a:t>
-            </a:r>
-          </a:p>
-          <a:p>
-            <a:r>
-              <a:rPr lang="es-MX" i="1" dirty="0"/>
-              <a:t>[7] </a:t>
-            </a:r>
-            <a:r>
-              <a:rPr lang="en-US" i="1" dirty="0"/>
-              <a:t>Douglas Eck and </a:t>
-            </a:r>
-            <a:r>
-              <a:rPr lang="en-US" i="1" dirty="0" err="1"/>
-              <a:t>Jurgen</a:t>
-            </a:r>
-            <a:r>
-              <a:rPr lang="en-US" i="1" dirty="0"/>
-              <a:t> </a:t>
-            </a:r>
-            <a:r>
-              <a:rPr lang="en-US" i="1" dirty="0" err="1"/>
-              <a:t>Schmidhuber</a:t>
-            </a:r>
-            <a:r>
-              <a:rPr lang="en-US" i="1" dirty="0"/>
-              <a:t> (</a:t>
-            </a:r>
-            <a:r>
-              <a:rPr lang="es-MX" i="1" dirty="0"/>
-              <a:t>2002), “</a:t>
-            </a:r>
-            <a:r>
-              <a:rPr lang="en-US" i="1" dirty="0"/>
-              <a:t>A first look at music composition using </a:t>
-            </a:r>
-            <a:r>
-              <a:rPr lang="en-US" i="1" dirty="0" err="1"/>
-              <a:t>lstm</a:t>
-            </a:r>
-            <a:r>
-              <a:rPr lang="en-US" i="1" dirty="0"/>
-              <a:t> recurrent neural networks. Technical Report No. IDSIA-07-</a:t>
-            </a:r>
-            <a:r>
-              <a:rPr lang="es-MX" i="1" dirty="0"/>
-              <a:t>02”</a:t>
-            </a:r>
-            <a:r>
-              <a:rPr lang="en-US" i="1" dirty="0"/>
-              <a:t> </a:t>
-            </a:r>
-            <a:endParaRPr lang="es-MX" i="1" dirty="0"/>
-          </a:p>
-          <a:p>
-            <a:r>
-              <a:rPr lang="es-ES" i="1" dirty="0"/>
-              <a:t>[8] </a:t>
-            </a:r>
-            <a:r>
-              <a:rPr lang="es-ES" i="1" dirty="0" err="1"/>
-              <a:t>Honglak</a:t>
-            </a:r>
-            <a:r>
-              <a:rPr lang="es-ES" i="1" dirty="0"/>
-              <a:t> Lee, </a:t>
-            </a:r>
-            <a:r>
-              <a:rPr lang="es-ES" i="1" dirty="0" err="1"/>
-              <a:t>Yan</a:t>
-            </a:r>
-            <a:r>
-              <a:rPr lang="es-ES" i="1" dirty="0"/>
-              <a:t> </a:t>
-            </a:r>
-            <a:r>
-              <a:rPr lang="es-ES" i="1" dirty="0" err="1"/>
-              <a:t>Largman</a:t>
-            </a:r>
-            <a:r>
-              <a:rPr lang="es-ES" i="1" dirty="0"/>
-              <a:t>, Peter </a:t>
-            </a:r>
-            <a:r>
-              <a:rPr lang="es-ES" i="1" dirty="0" err="1"/>
-              <a:t>Pham</a:t>
-            </a:r>
-            <a:r>
-              <a:rPr lang="es-ES" i="1" dirty="0"/>
-              <a:t>, Andrew Y. </a:t>
-            </a:r>
-            <a:r>
-              <a:rPr lang="es-ES" i="1" dirty="0" err="1"/>
-              <a:t>Ng</a:t>
-            </a:r>
-            <a:endParaRPr lang="es-MX" i="1" dirty="0"/>
-          </a:p>
-          <a:p>
-            <a:r>
-              <a:rPr lang="es-ES" i="1" dirty="0"/>
-              <a:t>(2009), “</a:t>
-            </a:r>
-            <a:r>
-              <a:rPr lang="es-ES" i="1" dirty="0" err="1"/>
-              <a:t>Unsupervised</a:t>
-            </a:r>
-            <a:r>
-              <a:rPr lang="es-ES" i="1" dirty="0"/>
-              <a:t> </a:t>
-            </a:r>
-            <a:r>
-              <a:rPr lang="es-ES" i="1" dirty="0" err="1"/>
-              <a:t>feature</a:t>
-            </a:r>
-            <a:r>
-              <a:rPr lang="es-ES" i="1" dirty="0"/>
-              <a:t> </a:t>
-            </a:r>
-            <a:r>
-              <a:rPr lang="es-ES" i="1" dirty="0" err="1"/>
-              <a:t>learning</a:t>
-            </a:r>
-            <a:r>
-              <a:rPr lang="es-ES" i="1" dirty="0"/>
-              <a:t> </a:t>
-            </a:r>
-            <a:r>
-              <a:rPr lang="es-ES" i="1" dirty="0" err="1"/>
-              <a:t>for</a:t>
-            </a:r>
-            <a:r>
-              <a:rPr lang="es-ES" i="1" dirty="0"/>
-              <a:t> audio </a:t>
-            </a:r>
-            <a:r>
-              <a:rPr lang="es-ES" i="1" dirty="0" err="1"/>
-              <a:t>classification</a:t>
-            </a:r>
-            <a:r>
-              <a:rPr lang="es-ES" i="1" dirty="0"/>
-              <a:t> </a:t>
-            </a:r>
-            <a:r>
-              <a:rPr lang="es-ES" i="1" dirty="0" err="1"/>
-              <a:t>using</a:t>
-            </a:r>
-            <a:r>
-              <a:rPr lang="es-ES" i="1" dirty="0"/>
-              <a:t> </a:t>
-            </a:r>
-            <a:r>
-              <a:rPr lang="es-ES" i="1" dirty="0" err="1"/>
-              <a:t>convolutional</a:t>
-            </a:r>
-            <a:r>
-              <a:rPr lang="es-ES" i="1" dirty="0"/>
-              <a:t> </a:t>
-            </a:r>
-            <a:r>
-              <a:rPr lang="es-ES" i="1" dirty="0" err="1"/>
-              <a:t>deep</a:t>
-            </a:r>
-            <a:r>
-              <a:rPr lang="es-ES" i="1" dirty="0"/>
-              <a:t> </a:t>
-            </a:r>
-            <a:r>
-              <a:rPr lang="es-ES" i="1" dirty="0" err="1"/>
-              <a:t>belief</a:t>
-            </a:r>
-            <a:r>
-              <a:rPr lang="es-ES" i="1" dirty="0"/>
-              <a:t> </a:t>
-            </a:r>
-            <a:r>
-              <a:rPr lang="es-ES" i="1" dirty="0" err="1"/>
-              <a:t>networks</a:t>
-            </a:r>
-            <a:r>
-              <a:rPr lang="es-ES" i="1" dirty="0"/>
-              <a:t>”</a:t>
-            </a:r>
-            <a:endParaRPr lang="es-ES_tradnl" i="1" dirty="0">
-              <a:solidFill>
-                <a:schemeClr val="tx1">
-                  <a:lumMod val="65000"/>
-                  <a:lumOff val="35000"/>
-                </a:schemeClr>
-              </a:solidFill>
-              <a:cs typeface="Arial"/>
-            </a:endParaRPr>
-          </a:p>
-          <a:p>
-            <a:r>
-              <a:rPr lang="es-ES" i="1" dirty="0"/>
-              <a:t>[9] </a:t>
-            </a:r>
-            <a:r>
-              <a:rPr lang="es-ES" i="1" dirty="0" err="1"/>
-              <a:t>Aggelos</a:t>
-            </a:r>
-            <a:r>
-              <a:rPr lang="es-ES" i="1" dirty="0"/>
-              <a:t> </a:t>
-            </a:r>
-            <a:r>
-              <a:rPr lang="es-ES" i="1" dirty="0" err="1"/>
-              <a:t>Pikrakis</a:t>
-            </a:r>
-            <a:r>
-              <a:rPr lang="es-ES" i="1" dirty="0"/>
-              <a:t> (2013), "A Deep </a:t>
-            </a:r>
-            <a:r>
-              <a:rPr lang="es-ES" i="1" dirty="0" err="1"/>
-              <a:t>Learning</a:t>
-            </a:r>
-            <a:r>
-              <a:rPr lang="es-ES" i="1" dirty="0"/>
-              <a:t> </a:t>
-            </a:r>
-            <a:r>
-              <a:rPr lang="es-ES" i="1" dirty="0" err="1"/>
-              <a:t>Approach</a:t>
-            </a:r>
-            <a:r>
-              <a:rPr lang="es-ES" i="1" dirty="0"/>
-              <a:t> to </a:t>
-            </a:r>
-            <a:r>
-              <a:rPr lang="es-ES" i="1" dirty="0" err="1"/>
-              <a:t>Rhythm</a:t>
-            </a:r>
-            <a:r>
-              <a:rPr lang="es-ES" i="1" dirty="0"/>
-              <a:t> </a:t>
-            </a:r>
-            <a:r>
-              <a:rPr lang="es-ES" i="1" dirty="0" err="1"/>
-              <a:t>Modelling</a:t>
-            </a:r>
-            <a:r>
-              <a:rPr lang="es-ES" i="1" dirty="0"/>
-              <a:t> </a:t>
-            </a:r>
-            <a:r>
-              <a:rPr lang="es-ES" i="1" dirty="0" err="1"/>
-              <a:t>with</a:t>
-            </a:r>
-            <a:r>
-              <a:rPr lang="es-ES" i="1" dirty="0"/>
-              <a:t> </a:t>
-            </a:r>
-            <a:r>
-              <a:rPr lang="es-ES" i="1" dirty="0" err="1"/>
-              <a:t>Applications</a:t>
-            </a:r>
-            <a:r>
-              <a:rPr lang="es-ES" i="1" dirty="0"/>
-              <a:t>"</a:t>
-            </a:r>
-            <a:endParaRPr lang="es-MX" i="1" dirty="0"/>
-          </a:p>
-          <a:p>
-            <a:r>
-              <a:rPr lang="es-ES" i="1" dirty="0"/>
-              <a:t>[10] Allen </a:t>
-            </a:r>
-            <a:r>
-              <a:rPr lang="es-ES" i="1" dirty="0" err="1"/>
-              <a:t>Huang</a:t>
-            </a:r>
-            <a:r>
-              <a:rPr lang="es-ES" i="1" dirty="0"/>
-              <a:t> y </a:t>
-            </a:r>
-            <a:r>
-              <a:rPr lang="es-ES" i="1" dirty="0" err="1"/>
-              <a:t>Raymon</a:t>
-            </a:r>
-            <a:r>
-              <a:rPr lang="es-ES" i="1" dirty="0"/>
-              <a:t> </a:t>
-            </a:r>
-            <a:r>
-              <a:rPr lang="es-ES" i="1" dirty="0" err="1"/>
-              <a:t>Wu</a:t>
-            </a:r>
-            <a:r>
-              <a:rPr lang="es-MX" i="1" dirty="0"/>
-              <a:t> </a:t>
-            </a:r>
-            <a:r>
-              <a:rPr lang="es-ES" i="1" dirty="0"/>
-              <a:t>(2016), “Deep </a:t>
-            </a:r>
-            <a:r>
-              <a:rPr lang="es-ES" i="1" dirty="0" err="1"/>
-              <a:t>Learning</a:t>
-            </a:r>
-            <a:r>
-              <a:rPr lang="es-ES" i="1" dirty="0"/>
-              <a:t> </a:t>
-            </a:r>
-            <a:r>
-              <a:rPr lang="es-ES" i="1" dirty="0" err="1"/>
-              <a:t>for</a:t>
-            </a:r>
-            <a:r>
-              <a:rPr lang="es-ES" i="1" dirty="0"/>
-              <a:t> </a:t>
-            </a:r>
-            <a:r>
-              <a:rPr lang="es-ES" i="1" dirty="0" err="1"/>
-              <a:t>Music</a:t>
-            </a:r>
-            <a:r>
-              <a:rPr lang="es-ES" i="1" dirty="0"/>
-              <a:t>”</a:t>
-            </a:r>
-            <a:endParaRPr lang="es-MX" i="1" dirty="0"/>
+              <a:t>Error Guitarra</a:t>
+            </a:r>
           </a:p>
           <a:p>
             <a:endParaRPr lang="es-ES_tradnl" dirty="0">
@@ -4825,10 +4139,130 @@
           </a:p>
         </p:txBody>
       </p:sp>
+      <p:pic>
+        <p:nvPicPr>
+          <p:cNvPr id="2" name="Picture 1">
+            <a:extLst>
+              <a:ext uri="{FF2B5EF4-FFF2-40B4-BE49-F238E27FC236}">
+                <a16:creationId xmlns:a16="http://schemas.microsoft.com/office/drawing/2014/main" id="{9BF0037F-B3EC-4818-898A-2E623D46B44A}"/>
+              </a:ext>
+            </a:extLst>
+          </p:cNvPr>
+          <p:cNvPicPr>
+            <a:picLocks noChangeAspect="1"/>
+          </p:cNvPicPr>
+          <p:nvPr/>
+        </p:nvPicPr>
+        <p:blipFill>
+          <a:blip r:embed="rId2"/>
+          <a:stretch>
+            <a:fillRect/>
+          </a:stretch>
+        </p:blipFill>
+        <p:spPr>
+          <a:xfrm>
+            <a:off x="297024" y="1371600"/>
+            <a:ext cx="3055776" cy="2442410"/>
+          </a:xfrm>
+          <a:prstGeom prst="rect">
+            <a:avLst/>
+          </a:prstGeom>
+        </p:spPr>
+      </p:pic>
+      <p:pic>
+        <p:nvPicPr>
+          <p:cNvPr id="5" name="Picture 4">
+            <a:extLst>
+              <a:ext uri="{FF2B5EF4-FFF2-40B4-BE49-F238E27FC236}">
+                <a16:creationId xmlns:a16="http://schemas.microsoft.com/office/drawing/2014/main" id="{5BE79044-B6AA-4E69-8884-D8BC6955F200}"/>
+              </a:ext>
+            </a:extLst>
+          </p:cNvPr>
+          <p:cNvPicPr>
+            <a:picLocks noChangeAspect="1"/>
+          </p:cNvPicPr>
+          <p:nvPr/>
+        </p:nvPicPr>
+        <p:blipFill>
+          <a:blip r:embed="rId3"/>
+          <a:stretch>
+            <a:fillRect/>
+          </a:stretch>
+        </p:blipFill>
+        <p:spPr>
+          <a:xfrm>
+            <a:off x="3924300" y="1351156"/>
+            <a:ext cx="3075016" cy="2442410"/>
+          </a:xfrm>
+          <a:prstGeom prst="rect">
+            <a:avLst/>
+          </a:prstGeom>
+        </p:spPr>
+      </p:pic>
+      <p:pic>
+        <p:nvPicPr>
+          <p:cNvPr id="6" name="Picture 5">
+            <a:extLst>
+              <a:ext uri="{FF2B5EF4-FFF2-40B4-BE49-F238E27FC236}">
+                <a16:creationId xmlns:a16="http://schemas.microsoft.com/office/drawing/2014/main" id="{E1FEE1DD-4E61-43E1-8AB9-F1BF3CDF173F}"/>
+              </a:ext>
+            </a:extLst>
+          </p:cNvPr>
+          <p:cNvPicPr>
+            <a:picLocks noChangeAspect="1"/>
+          </p:cNvPicPr>
+          <p:nvPr/>
+        </p:nvPicPr>
+        <p:blipFill>
+          <a:blip r:embed="rId4"/>
+          <a:stretch>
+            <a:fillRect/>
+          </a:stretch>
+        </p:blipFill>
+        <p:spPr>
+          <a:xfrm>
+            <a:off x="228600" y="3814010"/>
+            <a:ext cx="3093571" cy="2275308"/>
+          </a:xfrm>
+          <a:prstGeom prst="rect">
+            <a:avLst/>
+          </a:prstGeom>
+        </p:spPr>
+      </p:pic>
+      <p:pic>
+        <p:nvPicPr>
+          <p:cNvPr id="8" name="Picture 7">
+            <a:extLst>
+              <a:ext uri="{FF2B5EF4-FFF2-40B4-BE49-F238E27FC236}">
+                <a16:creationId xmlns:a16="http://schemas.microsoft.com/office/drawing/2014/main" id="{020399CC-5B8D-4842-9978-1F9EDBF57CD4}"/>
+              </a:ext>
+            </a:extLst>
+          </p:cNvPr>
+          <p:cNvPicPr>
+            <a:picLocks noChangeAspect="1"/>
+          </p:cNvPicPr>
+          <p:nvPr/>
+        </p:nvPicPr>
+        <p:blipFill>
+          <a:blip r:embed="rId5"/>
+          <a:stretch>
+            <a:fillRect/>
+          </a:stretch>
+        </p:blipFill>
+        <p:spPr>
+          <a:xfrm>
+            <a:off x="3390122" y="4038600"/>
+            <a:ext cx="5695950" cy="1638300"/>
+          </a:xfrm>
+          <a:prstGeom prst="rect">
+            <a:avLst/>
+          </a:prstGeom>
+        </p:spPr>
+      </p:pic>
     </p:spTree>
     <p:extLst>
       <p:ext uri="{BB962C8B-B14F-4D97-AF65-F5344CB8AC3E}">
-        <p14:creationId xmlns:p14="http://schemas.microsoft.com/office/powerpoint/2010/main" val="209157691"/>
+        <p14:creationId xmlns:p14="http://schemas.microsoft.com/office/powerpoint/2010/main" val="3534945709"/>
       </p:ext>
     </p:extLst>
   </p:cSld>
@@ -4855,9 +4289,107 @@
           <a:chExt cx="0" cy="0"/>
         </a:xfrm>
       </p:grpSpPr>
+      <p:sp>
+        <p:nvSpPr>
+          <p:cNvPr id="7" name="CuadroTexto 6"/>
+          <p:cNvSpPr txBox="1"/>
+          <p:nvPr/>
+        </p:nvSpPr>
+        <p:spPr>
+          <a:xfrm>
+            <a:off x="304800" y="152400"/>
+            <a:ext cx="7239000" cy="553998"/>
+          </a:xfrm>
+          <a:prstGeom prst="rect">
+            <a:avLst/>
+          </a:prstGeom>
+          <a:noFill/>
+        </p:spPr>
+        <p:txBody>
+          <a:bodyPr wrap="square" rtlCol="0">
+            <a:spAutoFit/>
+          </a:bodyPr>
+          <a:lstStyle/>
+          <a:p>
+            <a:r>
+              <a:rPr lang="es-ES_tradnl" sz="3000" b="1" dirty="0">
+                <a:solidFill>
+                  <a:schemeClr val="accent6">
+                    <a:lumMod val="75000"/>
+                  </a:schemeClr>
+                </a:solidFill>
+                <a:latin typeface="Arial"/>
+                <a:cs typeface="Arial"/>
+              </a:rPr>
+              <a:t>Resultados</a:t>
+            </a:r>
+          </a:p>
+        </p:txBody>
+      </p:sp>
+      <p:sp>
+        <p:nvSpPr>
+          <p:cNvPr id="4" name="CuadroTexto 3">
+            <a:extLst>
+              <a:ext uri="{FF2B5EF4-FFF2-40B4-BE49-F238E27FC236}">
+                <a16:creationId xmlns:a16="http://schemas.microsoft.com/office/drawing/2014/main" id="{5B9FAA7F-95C4-4820-8591-6D4817F3F094}"/>
+              </a:ext>
+            </a:extLst>
+          </p:cNvPr>
+          <p:cNvSpPr txBox="1"/>
+          <p:nvPr/>
+        </p:nvSpPr>
+        <p:spPr>
+          <a:xfrm>
+            <a:off x="297024" y="1033046"/>
+            <a:ext cx="5715000" cy="677108"/>
+          </a:xfrm>
+          <a:prstGeom prst="rect">
+            <a:avLst/>
+          </a:prstGeom>
+          <a:noFill/>
+        </p:spPr>
+        <p:txBody>
+          <a:bodyPr wrap="square" rtlCol="0">
+            <a:spAutoFit/>
+          </a:bodyPr>
+          <a:lstStyle/>
+          <a:p>
+            <a:r>
+              <a:rPr lang="es-ES_tradnl" sz="2000" b="1" dirty="0">
+                <a:solidFill>
+                  <a:schemeClr val="accent2">
+                    <a:lumMod val="75000"/>
+                  </a:schemeClr>
+                </a:solidFill>
+                <a:latin typeface="Arial"/>
+                <a:cs typeface="Arial"/>
+              </a:rPr>
+              <a:t>Error Bajo</a:t>
+            </a:r>
+          </a:p>
+          <a:p>
+            <a:endParaRPr lang="es-ES_tradnl" dirty="0">
+              <a:solidFill>
+                <a:schemeClr val="tx1">
+                  <a:lumMod val="65000"/>
+                  <a:lumOff val="35000"/>
+                </a:schemeClr>
+              </a:solidFill>
+              <a:latin typeface="Arial"/>
+              <a:cs typeface="Arial"/>
+            </a:endParaRPr>
+          </a:p>
+        </p:txBody>
+      </p:sp>
       <p:pic>
         <p:nvPicPr>
-          <p:cNvPr id="3" name="Imagen 2" descr="Imagen PPT UAG NEW-03.jpg"/>
+          <p:cNvPr id="2" name="Picture 1">
+            <a:extLst>
+              <a:ext uri="{FF2B5EF4-FFF2-40B4-BE49-F238E27FC236}">
+                <a16:creationId xmlns:a16="http://schemas.microsoft.com/office/drawing/2014/main" id="{E8C04A3F-875B-41F3-9820-55B2D963BBF3}"/>
+              </a:ext>
+            </a:extLst>
+          </p:cNvPr>
           <p:cNvPicPr>
             <a:picLocks noChangeAspect="1"/>
           </p:cNvPicPr>
@@ -4871,8 +4403,98 @@
         </p:blipFill>
         <p:spPr>
           <a:xfrm>
-            <a:off x="0" y="0"/>
-            <a:ext cx="9144000" cy="6858000"/>
+            <a:off x="297024" y="1455167"/>
+            <a:ext cx="2903376" cy="2286409"/>
+          </a:xfrm>
+          <a:prstGeom prst="rect">
+            <a:avLst/>
+          </a:prstGeom>
+        </p:spPr>
+      </p:pic>
+      <p:pic>
+        <p:nvPicPr>
+          <p:cNvPr id="3" name="Picture 2">
+            <a:extLst>
+              <a:ext uri="{FF2B5EF4-FFF2-40B4-BE49-F238E27FC236}">
+                <a16:creationId xmlns:a16="http://schemas.microsoft.com/office/drawing/2014/main" id="{3F119AE0-88D0-4FC2-BA27-B10274F20639}"/>
+              </a:ext>
+            </a:extLst>
+          </p:cNvPr>
+          <p:cNvPicPr>
+            <a:picLocks noChangeAspect="1"/>
+          </p:cNvPicPr>
+          <p:nvPr/>
+        </p:nvPicPr>
+        <p:blipFill>
+          <a:blip r:embed="rId3"/>
+          <a:stretch>
+            <a:fillRect/>
+          </a:stretch>
+        </p:blipFill>
+        <p:spPr>
+          <a:xfrm>
+            <a:off x="3733800" y="1371600"/>
+            <a:ext cx="3048000" cy="2445038"/>
+          </a:xfrm>
+          <a:prstGeom prst="rect">
+            <a:avLst/>
+          </a:prstGeom>
+        </p:spPr>
+      </p:pic>
+      <p:pic>
+        <p:nvPicPr>
+          <p:cNvPr id="5" name="Picture 4">
+            <a:extLst>
+              <a:ext uri="{FF2B5EF4-FFF2-40B4-BE49-F238E27FC236}">
+                <a16:creationId xmlns:a16="http://schemas.microsoft.com/office/drawing/2014/main" id="{FEE8F7BA-601C-4897-B779-B89456334EB6}"/>
+              </a:ext>
+            </a:extLst>
+          </p:cNvPr>
+          <p:cNvPicPr>
+            <a:picLocks noChangeAspect="1"/>
+          </p:cNvPicPr>
+          <p:nvPr/>
+        </p:nvPicPr>
+        <p:blipFill>
+          <a:blip r:embed="rId4"/>
+          <a:stretch>
+            <a:fillRect/>
+          </a:stretch>
+        </p:blipFill>
+        <p:spPr>
+          <a:xfrm>
+            <a:off x="304800" y="3816638"/>
+            <a:ext cx="2895600" cy="2133600"/>
+          </a:xfrm>
+          <a:prstGeom prst="rect">
+            <a:avLst/>
+          </a:prstGeom>
+        </p:spPr>
+      </p:pic>
+      <p:pic>
+        <p:nvPicPr>
+          <p:cNvPr id="8" name="Picture 7">
+            <a:extLst>
+              <a:ext uri="{FF2B5EF4-FFF2-40B4-BE49-F238E27FC236}">
+                <a16:creationId xmlns:a16="http://schemas.microsoft.com/office/drawing/2014/main" id="{5FA46A26-6378-4212-A803-AF9CE0B54AAA}"/>
+              </a:ext>
+            </a:extLst>
+          </p:cNvPr>
+          <p:cNvPicPr>
+            <a:picLocks noChangeAspect="1"/>
+          </p:cNvPicPr>
+          <p:nvPr/>
+        </p:nvPicPr>
+        <p:blipFill>
+          <a:blip r:embed="rId5"/>
+          <a:stretch>
+            <a:fillRect/>
+          </a:stretch>
+        </p:blipFill>
+        <p:spPr>
+          <a:xfrm>
+            <a:off x="3429000" y="4073813"/>
+            <a:ext cx="5543550" cy="1619250"/>
           </a:xfrm>
           <a:prstGeom prst="rect">
             <a:avLst/>
@@ -4880,6 +4502,261 @@
         </p:spPr>
       </p:pic>
     </p:spTree>
+    <p:extLst>
+      <p:ext uri="{BB962C8B-B14F-4D97-AF65-F5344CB8AC3E}">
+        <p14:creationId xmlns:p14="http://schemas.microsoft.com/office/powerpoint/2010/main" val="2126893129"/>
+      </p:ext>
+    </p:extLst>
+  </p:cSld>
+  <p:clrMapOvr>
+    <a:masterClrMapping/>
+  </p:clrMapOvr>
+</p:sld>
+</file>
+
+<file path=ppt/slides/slide19.xml><?xml version="1.0" encoding="utf-8"?>
+<p:sld xmlns:a="http://schemas.openxmlformats.org/drawingml/2006/main" xmlns:r="http://schemas.openxmlformats.org/officeDocument/2006/relationships" xmlns:p="http://schemas.openxmlformats.org/presentationml/2006/main">
+  <p:cSld>
+    <p:spTree>
+      <p:nvGrpSpPr>
+        <p:cNvPr id="1" name=""/>
+        <p:cNvGrpSpPr/>
+        <p:nvPr/>
+      </p:nvGrpSpPr>
+      <p:grpSpPr>
+        <a:xfrm>
+          <a:off x="0" y="0"/>
+          <a:ext cx="0" cy="0"/>
+          <a:chOff x="0" y="0"/>
+          <a:chExt cx="0" cy="0"/>
+        </a:xfrm>
+      </p:grpSpPr>
+      <p:sp>
+        <p:nvSpPr>
+          <p:cNvPr id="7" name="CuadroTexto 6"/>
+          <p:cNvSpPr txBox="1"/>
+          <p:nvPr/>
+        </p:nvSpPr>
+        <p:spPr>
+          <a:xfrm>
+            <a:off x="304800" y="152400"/>
+            <a:ext cx="7239000" cy="553998"/>
+          </a:xfrm>
+          <a:prstGeom prst="rect">
+            <a:avLst/>
+          </a:prstGeom>
+          <a:noFill/>
+        </p:spPr>
+        <p:txBody>
+          <a:bodyPr wrap="square" rtlCol="0">
+            <a:spAutoFit/>
+          </a:bodyPr>
+          <a:lstStyle/>
+          <a:p>
+            <a:r>
+              <a:rPr lang="es-ES_tradnl" sz="3000" b="1" dirty="0">
+                <a:solidFill>
+                  <a:schemeClr val="accent6">
+                    <a:lumMod val="75000"/>
+                  </a:schemeClr>
+                </a:solidFill>
+                <a:latin typeface="Arial"/>
+                <a:cs typeface="Arial"/>
+              </a:rPr>
+              <a:t>Resultados</a:t>
+            </a:r>
+          </a:p>
+        </p:txBody>
+      </p:sp>
+      <p:sp>
+        <p:nvSpPr>
+          <p:cNvPr id="4" name="CuadroTexto 3">
+            <a:extLst>
+              <a:ext uri="{FF2B5EF4-FFF2-40B4-BE49-F238E27FC236}">
+                <a16:creationId xmlns:a16="http://schemas.microsoft.com/office/drawing/2014/main" id="{5B9FAA7F-95C4-4820-8591-6D4817F3F094}"/>
+              </a:ext>
+            </a:extLst>
+          </p:cNvPr>
+          <p:cNvSpPr txBox="1"/>
+          <p:nvPr/>
+        </p:nvSpPr>
+        <p:spPr>
+          <a:xfrm>
+            <a:off x="297024" y="1033046"/>
+            <a:ext cx="8999376" cy="984885"/>
+          </a:xfrm>
+          <a:prstGeom prst="rect">
+            <a:avLst/>
+          </a:prstGeom>
+          <a:noFill/>
+        </p:spPr>
+        <p:txBody>
+          <a:bodyPr wrap="square" rtlCol="0">
+            <a:spAutoFit/>
+          </a:bodyPr>
+          <a:lstStyle/>
+          <a:p>
+            <a:r>
+              <a:rPr lang="es-ES_tradnl" sz="2000" b="1" dirty="0">
+                <a:solidFill>
+                  <a:schemeClr val="accent2">
+                    <a:lumMod val="75000"/>
+                  </a:schemeClr>
+                </a:solidFill>
+                <a:latin typeface="Arial"/>
+                <a:cs typeface="Arial"/>
+              </a:rPr>
+              <a:t>Validación de la tonalidad (Algoritmo de </a:t>
+            </a:r>
+            <a:r>
+              <a:rPr lang="es-ES_tradnl" sz="2000" b="1" dirty="0" err="1">
+                <a:solidFill>
+                  <a:schemeClr val="accent2">
+                    <a:lumMod val="75000"/>
+                  </a:schemeClr>
+                </a:solidFill>
+                <a:latin typeface="Arial"/>
+                <a:cs typeface="Arial"/>
+              </a:rPr>
+              <a:t>Krumhansl-Schmuckler</a:t>
+            </a:r>
+            <a:r>
+              <a:rPr lang="es-ES_tradnl" sz="2000" b="1" dirty="0">
+                <a:solidFill>
+                  <a:schemeClr val="accent2">
+                    <a:lumMod val="75000"/>
+                  </a:schemeClr>
+                </a:solidFill>
+                <a:latin typeface="Arial"/>
+                <a:cs typeface="Arial"/>
+              </a:rPr>
+              <a:t>)</a:t>
+            </a:r>
+          </a:p>
+          <a:p>
+            <a:r>
+              <a:rPr lang="es-ES_tradnl" sz="2000" b="1" dirty="0">
+                <a:solidFill>
+                  <a:schemeClr val="accent2">
+                    <a:lumMod val="75000"/>
+                  </a:schemeClr>
+                </a:solidFill>
+                <a:latin typeface="Arial"/>
+                <a:cs typeface="Arial"/>
+              </a:rPr>
+              <a:t>)</a:t>
+            </a:r>
+          </a:p>
+          <a:p>
+            <a:endParaRPr lang="es-ES_tradnl" dirty="0">
+              <a:solidFill>
+                <a:schemeClr val="tx1">
+                  <a:lumMod val="65000"/>
+                  <a:lumOff val="35000"/>
+                </a:schemeClr>
+              </a:solidFill>
+              <a:latin typeface="Arial"/>
+              <a:cs typeface="Arial"/>
+            </a:endParaRPr>
+          </a:p>
+        </p:txBody>
+      </p:sp>
+      <p:pic>
+        <p:nvPicPr>
+          <p:cNvPr id="6" name="Picture 5">
+            <a:extLst>
+              <a:ext uri="{FF2B5EF4-FFF2-40B4-BE49-F238E27FC236}">
+                <a16:creationId xmlns:a16="http://schemas.microsoft.com/office/drawing/2014/main" id="{8ED60CD6-5BA1-4DEC-92A3-B3FE4F4D9EAD}"/>
+              </a:ext>
+            </a:extLst>
+          </p:cNvPr>
+          <p:cNvPicPr>
+            <a:picLocks noChangeAspect="1"/>
+          </p:cNvPicPr>
+          <p:nvPr/>
+        </p:nvPicPr>
+        <p:blipFill>
+          <a:blip r:embed="rId2"/>
+          <a:stretch>
+            <a:fillRect/>
+          </a:stretch>
+        </p:blipFill>
+        <p:spPr>
+          <a:xfrm>
+            <a:off x="178814" y="1401147"/>
+            <a:ext cx="4164586" cy="3246467"/>
+          </a:xfrm>
+          <a:prstGeom prst="rect">
+            <a:avLst/>
+          </a:prstGeom>
+        </p:spPr>
+      </p:pic>
+      <p:pic>
+        <p:nvPicPr>
+          <p:cNvPr id="9" name="Picture 8">
+            <a:extLst>
+              <a:ext uri="{FF2B5EF4-FFF2-40B4-BE49-F238E27FC236}">
+                <a16:creationId xmlns:a16="http://schemas.microsoft.com/office/drawing/2014/main" id="{449D0C0D-655D-4F8E-BCEF-9DC8F3916235}"/>
+              </a:ext>
+            </a:extLst>
+          </p:cNvPr>
+          <p:cNvPicPr>
+            <a:picLocks noChangeAspect="1"/>
+          </p:cNvPicPr>
+          <p:nvPr/>
+        </p:nvPicPr>
+        <p:blipFill>
+          <a:blip r:embed="rId3"/>
+          <a:stretch>
+            <a:fillRect/>
+          </a:stretch>
+        </p:blipFill>
+        <p:spPr>
+          <a:xfrm>
+            <a:off x="4461610" y="1433061"/>
+            <a:ext cx="4072790" cy="3168530"/>
+          </a:xfrm>
+          <a:prstGeom prst="rect">
+            <a:avLst/>
+          </a:prstGeom>
+        </p:spPr>
+      </p:pic>
+      <p:pic>
+        <p:nvPicPr>
+          <p:cNvPr id="10" name="Picture 9">
+            <a:extLst>
+              <a:ext uri="{FF2B5EF4-FFF2-40B4-BE49-F238E27FC236}">
+                <a16:creationId xmlns:a16="http://schemas.microsoft.com/office/drawing/2014/main" id="{9114AD6D-1460-4CCD-A1DA-C4BE9A8D3E2B}"/>
+              </a:ext>
+            </a:extLst>
+          </p:cNvPr>
+          <p:cNvPicPr>
+            <a:picLocks noChangeAspect="1"/>
+          </p:cNvPicPr>
+          <p:nvPr/>
+        </p:nvPicPr>
+        <p:blipFill>
+          <a:blip r:embed="rId4"/>
+          <a:stretch>
+            <a:fillRect/>
+          </a:stretch>
+        </p:blipFill>
+        <p:spPr>
+          <a:xfrm>
+            <a:off x="1858103" y="4495302"/>
+            <a:ext cx="5427793" cy="1545603"/>
+          </a:xfrm>
+          <a:prstGeom prst="rect">
+            <a:avLst/>
+          </a:prstGeom>
+        </p:spPr>
+      </p:pic>
+    </p:spTree>
+    <p:extLst>
+      <p:ext uri="{BB962C8B-B14F-4D97-AF65-F5344CB8AC3E}">
+        <p14:creationId xmlns:p14="http://schemas.microsoft.com/office/powerpoint/2010/main" val="1061821081"/>
+      </p:ext>
+    </p:extLst>
   </p:cSld>
   <p:clrMapOvr>
     <a:masterClrMapping/>
@@ -4976,7 +4853,21 @@
                 <a:latin typeface="+mj-lt"/>
                 <a:cs typeface="Arial"/>
               </a:rPr>
-              <a:t>Este factor influye directamente con tiempo que le toma a un musico crear una nueva canción.</a:t>
+              <a:t>Este factor influye directamente con tiempo de </a:t>
+            </a:r>
+            <a:r>
+              <a:rPr lang="es-MX" dirty="0" err="1">
+                <a:latin typeface="+mj-lt"/>
+                <a:cs typeface="Arial"/>
+              </a:rPr>
+              <a:t>composicion</a:t>
+            </a:r>
+            <a:r>
+              <a:rPr lang="es-MX" dirty="0">
+                <a:latin typeface="+mj-lt"/>
+                <a:cs typeface="Arial"/>
+              </a:rPr>
+              <a:t>.</a:t>
             </a:r>
             <a:endParaRPr lang="es-ES_tradnl" dirty="0">
               <a:latin typeface="+mj-lt"/>
@@ -5009,6 +4900,1175 @@
           <a:xfrm>
             <a:off x="5257800" y="1752600"/>
             <a:ext cx="3581485" cy="2507040"/>
+          </a:xfrm>
+          <a:prstGeom prst="rect">
+            <a:avLst/>
+          </a:prstGeom>
+        </p:spPr>
+      </p:pic>
+    </p:spTree>
+  </p:cSld>
+  <p:clrMapOvr>
+    <a:masterClrMapping/>
+  </p:clrMapOvr>
+</p:sld>
+</file>
+
+<file path=ppt/slides/slide20.xml><?xml version="1.0" encoding="utf-8"?>
+<p:sld xmlns:a="http://schemas.openxmlformats.org/drawingml/2006/main" xmlns:r="http://schemas.openxmlformats.org/officeDocument/2006/relationships" xmlns:p="http://schemas.openxmlformats.org/presentationml/2006/main">
+  <p:cSld>
+    <p:spTree>
+      <p:nvGrpSpPr>
+        <p:cNvPr id="1" name=""/>
+        <p:cNvGrpSpPr/>
+        <p:nvPr/>
+      </p:nvGrpSpPr>
+      <p:grpSpPr>
+        <a:xfrm>
+          <a:off x="0" y="0"/>
+          <a:ext cx="0" cy="0"/>
+          <a:chOff x="0" y="0"/>
+          <a:chExt cx="0" cy="0"/>
+        </a:xfrm>
+      </p:grpSpPr>
+      <p:sp>
+        <p:nvSpPr>
+          <p:cNvPr id="7" name="CuadroTexto 6"/>
+          <p:cNvSpPr txBox="1"/>
+          <p:nvPr/>
+        </p:nvSpPr>
+        <p:spPr>
+          <a:xfrm>
+            <a:off x="304800" y="152400"/>
+            <a:ext cx="7239000" cy="553998"/>
+          </a:xfrm>
+          <a:prstGeom prst="rect">
+            <a:avLst/>
+          </a:prstGeom>
+          <a:noFill/>
+        </p:spPr>
+        <p:txBody>
+          <a:bodyPr wrap="square" rtlCol="0">
+            <a:spAutoFit/>
+          </a:bodyPr>
+          <a:lstStyle/>
+          <a:p>
+            <a:r>
+              <a:rPr lang="es-ES_tradnl" sz="3000" b="1" dirty="0">
+                <a:solidFill>
+                  <a:schemeClr val="accent6">
+                    <a:lumMod val="75000"/>
+                  </a:schemeClr>
+                </a:solidFill>
+                <a:latin typeface="Arial"/>
+                <a:cs typeface="Arial"/>
+              </a:rPr>
+              <a:t>Resultados</a:t>
+            </a:r>
+          </a:p>
+        </p:txBody>
+      </p:sp>
+      <p:pic>
+        <p:nvPicPr>
+          <p:cNvPr id="3" name="Imagen 2"/>
+          <p:cNvPicPr>
+            <a:picLocks noChangeAspect="1"/>
+          </p:cNvPicPr>
+          <p:nvPr/>
+        </p:nvPicPr>
+        <p:blipFill>
+          <a:blip r:embed="rId2"/>
+          <a:stretch>
+            <a:fillRect/>
+          </a:stretch>
+        </p:blipFill>
+        <p:spPr>
+          <a:xfrm>
+            <a:off x="609601" y="1295400"/>
+            <a:ext cx="4047006" cy="1295400"/>
+          </a:xfrm>
+          <a:prstGeom prst="rect">
+            <a:avLst/>
+          </a:prstGeom>
+        </p:spPr>
+      </p:pic>
+      <p:pic>
+        <p:nvPicPr>
+          <p:cNvPr id="4" name="Imagen 3"/>
+          <p:cNvPicPr>
+            <a:picLocks noChangeAspect="1"/>
+          </p:cNvPicPr>
+          <p:nvPr/>
+        </p:nvPicPr>
+        <p:blipFill>
+          <a:blip r:embed="rId3"/>
+          <a:stretch>
+            <a:fillRect/>
+          </a:stretch>
+        </p:blipFill>
+        <p:spPr>
+          <a:xfrm>
+            <a:off x="609599" y="2863120"/>
+            <a:ext cx="4073393" cy="1404080"/>
+          </a:xfrm>
+          <a:prstGeom prst="rect">
+            <a:avLst/>
+          </a:prstGeom>
+        </p:spPr>
+      </p:pic>
+      <p:sp>
+        <p:nvSpPr>
+          <p:cNvPr id="6" name="CuadroTexto 5"/>
+          <p:cNvSpPr txBox="1"/>
+          <p:nvPr/>
+        </p:nvSpPr>
+        <p:spPr>
+          <a:xfrm>
+            <a:off x="5143500" y="1789774"/>
+            <a:ext cx="2209800" cy="369332"/>
+          </a:xfrm>
+          <a:prstGeom prst="rect">
+            <a:avLst/>
+          </a:prstGeom>
+          <a:noFill/>
+        </p:spPr>
+        <p:txBody>
+          <a:bodyPr wrap="square" rtlCol="0">
+            <a:spAutoFit/>
+          </a:bodyPr>
+          <a:lstStyle/>
+          <a:p>
+            <a:r>
+              <a:rPr lang="es-MX" dirty="0"/>
+              <a:t>Salida de Guitarra</a:t>
+            </a:r>
+          </a:p>
+        </p:txBody>
+      </p:sp>
+      <p:sp>
+        <p:nvSpPr>
+          <p:cNvPr id="8" name="CuadroTexto 7"/>
+          <p:cNvSpPr txBox="1"/>
+          <p:nvPr/>
+        </p:nvSpPr>
+        <p:spPr>
+          <a:xfrm>
+            <a:off x="5257800" y="3195828"/>
+            <a:ext cx="2209800" cy="369332"/>
+          </a:xfrm>
+          <a:prstGeom prst="rect">
+            <a:avLst/>
+          </a:prstGeom>
+          <a:noFill/>
+        </p:spPr>
+        <p:txBody>
+          <a:bodyPr wrap="square" rtlCol="0">
+            <a:spAutoFit/>
+          </a:bodyPr>
+          <a:lstStyle/>
+          <a:p>
+            <a:r>
+              <a:rPr lang="es-MX" dirty="0"/>
+              <a:t>Salida de Bajo</a:t>
+            </a:r>
+          </a:p>
+        </p:txBody>
+      </p:sp>
+    </p:spTree>
+    <p:extLst>
+      <p:ext uri="{BB962C8B-B14F-4D97-AF65-F5344CB8AC3E}">
+        <p14:creationId xmlns:p14="http://schemas.microsoft.com/office/powerpoint/2010/main" val="3141686425"/>
+      </p:ext>
+    </p:extLst>
+  </p:cSld>
+  <p:clrMapOvr>
+    <a:masterClrMapping/>
+  </p:clrMapOvr>
+</p:sld>
+</file>
+
+<file path=ppt/slides/slide21.xml><?xml version="1.0" encoding="utf-8"?>
+<p:sld xmlns:a="http://schemas.openxmlformats.org/drawingml/2006/main" xmlns:r="http://schemas.openxmlformats.org/officeDocument/2006/relationships" xmlns:p="http://schemas.openxmlformats.org/presentationml/2006/main">
+  <p:cSld>
+    <p:spTree>
+      <p:nvGrpSpPr>
+        <p:cNvPr id="1" name=""/>
+        <p:cNvGrpSpPr/>
+        <p:nvPr/>
+      </p:nvGrpSpPr>
+      <p:grpSpPr>
+        <a:xfrm>
+          <a:off x="0" y="0"/>
+          <a:ext cx="0" cy="0"/>
+          <a:chOff x="0" y="0"/>
+          <a:chExt cx="0" cy="0"/>
+        </a:xfrm>
+      </p:grpSpPr>
+      <p:sp>
+        <p:nvSpPr>
+          <p:cNvPr id="7" name="CuadroTexto 6"/>
+          <p:cNvSpPr txBox="1"/>
+          <p:nvPr/>
+        </p:nvSpPr>
+        <p:spPr>
+          <a:xfrm>
+            <a:off x="304800" y="152400"/>
+            <a:ext cx="7239000" cy="553998"/>
+          </a:xfrm>
+          <a:prstGeom prst="rect">
+            <a:avLst/>
+          </a:prstGeom>
+          <a:noFill/>
+        </p:spPr>
+        <p:txBody>
+          <a:bodyPr wrap="square" rtlCol="0">
+            <a:spAutoFit/>
+          </a:bodyPr>
+          <a:lstStyle/>
+          <a:p>
+            <a:r>
+              <a:rPr lang="es-ES_tradnl" sz="3000" b="1" dirty="0">
+                <a:solidFill>
+                  <a:schemeClr val="accent6">
+                    <a:lumMod val="75000"/>
+                  </a:schemeClr>
+                </a:solidFill>
+                <a:latin typeface="Arial"/>
+                <a:cs typeface="Arial"/>
+              </a:rPr>
+              <a:t>Conclusiones</a:t>
+            </a:r>
+          </a:p>
+        </p:txBody>
+      </p:sp>
+      <p:sp>
+        <p:nvSpPr>
+          <p:cNvPr id="4" name="CuadroTexto 3"/>
+          <p:cNvSpPr txBox="1"/>
+          <p:nvPr/>
+        </p:nvSpPr>
+        <p:spPr>
+          <a:xfrm>
+            <a:off x="457200" y="1371600"/>
+            <a:ext cx="7772400" cy="4524315"/>
+          </a:xfrm>
+          <a:prstGeom prst="rect">
+            <a:avLst/>
+          </a:prstGeom>
+          <a:noFill/>
+        </p:spPr>
+        <p:txBody>
+          <a:bodyPr wrap="square" rtlCol="0">
+            <a:spAutoFit/>
+          </a:bodyPr>
+          <a:lstStyle/>
+          <a:p>
+            <a:pPr marL="285750" indent="-285750">
+              <a:buFont typeface="Arial" panose="020B0604020202020204" pitchFamily="34" charset="0"/>
+              <a:buChar char="•"/>
+            </a:pPr>
+            <a:r>
+              <a:rPr lang="es-ES_tradnl" dirty="0">
+                <a:solidFill>
+                  <a:schemeClr val="tx1">
+                    <a:lumMod val="65000"/>
+                    <a:lumOff val="35000"/>
+                  </a:schemeClr>
+                </a:solidFill>
+                <a:latin typeface="Arial"/>
+                <a:cs typeface="Arial"/>
+              </a:rPr>
+              <a:t>Las redes fueron capaces de aprender y generar música a partir de secuencias de entradas.</a:t>
+            </a:r>
+          </a:p>
+          <a:p>
+            <a:pPr marL="285750" indent="-285750">
+              <a:buFont typeface="Arial" panose="020B0604020202020204" pitchFamily="34" charset="0"/>
+              <a:buChar char="•"/>
+            </a:pPr>
+            <a:r>
+              <a:rPr lang="es-ES_tradnl" dirty="0">
+                <a:solidFill>
+                  <a:schemeClr val="tx1">
+                    <a:lumMod val="65000"/>
+                    <a:lumOff val="35000"/>
+                  </a:schemeClr>
+                </a:solidFill>
+                <a:latin typeface="Arial"/>
+                <a:cs typeface="Arial"/>
+              </a:rPr>
+              <a:t>La red que tuvo un mejor desempeño fue la arquitectura numero 1, la cual cuenta con capas de </a:t>
+            </a:r>
+            <a:r>
+              <a:rPr lang="es-ES_tradnl" dirty="0" err="1">
+                <a:solidFill>
+                  <a:schemeClr val="tx1">
+                    <a:lumMod val="65000"/>
+                    <a:lumOff val="35000"/>
+                  </a:schemeClr>
+                </a:solidFill>
+                <a:latin typeface="Arial"/>
+                <a:cs typeface="Arial"/>
+              </a:rPr>
+              <a:t>Dropout</a:t>
+            </a:r>
+            <a:r>
+              <a:rPr lang="es-ES_tradnl" dirty="0">
+                <a:solidFill>
+                  <a:schemeClr val="tx1">
+                    <a:lumMod val="65000"/>
+                    <a:lumOff val="35000"/>
+                  </a:schemeClr>
+                </a:solidFill>
+                <a:latin typeface="Arial"/>
+                <a:cs typeface="Arial"/>
+              </a:rPr>
+              <a:t> intermedias, </a:t>
+            </a:r>
+            <a:r>
+              <a:rPr lang="es-ES_tradnl" dirty="0" err="1">
+                <a:solidFill>
+                  <a:schemeClr val="tx1">
+                    <a:lumMod val="65000"/>
+                    <a:lumOff val="35000"/>
+                  </a:schemeClr>
+                </a:solidFill>
+                <a:latin typeface="Arial"/>
+                <a:cs typeface="Arial"/>
+              </a:rPr>
+              <a:t>asi</a:t>
+            </a:r>
+            <a:r>
+              <a:rPr lang="es-ES_tradnl" dirty="0">
+                <a:solidFill>
+                  <a:schemeClr val="tx1">
+                    <a:lumMod val="65000"/>
+                    <a:lumOff val="35000"/>
+                  </a:schemeClr>
+                </a:solidFill>
+                <a:latin typeface="Arial"/>
+                <a:cs typeface="Arial"/>
+              </a:rPr>
+              <a:t> como un optimizador </a:t>
+            </a:r>
+            <a:r>
+              <a:rPr lang="es-ES_tradnl" dirty="0" err="1">
+                <a:solidFill>
+                  <a:schemeClr val="tx1">
+                    <a:lumMod val="65000"/>
+                    <a:lumOff val="35000"/>
+                  </a:schemeClr>
+                </a:solidFill>
+                <a:latin typeface="Arial"/>
+                <a:cs typeface="Arial"/>
+              </a:rPr>
+              <a:t>RMSProp</a:t>
+            </a:r>
+            <a:r>
+              <a:rPr lang="es-ES_tradnl" dirty="0">
+                <a:solidFill>
+                  <a:schemeClr val="tx1">
+                    <a:lumMod val="65000"/>
+                    <a:lumOff val="35000"/>
+                  </a:schemeClr>
+                </a:solidFill>
+                <a:latin typeface="Arial"/>
+                <a:cs typeface="Arial"/>
+              </a:rPr>
+              <a:t>.</a:t>
+            </a:r>
+          </a:p>
+          <a:p>
+            <a:pPr marL="285750" indent="-285750">
+              <a:buFont typeface="Arial" panose="020B0604020202020204" pitchFamily="34" charset="0"/>
+              <a:buChar char="•"/>
+            </a:pPr>
+            <a:r>
+              <a:rPr lang="es-ES_tradnl" dirty="0">
+                <a:solidFill>
+                  <a:schemeClr val="tx1">
+                    <a:lumMod val="65000"/>
+                    <a:lumOff val="35000"/>
+                  </a:schemeClr>
+                </a:solidFill>
+                <a:latin typeface="Arial"/>
+                <a:cs typeface="Arial"/>
+              </a:rPr>
+              <a:t>A pesar de que la red con el optimizador </a:t>
+            </a:r>
+            <a:r>
+              <a:rPr lang="es-ES_tradnl" dirty="0" err="1">
+                <a:solidFill>
+                  <a:schemeClr val="tx1">
+                    <a:lumMod val="65000"/>
+                    <a:lumOff val="35000"/>
+                  </a:schemeClr>
+                </a:solidFill>
+                <a:latin typeface="Arial"/>
+                <a:cs typeface="Arial"/>
+              </a:rPr>
+              <a:t>Nadam</a:t>
+            </a:r>
+            <a:r>
+              <a:rPr lang="es-ES_tradnl" dirty="0">
+                <a:solidFill>
+                  <a:schemeClr val="tx1">
+                    <a:lumMod val="65000"/>
+                    <a:lumOff val="35000"/>
+                  </a:schemeClr>
+                </a:solidFill>
+                <a:latin typeface="Arial"/>
+                <a:cs typeface="Arial"/>
+              </a:rPr>
+              <a:t> no fue la mejor, presento excelentes resultados.</a:t>
+            </a:r>
+          </a:p>
+          <a:p>
+            <a:pPr marL="285750" indent="-285750">
+              <a:buFont typeface="Arial" panose="020B0604020202020204" pitchFamily="34" charset="0"/>
+              <a:buChar char="•"/>
+            </a:pPr>
+            <a:r>
+              <a:rPr lang="es-ES_tradnl" dirty="0">
+                <a:solidFill>
+                  <a:schemeClr val="tx1">
+                    <a:lumMod val="65000"/>
+                    <a:lumOff val="35000"/>
+                  </a:schemeClr>
+                </a:solidFill>
+                <a:latin typeface="Arial"/>
+                <a:cs typeface="Arial"/>
+              </a:rPr>
+              <a:t>Para trabajos futuros seria bueno experimentar con otras arquitecturas de redes LSTM.</a:t>
+            </a:r>
+          </a:p>
+          <a:p>
+            <a:pPr marL="285750" indent="-285750">
+              <a:buFont typeface="Arial" panose="020B0604020202020204" pitchFamily="34" charset="0"/>
+              <a:buChar char="•"/>
+            </a:pPr>
+            <a:r>
+              <a:rPr lang="es-ES_tradnl" dirty="0">
+                <a:solidFill>
+                  <a:schemeClr val="tx1">
+                    <a:lumMod val="65000"/>
+                    <a:lumOff val="35000"/>
+                  </a:schemeClr>
+                </a:solidFill>
+                <a:latin typeface="Arial"/>
+                <a:cs typeface="Arial"/>
+              </a:rPr>
+              <a:t>Las secuencias de salida generadas por la red, contiene tanto notas musicales como también silencios.</a:t>
+            </a:r>
+          </a:p>
+          <a:p>
+            <a:pPr marL="285750" indent="-285750">
+              <a:buFont typeface="Arial" panose="020B0604020202020204" pitchFamily="34" charset="0"/>
+              <a:buChar char="•"/>
+            </a:pPr>
+            <a:r>
+              <a:rPr lang="es-ES_tradnl" dirty="0">
+                <a:solidFill>
+                  <a:schemeClr val="tx1">
+                    <a:lumMod val="65000"/>
+                    <a:lumOff val="35000"/>
+                  </a:schemeClr>
+                </a:solidFill>
+                <a:latin typeface="Arial"/>
+                <a:cs typeface="Arial"/>
+              </a:rPr>
+              <a:t>El algoritmo de </a:t>
+            </a:r>
+            <a:r>
+              <a:rPr lang="es-ES_tradnl" dirty="0" err="1">
+                <a:solidFill>
+                  <a:schemeClr val="tx1">
+                    <a:lumMod val="65000"/>
+                    <a:lumOff val="35000"/>
+                  </a:schemeClr>
+                </a:solidFill>
+                <a:latin typeface="Arial"/>
+                <a:cs typeface="Arial"/>
+              </a:rPr>
+              <a:t>Krumhansl-Schmuckler</a:t>
+            </a:r>
+            <a:r>
+              <a:rPr lang="es-ES_tradnl" dirty="0">
+                <a:solidFill>
+                  <a:schemeClr val="tx1">
+                    <a:lumMod val="65000"/>
+                    <a:lumOff val="35000"/>
+                  </a:schemeClr>
+                </a:solidFill>
+                <a:latin typeface="Arial"/>
+                <a:cs typeface="Arial"/>
+              </a:rPr>
+              <a:t> sirvió bastante bien para la validación del proyecto.</a:t>
+            </a:r>
+          </a:p>
+          <a:p>
+            <a:pPr marL="285750" indent="-285750">
+              <a:buFont typeface="Arial" panose="020B0604020202020204" pitchFamily="34" charset="0"/>
+              <a:buChar char="•"/>
+            </a:pPr>
+            <a:r>
+              <a:rPr lang="es-ES_tradnl" dirty="0">
+                <a:solidFill>
+                  <a:schemeClr val="tx1">
+                    <a:lumMod val="65000"/>
+                    <a:lumOff val="35000"/>
+                  </a:schemeClr>
+                </a:solidFill>
+                <a:latin typeface="Arial"/>
+                <a:cs typeface="Arial"/>
+              </a:rPr>
+              <a:t>El tiempo de entrenamiento de esta red con todo el </a:t>
+            </a:r>
+            <a:r>
+              <a:rPr lang="es-ES_tradnl" dirty="0" err="1">
+                <a:solidFill>
+                  <a:schemeClr val="tx1">
+                    <a:lumMod val="65000"/>
+                    <a:lumOff val="35000"/>
+                  </a:schemeClr>
+                </a:solidFill>
+                <a:latin typeface="Arial"/>
+                <a:cs typeface="Arial"/>
+              </a:rPr>
+              <a:t>dataset</a:t>
+            </a:r>
+            <a:r>
+              <a:rPr lang="es-ES_tradnl" dirty="0">
+                <a:solidFill>
+                  <a:schemeClr val="tx1">
+                    <a:lumMod val="65000"/>
+                    <a:lumOff val="35000"/>
+                  </a:schemeClr>
+                </a:solidFill>
+                <a:latin typeface="Arial"/>
+                <a:cs typeface="Arial"/>
+              </a:rPr>
+              <a:t> es bastante grande, quizá en un futuro con mejor hardware se puedan correr mas épocas y ver si la red sigue evolucionando.</a:t>
+            </a:r>
+          </a:p>
+        </p:txBody>
+      </p:sp>
+    </p:spTree>
+    <p:extLst>
+      <p:ext uri="{BB962C8B-B14F-4D97-AF65-F5344CB8AC3E}">
+        <p14:creationId xmlns:p14="http://schemas.microsoft.com/office/powerpoint/2010/main" val="2630158223"/>
+      </p:ext>
+    </p:extLst>
+  </p:cSld>
+  <p:clrMapOvr>
+    <a:masterClrMapping/>
+  </p:clrMapOvr>
+</p:sld>
+</file>
+
+<file path=ppt/slides/slide22.xml><?xml version="1.0" encoding="utf-8"?>
+<p:sld xmlns:a="http://schemas.openxmlformats.org/drawingml/2006/main" xmlns:r="http://schemas.openxmlformats.org/officeDocument/2006/relationships" xmlns:p="http://schemas.openxmlformats.org/presentationml/2006/main">
+  <p:cSld>
+    <p:spTree>
+      <p:nvGrpSpPr>
+        <p:cNvPr id="1" name=""/>
+        <p:cNvGrpSpPr/>
+        <p:nvPr/>
+      </p:nvGrpSpPr>
+      <p:grpSpPr>
+        <a:xfrm>
+          <a:off x="0" y="0"/>
+          <a:ext cx="0" cy="0"/>
+          <a:chOff x="0" y="0"/>
+          <a:chExt cx="0" cy="0"/>
+        </a:xfrm>
+      </p:grpSpPr>
+      <p:sp>
+        <p:nvSpPr>
+          <p:cNvPr id="7" name="CuadroTexto 6"/>
+          <p:cNvSpPr txBox="1"/>
+          <p:nvPr/>
+        </p:nvSpPr>
+        <p:spPr>
+          <a:xfrm>
+            <a:off x="304800" y="152400"/>
+            <a:ext cx="7239000" cy="553998"/>
+          </a:xfrm>
+          <a:prstGeom prst="rect">
+            <a:avLst/>
+          </a:prstGeom>
+          <a:noFill/>
+        </p:spPr>
+        <p:txBody>
+          <a:bodyPr wrap="square" rtlCol="0">
+            <a:spAutoFit/>
+          </a:bodyPr>
+          <a:lstStyle/>
+          <a:p>
+            <a:r>
+              <a:rPr lang="es-ES_tradnl" sz="3000" b="1" dirty="0">
+                <a:solidFill>
+                  <a:schemeClr val="accent6">
+                    <a:lumMod val="75000"/>
+                  </a:schemeClr>
+                </a:solidFill>
+                <a:latin typeface="Arial"/>
+                <a:cs typeface="Arial"/>
+              </a:rPr>
+              <a:t>Referencias Bibliográficas</a:t>
+            </a:r>
+          </a:p>
+        </p:txBody>
+      </p:sp>
+      <p:sp>
+        <p:nvSpPr>
+          <p:cNvPr id="4" name="CuadroTexto 3"/>
+          <p:cNvSpPr txBox="1"/>
+          <p:nvPr/>
+        </p:nvSpPr>
+        <p:spPr>
+          <a:xfrm>
+            <a:off x="457200" y="1219200"/>
+            <a:ext cx="8153400" cy="5416868"/>
+          </a:xfrm>
+          <a:prstGeom prst="rect">
+            <a:avLst/>
+          </a:prstGeom>
+          <a:noFill/>
+        </p:spPr>
+        <p:txBody>
+          <a:bodyPr wrap="square" rtlCol="0">
+            <a:spAutoFit/>
+          </a:bodyPr>
+          <a:lstStyle/>
+          <a:p>
+            <a:r>
+              <a:rPr lang="es-ES_tradnl" sz="2000" b="1" dirty="0">
+                <a:solidFill>
+                  <a:schemeClr val="accent2">
+                    <a:lumMod val="75000"/>
+                  </a:schemeClr>
+                </a:solidFill>
+                <a:latin typeface="Arial"/>
+                <a:cs typeface="Arial"/>
+              </a:rPr>
+              <a:t>Referencias</a:t>
+            </a:r>
+          </a:p>
+          <a:p>
+            <a:r>
+              <a:rPr lang="es-ES_tradnl" sz="2000" b="1" dirty="0">
+                <a:solidFill>
+                  <a:schemeClr val="accent2">
+                    <a:lumMod val="75000"/>
+                  </a:schemeClr>
+                </a:solidFill>
+                <a:latin typeface="Arial"/>
+                <a:cs typeface="Arial"/>
+              </a:rPr>
+              <a:t>  </a:t>
+            </a:r>
+          </a:p>
+          <a:p>
+            <a:r>
+              <a:rPr lang="es-ES" i="1" dirty="0"/>
+              <a:t>[1] </a:t>
+            </a:r>
+            <a:r>
+              <a:rPr lang="es-ES" i="1" dirty="0" err="1"/>
+              <a:t>Mohamad</a:t>
+            </a:r>
+            <a:r>
+              <a:rPr lang="es-ES" i="1" dirty="0"/>
+              <a:t> H. </a:t>
+            </a:r>
+            <a:r>
+              <a:rPr lang="es-ES" i="1" dirty="0" err="1"/>
+              <a:t>Hassoun</a:t>
+            </a:r>
+            <a:r>
+              <a:rPr lang="es-ES" i="1" dirty="0"/>
+              <a:t> (1995), "Fundamentals of artificial neural </a:t>
+            </a:r>
+            <a:r>
+              <a:rPr lang="es-ES" i="1" dirty="0" err="1"/>
+              <a:t>networks</a:t>
+            </a:r>
+            <a:r>
+              <a:rPr lang="es-ES" i="1" dirty="0"/>
+              <a:t>"</a:t>
+            </a:r>
+            <a:endParaRPr lang="es-MX" dirty="0"/>
+          </a:p>
+          <a:p>
+            <a:r>
+              <a:rPr lang="es-ES" i="1" dirty="0"/>
+              <a:t>[2] Kevin </a:t>
+            </a:r>
+            <a:r>
+              <a:rPr lang="es-ES" i="1" dirty="0" err="1"/>
+              <a:t>Gurney</a:t>
+            </a:r>
+            <a:r>
+              <a:rPr lang="es-ES" i="1" dirty="0"/>
+              <a:t> (1997), "</a:t>
+            </a:r>
+            <a:r>
+              <a:rPr lang="es-ES" i="1" dirty="0" err="1"/>
+              <a:t>An</a:t>
+            </a:r>
+            <a:r>
+              <a:rPr lang="es-ES" i="1" dirty="0"/>
+              <a:t> </a:t>
+            </a:r>
+            <a:r>
+              <a:rPr lang="es-ES" i="1" dirty="0" err="1"/>
+              <a:t>introduction</a:t>
+            </a:r>
+            <a:r>
+              <a:rPr lang="es-ES" i="1" dirty="0"/>
+              <a:t> to neural </a:t>
+            </a:r>
+            <a:r>
+              <a:rPr lang="es-ES" i="1" dirty="0" err="1"/>
+              <a:t>networks</a:t>
+            </a:r>
+            <a:r>
+              <a:rPr lang="es-ES" i="1" dirty="0"/>
+              <a:t>"</a:t>
+            </a:r>
+            <a:endParaRPr lang="es-MX" dirty="0"/>
+          </a:p>
+          <a:p>
+            <a:r>
+              <a:rPr lang="es-ES" i="1" dirty="0"/>
+              <a:t>[3] </a:t>
+            </a:r>
+            <a:r>
+              <a:rPr lang="es-ES" i="1" dirty="0" err="1"/>
+              <a:t>Silas</a:t>
+            </a:r>
+            <a:r>
+              <a:rPr lang="es-ES" i="1" dirty="0"/>
+              <a:t> Franco dos Reis Alves (2016), "Artificial Neural Networks: A </a:t>
+            </a:r>
+            <a:r>
+              <a:rPr lang="es-ES" i="1" dirty="0" err="1"/>
+              <a:t>Practical</a:t>
+            </a:r>
+            <a:r>
+              <a:rPr lang="es-ES" i="1" dirty="0"/>
+              <a:t> </a:t>
+            </a:r>
+            <a:r>
+              <a:rPr lang="es-ES" i="1" dirty="0" err="1"/>
+              <a:t>Course</a:t>
+            </a:r>
+            <a:r>
+              <a:rPr lang="es-ES" i="1" dirty="0"/>
+              <a:t>"</a:t>
+            </a:r>
+            <a:endParaRPr lang="es-MX" dirty="0"/>
+          </a:p>
+          <a:p>
+            <a:r>
+              <a:rPr lang="es-ES" i="1" dirty="0"/>
+              <a:t>[4] Enric Herrera (1984), "Teoría musical y armonía moderna"</a:t>
+            </a:r>
+            <a:endParaRPr lang="es-MX" dirty="0"/>
+          </a:p>
+          <a:p>
+            <a:r>
+              <a:rPr lang="es-ES" i="1" dirty="0"/>
+              <a:t>[5] Eric Taylor (1989), "</a:t>
+            </a:r>
+            <a:r>
+              <a:rPr lang="es-ES" i="1" dirty="0" err="1"/>
+              <a:t>A.B.Guide</a:t>
+            </a:r>
+            <a:r>
+              <a:rPr lang="es-ES" i="1" dirty="0"/>
+              <a:t> to Music </a:t>
+            </a:r>
+            <a:r>
+              <a:rPr lang="es-ES" i="1" dirty="0" err="1"/>
+              <a:t>Theory</a:t>
+            </a:r>
+            <a:r>
+              <a:rPr lang="es-ES" i="1" dirty="0"/>
+              <a:t>“</a:t>
+            </a:r>
+          </a:p>
+          <a:p>
+            <a:r>
+              <a:rPr lang="es-MX" i="1" dirty="0"/>
+              <a:t>[6] </a:t>
+            </a:r>
+            <a:r>
+              <a:rPr lang="en-US" i="1" dirty="0"/>
+              <a:t>Douglas Eck and </a:t>
+            </a:r>
+            <a:r>
+              <a:rPr lang="en-US" i="1" dirty="0" err="1"/>
+              <a:t>Jurgen</a:t>
+            </a:r>
+            <a:r>
+              <a:rPr lang="en-US" i="1" dirty="0"/>
+              <a:t> </a:t>
+            </a:r>
+            <a:r>
+              <a:rPr lang="en-US" i="1" dirty="0" err="1"/>
+              <a:t>Schmidhuber</a:t>
+            </a:r>
+            <a:r>
+              <a:rPr lang="en-US" i="1" dirty="0"/>
+              <a:t> (</a:t>
+            </a:r>
+            <a:r>
+              <a:rPr lang="es-MX" i="1" dirty="0"/>
+              <a:t>2002), “</a:t>
+            </a:r>
+            <a:r>
+              <a:rPr lang="en-US" i="1" dirty="0"/>
+              <a:t>A first look at music composition using </a:t>
+            </a:r>
+            <a:r>
+              <a:rPr lang="en-US" i="1" dirty="0" err="1"/>
+              <a:t>lstm</a:t>
+            </a:r>
+            <a:r>
+              <a:rPr lang="en-US" i="1" dirty="0"/>
+              <a:t> recurrent neural networks. Technical Report No. IDSIA-07-</a:t>
+            </a:r>
+            <a:r>
+              <a:rPr lang="es-MX" i="1" dirty="0"/>
+              <a:t>02”</a:t>
+            </a:r>
+            <a:r>
+              <a:rPr lang="en-US" i="1" dirty="0"/>
+              <a:t> </a:t>
+            </a:r>
+            <a:endParaRPr lang="es-MX" i="1" dirty="0"/>
+          </a:p>
+          <a:p>
+            <a:r>
+              <a:rPr lang="es-ES" i="1" dirty="0"/>
+              <a:t>[7] </a:t>
+            </a:r>
+            <a:r>
+              <a:rPr lang="es-ES" i="1" dirty="0" err="1"/>
+              <a:t>Honglak</a:t>
+            </a:r>
+            <a:r>
+              <a:rPr lang="es-ES" i="1" dirty="0"/>
+              <a:t> Lee, Yan </a:t>
+            </a:r>
+            <a:r>
+              <a:rPr lang="es-ES" i="1" dirty="0" err="1"/>
+              <a:t>Largman</a:t>
+            </a:r>
+            <a:r>
+              <a:rPr lang="es-ES" i="1" dirty="0"/>
+              <a:t>, Peter </a:t>
+            </a:r>
+            <a:r>
+              <a:rPr lang="es-ES" i="1" dirty="0" err="1"/>
+              <a:t>Pham</a:t>
+            </a:r>
+            <a:r>
+              <a:rPr lang="es-ES" i="1" dirty="0"/>
+              <a:t>, Andrew Y. </a:t>
+            </a:r>
+            <a:r>
+              <a:rPr lang="es-ES" i="1" dirty="0" err="1"/>
+              <a:t>Ng</a:t>
+            </a:r>
+            <a:endParaRPr lang="es-MX" i="1" dirty="0"/>
+          </a:p>
+          <a:p>
+            <a:r>
+              <a:rPr lang="es-ES" i="1" dirty="0"/>
+              <a:t>(2009), “</a:t>
+            </a:r>
+            <a:r>
+              <a:rPr lang="es-ES" i="1" dirty="0" err="1"/>
+              <a:t>Unsupervised</a:t>
+            </a:r>
+            <a:r>
+              <a:rPr lang="es-ES" i="1" dirty="0"/>
+              <a:t> </a:t>
+            </a:r>
+            <a:r>
+              <a:rPr lang="es-ES" i="1" dirty="0" err="1"/>
+              <a:t>feature</a:t>
+            </a:r>
+            <a:r>
+              <a:rPr lang="es-ES" i="1" dirty="0"/>
+              <a:t> </a:t>
+            </a:r>
+            <a:r>
+              <a:rPr lang="es-ES" i="1" dirty="0" err="1"/>
+              <a:t>learning</a:t>
+            </a:r>
+            <a:r>
+              <a:rPr lang="es-ES" i="1" dirty="0"/>
+              <a:t> </a:t>
+            </a:r>
+            <a:r>
+              <a:rPr lang="es-ES" i="1" dirty="0" err="1"/>
+              <a:t>for</a:t>
+            </a:r>
+            <a:r>
+              <a:rPr lang="es-ES" i="1" dirty="0"/>
+              <a:t> audio </a:t>
+            </a:r>
+            <a:r>
+              <a:rPr lang="es-ES" i="1" dirty="0" err="1"/>
+              <a:t>classification</a:t>
+            </a:r>
+            <a:r>
+              <a:rPr lang="es-ES" i="1" dirty="0"/>
+              <a:t> </a:t>
+            </a:r>
+            <a:r>
+              <a:rPr lang="es-ES" i="1" dirty="0" err="1"/>
+              <a:t>using</a:t>
+            </a:r>
+            <a:r>
+              <a:rPr lang="es-ES" i="1" dirty="0"/>
+              <a:t> </a:t>
+            </a:r>
+            <a:r>
+              <a:rPr lang="es-ES" i="1" dirty="0" err="1"/>
+              <a:t>convolutional</a:t>
+            </a:r>
+            <a:r>
+              <a:rPr lang="es-ES" i="1" dirty="0"/>
+              <a:t> </a:t>
+            </a:r>
+            <a:r>
+              <a:rPr lang="es-ES" i="1" dirty="0" err="1"/>
+              <a:t>deep</a:t>
+            </a:r>
+            <a:r>
+              <a:rPr lang="es-ES" i="1" dirty="0"/>
+              <a:t> </a:t>
+            </a:r>
+            <a:r>
+              <a:rPr lang="es-ES" i="1" dirty="0" err="1"/>
+              <a:t>belief</a:t>
+            </a:r>
+            <a:r>
+              <a:rPr lang="es-ES" i="1" dirty="0"/>
+              <a:t> </a:t>
+            </a:r>
+            <a:r>
+              <a:rPr lang="es-ES" i="1" dirty="0" err="1"/>
+              <a:t>networks</a:t>
+            </a:r>
+            <a:r>
+              <a:rPr lang="es-ES" i="1" dirty="0"/>
+              <a:t>”</a:t>
+            </a:r>
+            <a:endParaRPr lang="es-ES_tradnl" i="1" dirty="0">
+              <a:solidFill>
+                <a:schemeClr val="tx1">
+                  <a:lumMod val="65000"/>
+                  <a:lumOff val="35000"/>
+                </a:schemeClr>
+              </a:solidFill>
+              <a:cs typeface="Arial"/>
+            </a:endParaRPr>
+          </a:p>
+          <a:p>
+            <a:r>
+              <a:rPr lang="es-ES" i="1" dirty="0"/>
+              <a:t>[8] </a:t>
+            </a:r>
+            <a:r>
+              <a:rPr lang="es-ES" i="1" dirty="0" err="1"/>
+              <a:t>Aggelos</a:t>
+            </a:r>
+            <a:r>
+              <a:rPr lang="es-ES" i="1" dirty="0"/>
+              <a:t> </a:t>
+            </a:r>
+            <a:r>
+              <a:rPr lang="es-ES" i="1" dirty="0" err="1"/>
+              <a:t>Pikrakis</a:t>
+            </a:r>
+            <a:r>
+              <a:rPr lang="es-ES" i="1" dirty="0"/>
+              <a:t> (2013), "A Deep </a:t>
+            </a:r>
+            <a:r>
+              <a:rPr lang="es-ES" i="1" dirty="0" err="1"/>
+              <a:t>Learning</a:t>
+            </a:r>
+            <a:r>
+              <a:rPr lang="es-ES" i="1" dirty="0"/>
+              <a:t> </a:t>
+            </a:r>
+            <a:r>
+              <a:rPr lang="es-ES" i="1" dirty="0" err="1"/>
+              <a:t>Approach</a:t>
+            </a:r>
+            <a:r>
+              <a:rPr lang="es-ES" i="1" dirty="0"/>
+              <a:t> to </a:t>
+            </a:r>
+            <a:r>
+              <a:rPr lang="es-ES" i="1" dirty="0" err="1"/>
+              <a:t>Rhythm</a:t>
+            </a:r>
+            <a:r>
+              <a:rPr lang="es-ES" i="1" dirty="0"/>
+              <a:t> </a:t>
+            </a:r>
+            <a:r>
+              <a:rPr lang="es-ES" i="1" dirty="0" err="1"/>
+              <a:t>Modelling</a:t>
+            </a:r>
+            <a:r>
+              <a:rPr lang="es-ES" i="1" dirty="0"/>
+              <a:t> </a:t>
+            </a:r>
+            <a:r>
+              <a:rPr lang="es-ES" i="1" dirty="0" err="1"/>
+              <a:t>with</a:t>
+            </a:r>
+            <a:r>
+              <a:rPr lang="es-ES" i="1" dirty="0"/>
+              <a:t> </a:t>
+            </a:r>
+            <a:r>
+              <a:rPr lang="es-ES" i="1" dirty="0" err="1"/>
+              <a:t>Applications</a:t>
+            </a:r>
+            <a:r>
+              <a:rPr lang="es-ES" i="1" dirty="0"/>
+              <a:t>"</a:t>
+            </a:r>
+            <a:endParaRPr lang="es-MX" i="1" dirty="0"/>
+          </a:p>
+          <a:p>
+            <a:r>
+              <a:rPr lang="es-ES" i="1" dirty="0"/>
+              <a:t>[9] Allen Huang y </a:t>
+            </a:r>
+            <a:r>
+              <a:rPr lang="es-ES" i="1" dirty="0" err="1"/>
+              <a:t>Raymon</a:t>
+            </a:r>
+            <a:r>
+              <a:rPr lang="es-ES" i="1" dirty="0"/>
+              <a:t> Wu</a:t>
+            </a:r>
+            <a:r>
+              <a:rPr lang="es-MX" i="1" dirty="0"/>
+              <a:t> </a:t>
+            </a:r>
+            <a:r>
+              <a:rPr lang="es-ES" i="1" dirty="0"/>
+              <a:t>(2016), “Deep </a:t>
+            </a:r>
+            <a:r>
+              <a:rPr lang="es-ES" i="1" dirty="0" err="1"/>
+              <a:t>Learning</a:t>
+            </a:r>
+            <a:r>
+              <a:rPr lang="es-ES" i="1" dirty="0"/>
+              <a:t> </a:t>
+            </a:r>
+            <a:r>
+              <a:rPr lang="es-ES" i="1" dirty="0" err="1"/>
+              <a:t>for</a:t>
+            </a:r>
+            <a:r>
+              <a:rPr lang="es-ES" i="1" dirty="0"/>
+              <a:t> Music”</a:t>
+            </a:r>
+          </a:p>
+          <a:p>
+            <a:r>
+              <a:rPr lang="en-US" i="1" dirty="0"/>
+              <a:t>[10] Colin </a:t>
+            </a:r>
+            <a:r>
+              <a:rPr lang="en-US" i="1" dirty="0" err="1"/>
+              <a:t>Raffel</a:t>
+            </a:r>
+            <a:r>
+              <a:rPr lang="en-US" i="1" dirty="0"/>
+              <a:t> (2016). "Learning-Based Methods for Comparing Sequences, with Applications to Audio-to-MIDI Alignment and Matching". PhD Thesis.</a:t>
+            </a:r>
+            <a:endParaRPr lang="es-ES" i="1" dirty="0"/>
+          </a:p>
+          <a:p>
+            <a:endParaRPr lang="es-MX" i="1" dirty="0"/>
+          </a:p>
+          <a:p>
+            <a:endParaRPr lang="es-ES_tradnl" dirty="0">
+              <a:solidFill>
+                <a:schemeClr val="tx1">
+                  <a:lumMod val="65000"/>
+                  <a:lumOff val="35000"/>
+                </a:schemeClr>
+              </a:solidFill>
+              <a:latin typeface="Arial"/>
+              <a:cs typeface="Arial"/>
+            </a:endParaRPr>
+          </a:p>
+        </p:txBody>
+      </p:sp>
+    </p:spTree>
+    <p:extLst>
+      <p:ext uri="{BB962C8B-B14F-4D97-AF65-F5344CB8AC3E}">
+        <p14:creationId xmlns:p14="http://schemas.microsoft.com/office/powerpoint/2010/main" val="209157691"/>
+      </p:ext>
+    </p:extLst>
+  </p:cSld>
+  <p:clrMapOvr>
+    <a:masterClrMapping/>
+  </p:clrMapOvr>
+</p:sld>
+</file>
+
+<file path=ppt/slides/slide23.xml><?xml version="1.0" encoding="utf-8"?>
+<p:sld xmlns:a="http://schemas.openxmlformats.org/drawingml/2006/main" xmlns:r="http://schemas.openxmlformats.org/officeDocument/2006/relationships" xmlns:p="http://schemas.openxmlformats.org/presentationml/2006/main">
+  <p:cSld>
+    <p:spTree>
+      <p:nvGrpSpPr>
+        <p:cNvPr id="1" name=""/>
+        <p:cNvGrpSpPr/>
+        <p:nvPr/>
+      </p:nvGrpSpPr>
+      <p:grpSpPr>
+        <a:xfrm>
+          <a:off x="0" y="0"/>
+          <a:ext cx="0" cy="0"/>
+          <a:chOff x="0" y="0"/>
+          <a:chExt cx="0" cy="0"/>
+        </a:xfrm>
+      </p:grpSpPr>
+      <p:pic>
+        <p:nvPicPr>
+          <p:cNvPr id="3" name="Imagen 2" descr="Imagen PPT UAG NEW-03.jpg"/>
+          <p:cNvPicPr>
+            <a:picLocks noChangeAspect="1"/>
+          </p:cNvPicPr>
+          <p:nvPr/>
+        </p:nvPicPr>
+        <p:blipFill>
+          <a:blip r:embed="rId2"/>
+          <a:stretch>
+            <a:fillRect/>
+          </a:stretch>
+        </p:blipFill>
+        <p:spPr>
+          <a:xfrm>
+            <a:off x="0" y="0"/>
+            <a:ext cx="9144000" cy="6858000"/>
           </a:xfrm>
           <a:prstGeom prst="rect">
             <a:avLst/>
@@ -5250,8 +6310,8 @@
         </p:nvSpPr>
         <p:spPr>
           <a:xfrm>
-            <a:off x="457200" y="1371600"/>
-            <a:ext cx="5715000" cy="2308324"/>
+            <a:off x="457199" y="1371600"/>
+            <a:ext cx="8158465" cy="2585323"/>
           </a:xfrm>
           <a:prstGeom prst="rect">
             <a:avLst/>
@@ -5275,10 +6335,12 @@
                 <a:latin typeface="Arial"/>
                 <a:cs typeface="Arial"/>
               </a:rPr>
-              <a:t>Este proyecto se centrara en crear melodías musicales de guitarra, bajo </a:t>
-            </a:r>
-            <a:r>
-              <a:rPr lang="es-ES_tradnl" dirty="0" err="1">
+              <a:t>Este proyecto se centrara en crear melodías musicales de guitarra y bajo, no se analizaran otros instrumentos.</a:t>
+            </a:r>
+          </a:p>
+          <a:p>
+            <a:r>
+              <a:rPr lang="es-ES_tradnl" dirty="0">
                 <a:solidFill>
                   <a:schemeClr val="tx1">
                     <a:lumMod val="65000"/>
@@ -5288,10 +6350,12 @@
                 <a:latin typeface="Arial"/>
                 <a:cs typeface="Arial"/>
               </a:rPr>
-              <a:t>asi</a:t>
-            </a:r>
-            <a:r>
-              <a:rPr lang="es-ES_tradnl" dirty="0">
+              <a:t>Las nuevas canciones creadas por estos algoritmos no buscan ser composiciones finales, la única intensión es crear una serie de ideas para nuevas canciones. </a:t>
+            </a:r>
+          </a:p>
+          <a:p>
+            <a:r>
+              <a:rPr lang="es-ES" dirty="0">
                 <a:solidFill>
                   <a:schemeClr val="tx1">
                     <a:lumMod val="65000"/>
@@ -5301,23 +6365,30 @@
                 <a:latin typeface="Arial"/>
                 <a:cs typeface="Arial"/>
               </a:rPr>
-              <a:t> como también ritmos básicos de batería, no se analizaran otros instrumentos.</a:t>
-            </a:r>
-          </a:p>
-          <a:p>
-            <a:r>
-              <a:rPr lang="es-ES_tradnl" dirty="0">
-                <a:solidFill>
-                  <a:schemeClr val="tx1">
-                    <a:lumMod val="65000"/>
-                    <a:lumOff val="35000"/>
-                  </a:schemeClr>
-                </a:solidFill>
-                <a:latin typeface="Arial"/>
-                <a:cs typeface="Arial"/>
-              </a:rPr>
-              <a:t>Las nuevas canciones creadas por estos algoritmos no buscan ser ideas finales de composición, la única intensión es crear una serie de ideas para nuevas canciones</a:t>
-            </a:r>
+              <a:t>La base de datos usada para entrenar a la red neuronal consta de canciones de genero rock y pop únicamente, no se entrenara la red para reconocer y generar canciones de otros géneros musicales.</a:t>
+            </a:r>
+            <a:endParaRPr lang="es-ES_tradnl" dirty="0">
+              <a:solidFill>
+                <a:schemeClr val="tx1">
+                  <a:lumMod val="65000"/>
+                  <a:lumOff val="35000"/>
+                </a:schemeClr>
+              </a:solidFill>
+              <a:latin typeface="Arial"/>
+              <a:cs typeface="Arial"/>
+            </a:endParaRPr>
+          </a:p>
+          <a:p>
+            <a:endParaRPr lang="es-ES_tradnl" dirty="0">
+              <a:solidFill>
+                <a:schemeClr val="tx1">
+                  <a:lumMod val="65000"/>
+                  <a:lumOff val="35000"/>
+                </a:schemeClr>
+              </a:solidFill>
+              <a:latin typeface="Arial"/>
+              <a:cs typeface="Arial"/>
+            </a:endParaRPr>
           </a:p>
         </p:txBody>
       </p:sp>
@@ -5387,47 +6458,6 @@
           <a:xfrm>
             <a:off x="4800600" y="4020732"/>
             <a:ext cx="3815065" cy="1120676"/>
-          </a:xfrm>
-          <a:prstGeom prst="rect">
-            <a:avLst/>
-          </a:prstGeom>
-          <a:noFill/>
-          <a:extLst>
-            <a:ext uri="{909E8E84-426E-40DD-AFC4-6F175D3DCCD1}">
-              <a14:hiddenFill xmlns:a14="http://schemas.microsoft.com/office/drawing/2010/main">
-                <a:solidFill>
-                  <a:srgbClr val="FFFFFF"/>
-                </a:solidFill>
-              </a14:hiddenFill>
-            </a:ext>
-          </a:extLst>
-        </p:spPr>
-      </p:pic>
-      <p:pic>
-        <p:nvPicPr>
-          <p:cNvPr id="1034" name="Picture 10" descr="Resultado de imagen para bateria"/>
-          <p:cNvPicPr>
-            <a:picLocks noChangeAspect="1" noChangeArrowheads="1"/>
-          </p:cNvPicPr>
-          <p:nvPr/>
-        </p:nvPicPr>
-        <p:blipFill>
-          <a:blip r:embed="rId4">
-            <a:extLst>
-              <a:ext uri="{28A0092B-C50C-407E-A947-70E740481C1C}">
-                <a14:useLocalDpi xmlns:a14="http://schemas.microsoft.com/office/drawing/2010/main" val="0"/>
-              </a:ext>
-            </a:extLst>
-          </a:blip>
-          <a:srcRect/>
-          <a:stretch>
-            <a:fillRect/>
-          </a:stretch>
-        </p:blipFill>
-        <p:spPr bwMode="auto">
-          <a:xfrm>
-            <a:off x="6172200" y="1371600"/>
-            <a:ext cx="2011363" cy="2011363"/>
           </a:xfrm>
           <a:prstGeom prst="rect">
             <a:avLst/>
@@ -6065,8 +7095,57 @@
                 <a:latin typeface="Arial"/>
                 <a:cs typeface="Arial"/>
               </a:rPr>
-              <a:t>Descripción de la Propuesta</a:t>
-            </a:r>
+              <a:t>Marco Teórico</a:t>
+            </a:r>
+          </a:p>
+        </p:txBody>
+      </p:sp>
+      <p:sp>
+        <p:nvSpPr>
+          <p:cNvPr id="4" name="CuadroTexto 3"/>
+          <p:cNvSpPr txBox="1"/>
+          <p:nvPr/>
+        </p:nvSpPr>
+        <p:spPr>
+          <a:xfrm>
+            <a:off x="457200" y="1371600"/>
+            <a:ext cx="5715000" cy="677108"/>
+          </a:xfrm>
+          <a:prstGeom prst="rect">
+            <a:avLst/>
+          </a:prstGeom>
+          <a:noFill/>
+        </p:spPr>
+        <p:txBody>
+          <a:bodyPr wrap="square" rtlCol="0">
+            <a:spAutoFit/>
+          </a:bodyPr>
+          <a:lstStyle/>
+          <a:p>
+            <a:r>
+              <a:rPr lang="es-ES_tradnl" sz="2000" b="1" dirty="0">
+                <a:solidFill>
+                  <a:schemeClr val="accent2">
+                    <a:lumMod val="75000"/>
+                  </a:schemeClr>
+                </a:solidFill>
+                <a:latin typeface="Arial"/>
+                <a:cs typeface="Arial"/>
+              </a:rPr>
+              <a:t>Redes Recurrentes</a:t>
+            </a:r>
+          </a:p>
+          <a:p>
+            <a:endParaRPr lang="es-ES_tradnl" dirty="0">
+              <a:solidFill>
+                <a:schemeClr val="tx1">
+                  <a:lumMod val="65000"/>
+                  <a:lumOff val="35000"/>
+                </a:schemeClr>
+              </a:solidFill>
+              <a:latin typeface="Arial"/>
+              <a:cs typeface="Arial"/>
+            </a:endParaRPr>
           </a:p>
         </p:txBody>
       </p:sp>
@@ -6086,18 +7165,120 @@
         </p:blipFill>
         <p:spPr>
           <a:xfrm>
-            <a:off x="1021440" y="1765125"/>
-            <a:ext cx="7101120" cy="3327750"/>
-          </a:xfrm>
-          <a:prstGeom prst="rect">
-            <a:avLst/>
-          </a:prstGeom>
+            <a:off x="457200" y="2048708"/>
+            <a:ext cx="3352800" cy="925178"/>
+          </a:xfrm>
+          <a:prstGeom prst="rect">
+            <a:avLst/>
+          </a:prstGeom>
+        </p:spPr>
+      </p:pic>
+      <p:sp>
+        <p:nvSpPr>
+          <p:cNvPr id="5" name="CuadroTexto 3">
+            <a:extLst>
+              <a:ext uri="{FF2B5EF4-FFF2-40B4-BE49-F238E27FC236}">
+                <a16:creationId xmlns:a16="http://schemas.microsoft.com/office/drawing/2014/main" id="{2C6F1E49-54A6-4552-AC09-D263F8B76677}"/>
+              </a:ext>
+            </a:extLst>
+          </p:cNvPr>
+          <p:cNvSpPr txBox="1"/>
+          <p:nvPr/>
+        </p:nvSpPr>
+        <p:spPr>
+          <a:xfrm>
+            <a:off x="5029200" y="1371600"/>
+            <a:ext cx="5715000" cy="677108"/>
+          </a:xfrm>
+          <a:prstGeom prst="rect">
+            <a:avLst/>
+          </a:prstGeom>
+          <a:noFill/>
+        </p:spPr>
+        <p:txBody>
+          <a:bodyPr wrap="square" rtlCol="0">
+            <a:spAutoFit/>
+          </a:bodyPr>
+          <a:lstStyle/>
+          <a:p>
+            <a:r>
+              <a:rPr lang="es-ES_tradnl" sz="2000" b="1" dirty="0">
+                <a:solidFill>
+                  <a:schemeClr val="accent2">
+                    <a:lumMod val="75000"/>
+                  </a:schemeClr>
+                </a:solidFill>
+                <a:latin typeface="Arial"/>
+                <a:cs typeface="Arial"/>
+              </a:rPr>
+              <a:t>LSTM</a:t>
+            </a:r>
+          </a:p>
+          <a:p>
+            <a:endParaRPr lang="es-ES_tradnl" dirty="0">
+              <a:solidFill>
+                <a:schemeClr val="tx1">
+                  <a:lumMod val="65000"/>
+                  <a:lumOff val="35000"/>
+                </a:schemeClr>
+              </a:solidFill>
+              <a:latin typeface="Arial"/>
+              <a:cs typeface="Arial"/>
+            </a:endParaRPr>
+          </a:p>
+        </p:txBody>
+      </p:sp>
+      <p:pic>
+        <p:nvPicPr>
+          <p:cNvPr id="1028" name="Picture 4" descr="Resultado de imagen para lstm">
+            <a:extLst>
+              <a:ext uri="{FF2B5EF4-FFF2-40B4-BE49-F238E27FC236}">
+                <a16:creationId xmlns:a16="http://schemas.microsoft.com/office/drawing/2014/main" id="{424E8126-E2B3-4776-910F-9E53B5CE7BCE}"/>
+              </a:ext>
+            </a:extLst>
+          </p:cNvPr>
+          <p:cNvPicPr>
+            <a:picLocks noChangeAspect="1" noChangeArrowheads="1"/>
+          </p:cNvPicPr>
+          <p:nvPr/>
+        </p:nvPicPr>
+        <p:blipFill>
+          <a:blip r:embed="rId3">
+            <a:extLst>
+              <a:ext uri="{28A0092B-C50C-407E-A947-70E740481C1C}">
+                <a14:useLocalDpi xmlns:a14="http://schemas.microsoft.com/office/drawing/2010/main" val="0"/>
+              </a:ext>
+            </a:extLst>
+          </a:blip>
+          <a:srcRect/>
+          <a:stretch>
+            <a:fillRect/>
+          </a:stretch>
+        </p:blipFill>
+        <p:spPr bwMode="auto">
+          <a:xfrm>
+            <a:off x="3810000" y="2002139"/>
+            <a:ext cx="5048250" cy="2828925"/>
+          </a:xfrm>
+          <a:prstGeom prst="rect">
+            <a:avLst/>
+          </a:prstGeom>
+          <a:noFill/>
+          <a:extLst>
+            <a:ext uri="{909E8E84-426E-40DD-AFC4-6F175D3DCCD1}">
+              <a14:hiddenFill xmlns:a14="http://schemas.microsoft.com/office/drawing/2010/main">
+                <a:solidFill>
+                  <a:srgbClr val="FFFFFF"/>
+                </a:solidFill>
+              </a14:hiddenFill>
+            </a:ext>
+          </a:extLst>
         </p:spPr>
       </p:pic>
     </p:spTree>
     <p:extLst>
       <p:ext uri="{BB962C8B-B14F-4D97-AF65-F5344CB8AC3E}">
-        <p14:creationId xmlns:p14="http://schemas.microsoft.com/office/powerpoint/2010/main" val="1508648440"/>
+        <p14:creationId xmlns:p14="http://schemas.microsoft.com/office/powerpoint/2010/main" val="3250406316"/>
       </p:ext>
     </p:extLst>
   </p:cSld>
@@ -6156,14 +7337,133 @@
                 <a:latin typeface="Arial"/>
                 <a:cs typeface="Arial"/>
               </a:rPr>
-              <a:t>Descripción de la Propuesta</a:t>
-            </a:r>
+              <a:t>Marco Teórico</a:t>
+            </a:r>
+          </a:p>
+        </p:txBody>
+      </p:sp>
+      <p:sp>
+        <p:nvSpPr>
+          <p:cNvPr id="4" name="CuadroTexto 3"/>
+          <p:cNvSpPr txBox="1"/>
+          <p:nvPr/>
+        </p:nvSpPr>
+        <p:spPr>
+          <a:xfrm>
+            <a:off x="457200" y="1371600"/>
+            <a:ext cx="7239000" cy="677108"/>
+          </a:xfrm>
+          <a:prstGeom prst="rect">
+            <a:avLst/>
+          </a:prstGeom>
+          <a:noFill/>
+        </p:spPr>
+        <p:txBody>
+          <a:bodyPr wrap="square" rtlCol="0">
+            <a:spAutoFit/>
+          </a:bodyPr>
+          <a:lstStyle/>
+          <a:p>
+            <a:r>
+              <a:rPr lang="es-ES_tradnl" sz="2000" b="1" dirty="0">
+                <a:solidFill>
+                  <a:schemeClr val="accent2">
+                    <a:lumMod val="75000"/>
+                  </a:schemeClr>
+                </a:solidFill>
+                <a:latin typeface="Arial"/>
+                <a:cs typeface="Arial"/>
+              </a:rPr>
+              <a:t>Optimizadores de Gradiente estocásticos de descenso</a:t>
+            </a:r>
+          </a:p>
+          <a:p>
+            <a:endParaRPr lang="es-ES_tradnl" dirty="0">
+              <a:solidFill>
+                <a:schemeClr val="tx1">
+                  <a:lumMod val="65000"/>
+                  <a:lumOff val="35000"/>
+                </a:schemeClr>
+              </a:solidFill>
+              <a:latin typeface="Arial"/>
+              <a:cs typeface="Arial"/>
+            </a:endParaRPr>
+          </a:p>
+        </p:txBody>
+      </p:sp>
+      <p:sp>
+        <p:nvSpPr>
+          <p:cNvPr id="8" name="CuadroTexto 3">
+            <a:extLst>
+              <a:ext uri="{FF2B5EF4-FFF2-40B4-BE49-F238E27FC236}">
+                <a16:creationId xmlns:a16="http://schemas.microsoft.com/office/drawing/2014/main" id="{6A815BD4-32B8-4B38-8DD8-4ED6BA322AD4}"/>
+              </a:ext>
+            </a:extLst>
+          </p:cNvPr>
+          <p:cNvSpPr txBox="1"/>
+          <p:nvPr/>
+        </p:nvSpPr>
+        <p:spPr>
+          <a:xfrm>
+            <a:off x="457200" y="1862554"/>
+            <a:ext cx="5715000" cy="677108"/>
+          </a:xfrm>
+          <a:prstGeom prst="rect">
+            <a:avLst/>
+          </a:prstGeom>
+          <a:noFill/>
+        </p:spPr>
+        <p:txBody>
+          <a:bodyPr wrap="square" rtlCol="0">
+            <a:spAutoFit/>
+          </a:bodyPr>
+          <a:lstStyle/>
+          <a:p>
+            <a:r>
+              <a:rPr lang="es-ES_tradnl" sz="2000" b="1" dirty="0" err="1">
+                <a:solidFill>
+                  <a:schemeClr val="accent2">
+                    <a:lumMod val="75000"/>
+                  </a:schemeClr>
+                </a:solidFill>
+                <a:latin typeface="Arial"/>
+                <a:cs typeface="Arial"/>
+              </a:rPr>
+              <a:t>RMSProp</a:t>
+            </a:r>
+            <a:endParaRPr lang="es-ES_tradnl" sz="2000" b="1" dirty="0">
+              <a:solidFill>
+                <a:schemeClr val="accent2">
+                  <a:lumMod val="75000"/>
+                </a:schemeClr>
+              </a:solidFill>
+              <a:latin typeface="Arial"/>
+              <a:cs typeface="Arial"/>
+            </a:endParaRPr>
+          </a:p>
+          <a:p>
+            <a:endParaRPr lang="es-ES_tradnl" dirty="0">
+              <a:solidFill>
+                <a:schemeClr val="tx1">
+                  <a:lumMod val="65000"/>
+                  <a:lumOff val="35000"/>
+                </a:schemeClr>
+              </a:solidFill>
+              <a:latin typeface="Arial"/>
+              <a:cs typeface="Arial"/>
+            </a:endParaRPr>
           </a:p>
         </p:txBody>
       </p:sp>
       <p:pic>
         <p:nvPicPr>
-          <p:cNvPr id="3" name="Imagen 2"/>
+          <p:cNvPr id="3" name="Picture 2">
+            <a:extLst>
+              <a:ext uri="{FF2B5EF4-FFF2-40B4-BE49-F238E27FC236}">
+                <a16:creationId xmlns:a16="http://schemas.microsoft.com/office/drawing/2014/main" id="{188CB02D-4F7A-4941-9919-AD2C50731DE7}"/>
+              </a:ext>
+            </a:extLst>
+          </p:cNvPr>
           <p:cNvPicPr>
             <a:picLocks noChangeAspect="1"/>
           </p:cNvPicPr>
@@ -6177,8 +7477,8 @@
         </p:blipFill>
         <p:spPr>
           <a:xfrm>
-            <a:off x="2373259" y="1092234"/>
-            <a:ext cx="4397482" cy="4673532"/>
+            <a:off x="457201" y="2590800"/>
+            <a:ext cx="3276600" cy="1142446"/>
           </a:xfrm>
           <a:prstGeom prst="rect">
             <a:avLst/>
@@ -6187,14 +7487,20 @@
       </p:pic>
       <p:sp>
         <p:nvSpPr>
-          <p:cNvPr id="4" name="CuadroTexto 3"/>
+          <p:cNvPr id="10" name="CuadroTexto 3">
+            <a:extLst>
+              <a:ext uri="{FF2B5EF4-FFF2-40B4-BE49-F238E27FC236}">
+                <a16:creationId xmlns:a16="http://schemas.microsoft.com/office/drawing/2014/main" id="{9DE8D0B2-94BA-4573-B8CC-2773142A78C8}"/>
+              </a:ext>
+            </a:extLst>
+          </p:cNvPr>
           <p:cNvSpPr txBox="1"/>
           <p:nvPr/>
         </p:nvSpPr>
         <p:spPr>
           <a:xfrm>
-            <a:off x="609600" y="2133600"/>
-            <a:ext cx="1600200" cy="369332"/>
+            <a:off x="457200" y="3995173"/>
+            <a:ext cx="3505200" cy="1200329"/>
           </a:xfrm>
           <a:prstGeom prst="rect">
             <a:avLst/>
@@ -6208,15 +7514,104 @@
           <a:lstStyle/>
           <a:p>
             <a:r>
-              <a:rPr lang="es-MX" dirty="0"/>
-              <a:t>Red Neuronal</a:t>
-            </a:r>
+              <a:rPr lang="es-ES" dirty="0">
+                <a:solidFill>
+                  <a:schemeClr val="tx1">
+                    <a:lumMod val="65000"/>
+                    <a:lumOff val="35000"/>
+                  </a:schemeClr>
+                </a:solidFill>
+                <a:latin typeface="Arial"/>
+                <a:cs typeface="Arial"/>
+              </a:rPr>
+              <a:t>Divide la tasa de aprendizaje por un promedio decreciente exponencial de gradientes cuadrados.</a:t>
+            </a:r>
+            <a:endParaRPr lang="es-ES_tradnl" dirty="0">
+              <a:solidFill>
+                <a:schemeClr val="tx1">
+                  <a:lumMod val="65000"/>
+                  <a:lumOff val="35000"/>
+                </a:schemeClr>
+              </a:solidFill>
+              <a:latin typeface="Arial"/>
+              <a:cs typeface="Arial"/>
+            </a:endParaRPr>
+          </a:p>
+        </p:txBody>
+      </p:sp>
+      <p:sp>
+        <p:nvSpPr>
+          <p:cNvPr id="11" name="CuadroTexto 3">
+            <a:extLst>
+              <a:ext uri="{FF2B5EF4-FFF2-40B4-BE49-F238E27FC236}">
+                <a16:creationId xmlns:a16="http://schemas.microsoft.com/office/drawing/2014/main" id="{A772EEA1-1444-4242-B83A-DF0EBD5217E4}"/>
+              </a:ext>
+            </a:extLst>
+          </p:cNvPr>
+          <p:cNvSpPr txBox="1"/>
+          <p:nvPr/>
+        </p:nvSpPr>
+        <p:spPr>
+          <a:xfrm>
+            <a:off x="5181600" y="1888123"/>
+            <a:ext cx="3276600" cy="677108"/>
+          </a:xfrm>
+          <a:prstGeom prst="rect">
+            <a:avLst/>
+          </a:prstGeom>
+          <a:noFill/>
+        </p:spPr>
+        <p:txBody>
+          <a:bodyPr wrap="square" rtlCol="0">
+            <a:spAutoFit/>
+          </a:bodyPr>
+          <a:lstStyle/>
+          <a:p>
+            <a:r>
+              <a:rPr lang="es-ES_tradnl" sz="2000" b="1" dirty="0" err="1">
+                <a:solidFill>
+                  <a:schemeClr val="accent2">
+                    <a:lumMod val="75000"/>
+                  </a:schemeClr>
+                </a:solidFill>
+                <a:latin typeface="Arial"/>
+                <a:cs typeface="Arial"/>
+              </a:rPr>
+              <a:t>Nadam</a:t>
+            </a:r>
+            <a:endParaRPr lang="es-ES_tradnl" sz="2000" b="1" dirty="0">
+              <a:solidFill>
+                <a:schemeClr val="accent2">
+                  <a:lumMod val="75000"/>
+                </a:schemeClr>
+              </a:solidFill>
+              <a:latin typeface="Arial"/>
+              <a:cs typeface="Arial"/>
+            </a:endParaRPr>
+          </a:p>
+          <a:p>
+            <a:endParaRPr lang="es-ES_tradnl" dirty="0">
+              <a:solidFill>
+                <a:schemeClr val="tx1">
+                  <a:lumMod val="65000"/>
+                  <a:lumOff val="35000"/>
+                </a:schemeClr>
+              </a:solidFill>
+              <a:latin typeface="Arial"/>
+              <a:cs typeface="Arial"/>
+            </a:endParaRPr>
           </a:p>
         </p:txBody>
       </p:sp>
       <p:pic>
         <p:nvPicPr>
-          <p:cNvPr id="5" name="Imagen 4"/>
+          <p:cNvPr id="6" name="Picture 5">
+            <a:extLst>
+              <a:ext uri="{FF2B5EF4-FFF2-40B4-BE49-F238E27FC236}">
+                <a16:creationId xmlns:a16="http://schemas.microsoft.com/office/drawing/2014/main" id="{08003B9C-9B46-400A-818B-F94BDC27C7B8}"/>
+              </a:ext>
+            </a:extLst>
+          </p:cNvPr>
           <p:cNvPicPr>
             <a:picLocks noChangeAspect="1"/>
           </p:cNvPicPr>
@@ -6230,70 +7625,150 @@
         </p:blipFill>
         <p:spPr>
           <a:xfrm>
-            <a:off x="5321200" y="2667000"/>
-            <a:ext cx="2899081" cy="1207125"/>
+            <a:off x="4455318" y="2671488"/>
+            <a:ext cx="3433764" cy="718255"/>
           </a:xfrm>
           <a:prstGeom prst="rect">
             <a:avLst/>
           </a:prstGeom>
         </p:spPr>
       </p:pic>
-      <p:pic>
-        <p:nvPicPr>
-          <p:cNvPr id="8" name="Picture 2" descr="Resultado de imagen para keras and tensorflow"/>
-          <p:cNvPicPr>
-            <a:picLocks noChangeAspect="1" noChangeArrowheads="1"/>
-          </p:cNvPicPr>
-          <p:nvPr/>
-        </p:nvPicPr>
-        <p:blipFill>
-          <a:blip r:embed="rId4"/>
-          <a:srcRect/>
-          <a:stretch>
-            <a:fillRect/>
-          </a:stretch>
-        </p:blipFill>
-        <p:spPr bwMode="auto">
-          <a:xfrm>
-            <a:off x="6771004" y="4572000"/>
-            <a:ext cx="1711647" cy="688082"/>
+      <p:sp>
+        <p:nvSpPr>
+          <p:cNvPr id="13" name="CuadroTexto 3">
+            <a:extLst>
+              <a:ext uri="{FF2B5EF4-FFF2-40B4-BE49-F238E27FC236}">
+                <a16:creationId xmlns:a16="http://schemas.microsoft.com/office/drawing/2014/main" id="{5A10D506-3E69-4C32-AAED-BA7626D73AD8}"/>
+              </a:ext>
+            </a:extLst>
+          </p:cNvPr>
+          <p:cNvSpPr txBox="1"/>
+          <p:nvPr/>
+        </p:nvSpPr>
+        <p:spPr>
+          <a:xfrm>
+            <a:off x="4453763" y="3995172"/>
+            <a:ext cx="3505200" cy="1477328"/>
           </a:xfrm>
           <a:prstGeom prst="rect">
             <a:avLst/>
           </a:prstGeom>
           <a:noFill/>
         </p:spPr>
-      </p:pic>
-      <p:pic>
-        <p:nvPicPr>
-          <p:cNvPr id="9" name="Picture 4" descr="Resultado de imagen para python"/>
-          <p:cNvPicPr>
-            <a:picLocks noChangeAspect="1" noChangeArrowheads="1"/>
-          </p:cNvPicPr>
-          <p:nvPr/>
-        </p:nvPicPr>
-        <p:blipFill>
-          <a:blip r:embed="rId5"/>
-          <a:srcRect/>
-          <a:stretch>
-            <a:fillRect/>
-          </a:stretch>
-        </p:blipFill>
-        <p:spPr bwMode="auto">
-          <a:xfrm>
-            <a:off x="183165" y="2954245"/>
-            <a:ext cx="2057400" cy="694929"/>
-          </a:xfrm>
-          <a:prstGeom prst="rect">
-            <a:avLst/>
-          </a:prstGeom>
-          <a:noFill/>
-        </p:spPr>
-      </p:pic>
+        <p:txBody>
+          <a:bodyPr wrap="square" rtlCol="0">
+            <a:spAutoFit/>
+          </a:bodyPr>
+          <a:lstStyle/>
+          <a:p>
+            <a:r>
+              <a:rPr lang="es-ES" dirty="0">
+                <a:solidFill>
+                  <a:schemeClr val="tx1">
+                    <a:lumMod val="65000"/>
+                    <a:lumOff val="35000"/>
+                  </a:schemeClr>
+                </a:solidFill>
+                <a:latin typeface="Arial"/>
+                <a:cs typeface="Arial"/>
+              </a:rPr>
+              <a:t>Es una combinación de </a:t>
+            </a:r>
+            <a:r>
+              <a:rPr lang="es-ES" dirty="0" err="1">
+                <a:solidFill>
+                  <a:schemeClr val="tx1">
+                    <a:lumMod val="65000"/>
+                    <a:lumOff val="35000"/>
+                  </a:schemeClr>
+                </a:solidFill>
+                <a:latin typeface="Arial"/>
+                <a:cs typeface="Arial"/>
+              </a:rPr>
+              <a:t>RMSProp</a:t>
+            </a:r>
+            <a:r>
+              <a:rPr lang="es-ES" dirty="0">
+                <a:solidFill>
+                  <a:schemeClr val="tx1">
+                    <a:lumMod val="65000"/>
+                    <a:lumOff val="35000"/>
+                  </a:schemeClr>
+                </a:solidFill>
+                <a:latin typeface="Arial"/>
+                <a:cs typeface="Arial"/>
+              </a:rPr>
+              <a:t>, </a:t>
+            </a:r>
+            <a:r>
+              <a:rPr lang="es-ES" dirty="0" err="1">
+                <a:solidFill>
+                  <a:schemeClr val="tx1">
+                    <a:lumMod val="65000"/>
+                    <a:lumOff val="35000"/>
+                  </a:schemeClr>
+                </a:solidFill>
+                <a:latin typeface="Arial"/>
+                <a:cs typeface="Arial"/>
+              </a:rPr>
+              <a:t>Momentum</a:t>
+            </a:r>
+            <a:r>
+              <a:rPr lang="es-ES" dirty="0">
+                <a:solidFill>
+                  <a:schemeClr val="tx1">
+                    <a:lumMod val="65000"/>
+                    <a:lumOff val="35000"/>
+                  </a:schemeClr>
+                </a:solidFill>
+                <a:latin typeface="Arial"/>
+                <a:cs typeface="Arial"/>
+              </a:rPr>
+              <a:t> y </a:t>
+            </a:r>
+            <a:r>
+              <a:rPr lang="es-ES" dirty="0" err="1">
+                <a:solidFill>
+                  <a:schemeClr val="tx1">
+                    <a:lumMod val="65000"/>
+                    <a:lumOff val="35000"/>
+                  </a:schemeClr>
+                </a:solidFill>
+                <a:latin typeface="Arial"/>
+                <a:cs typeface="Arial"/>
+              </a:rPr>
+              <a:t>Nesterov</a:t>
+            </a:r>
+            <a:r>
+              <a:rPr lang="es-ES" dirty="0">
+                <a:solidFill>
+                  <a:schemeClr val="tx1">
+                    <a:lumMod val="65000"/>
+                    <a:lumOff val="35000"/>
+                  </a:schemeClr>
+                </a:solidFill>
+                <a:latin typeface="Arial"/>
+                <a:cs typeface="Arial"/>
+              </a:rPr>
+              <a:t> el cual posee una estimación del momento adaptativo</a:t>
+            </a:r>
+            <a:endParaRPr lang="es-ES_tradnl" dirty="0">
+              <a:solidFill>
+                <a:schemeClr val="tx1">
+                  <a:lumMod val="65000"/>
+                  <a:lumOff val="35000"/>
+                </a:schemeClr>
+              </a:solidFill>
+              <a:latin typeface="Arial"/>
+              <a:cs typeface="Arial"/>
+            </a:endParaRPr>
+          </a:p>
+        </p:txBody>
+      </p:sp>
     </p:spTree>
     <p:extLst>
       <p:ext uri="{BB962C8B-B14F-4D97-AF65-F5344CB8AC3E}">
-        <p14:creationId xmlns:p14="http://schemas.microsoft.com/office/powerpoint/2010/main" val="2363102580"/>
+        <p14:creationId xmlns:p14="http://schemas.microsoft.com/office/powerpoint/2010/main" val="2815017795"/>
       </p:ext>
     </p:extLst>
   </p:cSld>
@@ -6365,7 +7840,7 @@
         </p:nvSpPr>
         <p:spPr>
           <a:xfrm>
-            <a:off x="457200" y="1371600"/>
+            <a:off x="301690" y="1209869"/>
             <a:ext cx="5715000" cy="677108"/>
           </a:xfrm>
           <a:prstGeom prst="rect">
@@ -6389,7 +7864,7 @@
                 <a:latin typeface="Arial"/>
                 <a:cs typeface="Arial"/>
               </a:rPr>
-              <a:t>Redes Recurrentes LSTM</a:t>
+              <a:t>Tonalidades musicales</a:t>
             </a:r>
           </a:p>
           <a:p>
@@ -6408,32 +7883,55 @@
       </p:sp>
       <p:pic>
         <p:nvPicPr>
-          <p:cNvPr id="2" name="Imagen 1"/>
+          <p:cNvPr id="2050" name="Picture 2" descr="Resultado de imagen para tonalidades musicales">
+            <a:extLst>
+              <a:ext uri="{FF2B5EF4-FFF2-40B4-BE49-F238E27FC236}">
+                <a16:creationId xmlns:a16="http://schemas.microsoft.com/office/drawing/2014/main" id="{D04D4C85-BCAA-4D19-88C8-D34CC3564C1F}"/>
+              </a:ext>
+            </a:extLst>
+          </p:cNvPr>
           <p:cNvPicPr>
-            <a:picLocks noChangeAspect="1"/>
+            <a:picLocks noChangeAspect="1" noChangeArrowheads="1"/>
           </p:cNvPicPr>
           <p:nvPr/>
         </p:nvPicPr>
         <p:blipFill>
-          <a:blip r:embed="rId2"/>
+          <a:blip r:embed="rId2">
+            <a:extLst>
+              <a:ext uri="{28A0092B-C50C-407E-A947-70E740481C1C}">
+                <a14:useLocalDpi xmlns:a14="http://schemas.microsoft.com/office/drawing/2010/main" val="0"/>
+              </a:ext>
+            </a:extLst>
+          </a:blip>
+          <a:srcRect/>
           <a:stretch>
             <a:fillRect/>
           </a:stretch>
         </p:blipFill>
-        <p:spPr>
-          <a:xfrm>
-            <a:off x="457200" y="2048707"/>
-            <a:ext cx="5943600" cy="1640089"/>
-          </a:xfrm>
-          <a:prstGeom prst="rect">
-            <a:avLst/>
-          </a:prstGeom>
+        <p:spPr bwMode="auto">
+          <a:xfrm>
+            <a:off x="2057400" y="1571750"/>
+            <a:ext cx="4710112" cy="4157355"/>
+          </a:xfrm>
+          <a:prstGeom prst="rect">
+            <a:avLst/>
+          </a:prstGeom>
+          <a:noFill/>
+          <a:extLst>
+            <a:ext uri="{909E8E84-426E-40DD-AFC4-6F175D3DCCD1}">
+              <a14:hiddenFill xmlns:a14="http://schemas.microsoft.com/office/drawing/2010/main">
+                <a:solidFill>
+                  <a:srgbClr val="FFFFFF"/>
+                </a:solidFill>
+              </a14:hiddenFill>
+            </a:ext>
+          </a:extLst>
         </p:spPr>
       </p:pic>
     </p:spTree>
     <p:extLst>
       <p:ext uri="{BB962C8B-B14F-4D97-AF65-F5344CB8AC3E}">
-        <p14:creationId xmlns:p14="http://schemas.microsoft.com/office/powerpoint/2010/main" val="3250406316"/>
+        <p14:creationId xmlns:p14="http://schemas.microsoft.com/office/powerpoint/2010/main" val="2201531895"/>
       </p:ext>
     </p:extLst>
   </p:cSld>
@@ -6505,7 +8003,7 @@
         </p:nvSpPr>
         <p:spPr>
           <a:xfrm>
-            <a:off x="339634" y="1219200"/>
+            <a:off x="301690" y="1209869"/>
             <a:ext cx="5715000" cy="677108"/>
           </a:xfrm>
           <a:prstGeom prst="rect">
@@ -6529,8 +8027,29 @@
                 <a:latin typeface="Arial"/>
                 <a:cs typeface="Arial"/>
               </a:rPr>
-              <a:t>Formato MIDI</a:t>
-            </a:r>
+              <a:t>Algoritmo de </a:t>
+            </a:r>
+            <a:r>
+              <a:rPr lang="es-ES_tradnl" sz="2000" b="1" dirty="0" err="1">
+                <a:solidFill>
+                  <a:schemeClr val="accent2">
+                    <a:lumMod val="75000"/>
+                  </a:schemeClr>
+                </a:solidFill>
+                <a:latin typeface="Arial"/>
+                <a:cs typeface="Arial"/>
+              </a:rPr>
+              <a:t>Krumhansl-Schmuckler</a:t>
+            </a:r>
+            <a:endParaRPr lang="es-ES_tradnl" sz="2000" b="1" dirty="0">
+              <a:solidFill>
+                <a:schemeClr val="accent2">
+                  <a:lumMod val="75000"/>
+                </a:schemeClr>
+              </a:solidFill>
+              <a:latin typeface="Arial"/>
+              <a:cs typeface="Arial"/>
+            </a:endParaRPr>
           </a:p>
           <a:p>
             <a:endParaRPr lang="es-ES_tradnl" dirty="0">
@@ -6546,62 +8065,114 @@
           </a:p>
         </p:txBody>
       </p:sp>
+      <p:sp>
+        <p:nvSpPr>
+          <p:cNvPr id="8" name="CuadroTexto 3">
+            <a:extLst>
+              <a:ext uri="{FF2B5EF4-FFF2-40B4-BE49-F238E27FC236}">
+                <a16:creationId xmlns:a16="http://schemas.microsoft.com/office/drawing/2014/main" id="{F857FDB5-5A18-45B5-A030-98C5919DD5B2}"/>
+              </a:ext>
+            </a:extLst>
+          </p:cNvPr>
+          <p:cNvSpPr txBox="1"/>
+          <p:nvPr/>
+        </p:nvSpPr>
+        <p:spPr>
+          <a:xfrm>
+            <a:off x="304800" y="1740934"/>
+            <a:ext cx="7772400" cy="646331"/>
+          </a:xfrm>
+          <a:prstGeom prst="rect">
+            <a:avLst/>
+          </a:prstGeom>
+          <a:noFill/>
+        </p:spPr>
+        <p:txBody>
+          <a:bodyPr wrap="square" rtlCol="0">
+            <a:spAutoFit/>
+          </a:bodyPr>
+          <a:lstStyle/>
+          <a:p>
+            <a:r>
+              <a:rPr lang="es-ES_tradnl" dirty="0">
+                <a:solidFill>
+                  <a:schemeClr val="tx1">
+                    <a:lumMod val="65000"/>
+                    <a:lumOff val="35000"/>
+                  </a:schemeClr>
+                </a:solidFill>
+                <a:latin typeface="Arial"/>
+                <a:cs typeface="Arial"/>
+              </a:rPr>
+              <a:t>Este algoritmo me permite encontrar la tonalidad de una canción usando un coeficiente de correlación</a:t>
+            </a:r>
+          </a:p>
+        </p:txBody>
+      </p:sp>
       <p:pic>
         <p:nvPicPr>
-          <p:cNvPr id="8" name="Picture 2" descr="Resultado de imagen para MIDI bits"/>
+          <p:cNvPr id="2" name="Picture 1">
+            <a:extLst>
+              <a:ext uri="{FF2B5EF4-FFF2-40B4-BE49-F238E27FC236}">
+                <a16:creationId xmlns:a16="http://schemas.microsoft.com/office/drawing/2014/main" id="{A4441CAE-13F6-460E-B312-B58CB57C142C}"/>
+              </a:ext>
+            </a:extLst>
+          </p:cNvPr>
           <p:cNvPicPr>
-            <a:picLocks noChangeAspect="1" noChangeArrowheads="1"/>
+            <a:picLocks noChangeAspect="1"/>
           </p:cNvPicPr>
           <p:nvPr/>
         </p:nvPicPr>
         <p:blipFill>
           <a:blip r:embed="rId2"/>
-          <a:srcRect/>
           <a:stretch>
             <a:fillRect/>
           </a:stretch>
         </p:blipFill>
-        <p:spPr bwMode="auto">
-          <a:xfrm>
-            <a:off x="1447800" y="1791789"/>
-            <a:ext cx="4975011" cy="1981200"/>
-          </a:xfrm>
-          <a:prstGeom prst="rect">
-            <a:avLst/>
-          </a:prstGeom>
-          <a:noFill/>
+        <p:spPr>
+          <a:xfrm>
+            <a:off x="466142" y="2743200"/>
+            <a:ext cx="3486150" cy="1581150"/>
+          </a:xfrm>
+          <a:prstGeom prst="rect">
+            <a:avLst/>
+          </a:prstGeom>
         </p:spPr>
       </p:pic>
       <p:pic>
         <p:nvPicPr>
-          <p:cNvPr id="9" name="Picture 4" descr="Resultado de imagen para MIDI to neural network"/>
+          <p:cNvPr id="5" name="Picture 4">
+            <a:extLst>
+              <a:ext uri="{FF2B5EF4-FFF2-40B4-BE49-F238E27FC236}">
+                <a16:creationId xmlns:a16="http://schemas.microsoft.com/office/drawing/2014/main" id="{B520915B-7CB4-4C2D-8298-8E000F11C4A9}"/>
+              </a:ext>
+            </a:extLst>
+          </p:cNvPr>
           <p:cNvPicPr>
-            <a:picLocks noChangeAspect="1" noChangeArrowheads="1"/>
+            <a:picLocks noChangeAspect="1"/>
           </p:cNvPicPr>
           <p:nvPr/>
         </p:nvPicPr>
         <p:blipFill>
           <a:blip r:embed="rId3"/>
-          <a:srcRect/>
           <a:stretch>
             <a:fillRect/>
           </a:stretch>
         </p:blipFill>
-        <p:spPr bwMode="auto">
-          <a:xfrm>
-            <a:off x="1274763" y="3315789"/>
-            <a:ext cx="5222874" cy="2684190"/>
-          </a:xfrm>
-          <a:prstGeom prst="rect">
-            <a:avLst/>
-          </a:prstGeom>
-          <a:noFill/>
+        <p:spPr>
+          <a:xfrm>
+            <a:off x="4191000" y="3022957"/>
+            <a:ext cx="4114800" cy="797687"/>
+          </a:xfrm>
+          <a:prstGeom prst="rect">
+            <a:avLst/>
+          </a:prstGeom>
         </p:spPr>
       </p:pic>
     </p:spTree>
     <p:extLst>
       <p:ext uri="{BB962C8B-B14F-4D97-AF65-F5344CB8AC3E}">
-        <p14:creationId xmlns:p14="http://schemas.microsoft.com/office/powerpoint/2010/main" val="735667687"/>
+        <p14:creationId xmlns:p14="http://schemas.microsoft.com/office/powerpoint/2010/main" val="1145554890"/>
       </p:ext>
     </p:extLst>
   </p:cSld>

--- a/Presentacion.pptx
+++ b/Presentacion.pptx
@@ -3394,67 +3394,12 @@
           </a:p>
         </p:txBody>
       </p:sp>
-      <p:sp>
-        <p:nvSpPr>
-          <p:cNvPr id="4" name="CuadroTexto 3"/>
-          <p:cNvSpPr txBox="1"/>
-          <p:nvPr/>
-        </p:nvSpPr>
-        <p:spPr>
-          <a:xfrm>
-            <a:off x="457200" y="1371600"/>
-            <a:ext cx="7772400" cy="646331"/>
-          </a:xfrm>
-          <a:prstGeom prst="rect">
-            <a:avLst/>
-          </a:prstGeom>
-          <a:noFill/>
-        </p:spPr>
-        <p:txBody>
-          <a:bodyPr wrap="square" rtlCol="0">
-            <a:spAutoFit/>
-          </a:bodyPr>
-          <a:lstStyle/>
-          <a:p>
-            <a:pPr marL="285750" indent="-285750">
-              <a:buFontTx/>
-              <a:buChar char="-"/>
-            </a:pPr>
-            <a:endParaRPr lang="es-ES_tradnl" dirty="0">
-              <a:solidFill>
-                <a:schemeClr val="tx1">
-                  <a:lumMod val="65000"/>
-                  <a:lumOff val="35000"/>
-                </a:schemeClr>
-              </a:solidFill>
-              <a:latin typeface="Arial"/>
-              <a:cs typeface="Arial"/>
-            </a:endParaRPr>
-          </a:p>
-          <a:p>
-            <a:pPr marL="285750" indent="-285750">
-              <a:buFontTx/>
-              <a:buChar char="-"/>
-            </a:pPr>
-            <a:endParaRPr lang="es-ES_tradnl" dirty="0">
-              <a:solidFill>
-                <a:schemeClr val="tx1">
-                  <a:lumMod val="65000"/>
-                  <a:lumOff val="35000"/>
-                </a:schemeClr>
-              </a:solidFill>
-              <a:latin typeface="Arial"/>
-              <a:cs typeface="Arial"/>
-            </a:endParaRPr>
-          </a:p>
-        </p:txBody>
-      </p:sp>
       <p:pic>
         <p:nvPicPr>
-          <p:cNvPr id="8" name="Picture 7">
+          <p:cNvPr id="2" name="Picture 1">
             <a:extLst>
               <a:ext uri="{FF2B5EF4-FFF2-40B4-BE49-F238E27FC236}">
-                <a16:creationId xmlns:a16="http://schemas.microsoft.com/office/drawing/2014/main" id="{68E01341-255C-4150-B87D-052B943968DE}"/>
+                <a16:creationId xmlns:a16="http://schemas.microsoft.com/office/drawing/2014/main" id="{7F2A39D2-55C6-4546-925A-C78FD89E80B6}"/>
               </a:ext>
             </a:extLst>
           </p:cNvPr>
@@ -3471,8 +3416,8 @@
         </p:blipFill>
         <p:spPr>
           <a:xfrm>
-            <a:off x="147346" y="962105"/>
-            <a:ext cx="8553450" cy="2733675"/>
+            <a:off x="113134" y="3714441"/>
+            <a:ext cx="8883520" cy="1928993"/>
           </a:xfrm>
           <a:prstGeom prst="rect">
             <a:avLst/>
@@ -3481,10 +3426,10 @@
       </p:pic>
       <p:pic>
         <p:nvPicPr>
-          <p:cNvPr id="9" name="Picture 8">
+          <p:cNvPr id="3" name="Picture 2">
             <a:extLst>
               <a:ext uri="{FF2B5EF4-FFF2-40B4-BE49-F238E27FC236}">
-                <a16:creationId xmlns:a16="http://schemas.microsoft.com/office/drawing/2014/main" id="{993CAC42-450C-4005-A7CA-D9F98B66B50D}"/>
+                <a16:creationId xmlns:a16="http://schemas.microsoft.com/office/drawing/2014/main" id="{F5AB56C1-915B-4E50-9258-F2E124001A1D}"/>
               </a:ext>
             </a:extLst>
           </p:cNvPr>
@@ -3501,8 +3446,8 @@
         </p:blipFill>
         <p:spPr>
           <a:xfrm>
-            <a:off x="838200" y="3558958"/>
-            <a:ext cx="5082187" cy="2336937"/>
+            <a:off x="346593" y="1220786"/>
+            <a:ext cx="8401050" cy="2352675"/>
           </a:xfrm>
           <a:prstGeom prst="rect">
             <a:avLst/>
